--- a/education/Attributes & Reflection.pptx
+++ b/education/Attributes & Reflection.pptx
@@ -7,7 +7,7 @@
     <p:sldMasterId id="2147483686" r:id="rId3"/>
   </p:sldMasterIdLst>
   <p:handoutMasterIdLst>
-    <p:handoutMasterId r:id="rId18"/>
+    <p:handoutMasterId r:id="rId20"/>
   </p:handoutMasterIdLst>
   <p:sldIdLst>
     <p:sldId id="287" r:id="rId4"/>
@@ -15,15 +15,17 @@
     <p:sldId id="267" r:id="rId6"/>
     <p:sldId id="282" r:id="rId7"/>
     <p:sldId id="270" r:id="rId8"/>
-    <p:sldId id="279" r:id="rId9"/>
-    <p:sldId id="269" r:id="rId10"/>
-    <p:sldId id="280" r:id="rId11"/>
-    <p:sldId id="290" r:id="rId12"/>
-    <p:sldId id="289" r:id="rId13"/>
-    <p:sldId id="272" r:id="rId14"/>
-    <p:sldId id="273" r:id="rId15"/>
-    <p:sldId id="288" r:id="rId16"/>
-    <p:sldId id="262" r:id="rId17"/>
+    <p:sldId id="291" r:id="rId9"/>
+    <p:sldId id="292" r:id="rId10"/>
+    <p:sldId id="293" r:id="rId11"/>
+    <p:sldId id="279" r:id="rId12"/>
+    <p:sldId id="269" r:id="rId13"/>
+    <p:sldId id="280" r:id="rId14"/>
+    <p:sldId id="290" r:id="rId15"/>
+    <p:sldId id="289" r:id="rId16"/>
+    <p:sldId id="272" r:id="rId17"/>
+    <p:sldId id="273" r:id="rId18"/>
+    <p:sldId id="262" r:id="rId19"/>
   </p:sldIdLst>
   <p:sldSz cx="9144000" cy="6858000" type="screen4x3"/>
   <p:notesSz cx="6858000" cy="9144000"/>
@@ -124,7 +126,7 @@
   </p:defaultTextStyle>
   <p:extLst>
     <p:ext uri="{EFAFB233-063F-42B5-8137-9DF3F51BA10A}">
-      <p15:sldGuideLst xmlns="" xmlns:p15="http://schemas.microsoft.com/office/powerpoint/2012/main">
+      <p15:sldGuideLst xmlns:p15="http://schemas.microsoft.com/office/powerpoint/2012/main" xmlns="">
         <p15:guide id="2" pos="2880" userDrawn="1">
           <p15:clr>
             <a:srgbClr val="A4A3A4"/>
@@ -143,7 +145,7 @@
       </p15:sldGuideLst>
     </p:ext>
     <p:ext uri="{2D200454-40CA-4A62-9FC3-DE9A4176ACB9}">
-      <p15:notesGuideLst xmlns="" xmlns:p15="http://schemas.microsoft.com/office/powerpoint/2012/main"/>
+      <p15:notesGuideLst xmlns:p15="http://schemas.microsoft.com/office/powerpoint/2012/main" xmlns=""/>
     </p:ext>
   </p:extLst>
 </p:presentation>
@@ -308,7 +310,7 @@
     </p:spTree>
     <p:extLst>
       <p:ext uri="{BB962C8B-B14F-4D97-AF65-F5344CB8AC3E}">
-        <p14:creationId xmlns="" xmlns:p14="http://schemas.microsoft.com/office/powerpoint/2010/main" val="880986055"/>
+        <p14:creationId xmlns:p14="http://schemas.microsoft.com/office/powerpoint/2010/main" xmlns="" val="880986055"/>
       </p:ext>
     </p:extLst>
   </p:cSld>
@@ -536,7 +538,7 @@
     </p:spTree>
     <p:extLst>
       <p:ext uri="{BB962C8B-B14F-4D97-AF65-F5344CB8AC3E}">
-        <p14:creationId xmlns="" xmlns:p14="http://schemas.microsoft.com/office/powerpoint/2010/main" val="1132817919"/>
+        <p14:creationId xmlns:p14="http://schemas.microsoft.com/office/powerpoint/2010/main" xmlns="" val="1132817919"/>
       </p:ext>
     </p:extLst>
   </p:cSld>
@@ -552,13 +554,108 @@
   </p:timing>
   <p:extLst mod="1">
     <p:ext uri="{DCECCB84-F9BA-43D5-87BE-67443E8EF086}">
-      <p15:sldGuideLst xmlns="" xmlns:p15="http://schemas.microsoft.com/office/powerpoint/2012/main"/>
+      <p15:sldGuideLst xmlns:p15="http://schemas.microsoft.com/office/powerpoint/2012/main" xmlns=""/>
     </p:ext>
   </p:extLst>
 </p:sldLayout>
 </file>
 
 <file path=ppt/slideLayouts/slideLayout10.xml><?xml version="1.0" encoding="utf-8"?>
+<p:sldLayout xmlns:a="http://schemas.openxmlformats.org/drawingml/2006/main" xmlns:r="http://schemas.openxmlformats.org/officeDocument/2006/relationships" xmlns:p="http://schemas.openxmlformats.org/presentationml/2006/main" preserve="1" userDrawn="1">
+  <p:cSld name="Table Slide">
+    <p:spTree>
+      <p:nvGrpSpPr>
+        <p:cNvPr id="1" name=""/>
+        <p:cNvGrpSpPr/>
+        <p:nvPr/>
+      </p:nvGrpSpPr>
+      <p:grpSpPr>
+        <a:xfrm>
+          <a:off x="0" y="0"/>
+          <a:ext cx="0" cy="0"/>
+          <a:chOff x="0" y="0"/>
+          <a:chExt cx="0" cy="0"/>
+        </a:xfrm>
+      </p:grpSpPr>
+      <p:sp>
+        <p:nvSpPr>
+          <p:cNvPr id="3" name="Таблица 2"/>
+          <p:cNvSpPr>
+            <a:spLocks noGrp="1"/>
+          </p:cNvSpPr>
+          <p:nvPr>
+            <p:ph type="tbl" sz="quarter" idx="10"/>
+          </p:nvPr>
+        </p:nvSpPr>
+        <p:spPr>
+          <a:xfrm>
+            <a:off x="272143" y="1233491"/>
+            <a:ext cx="8675405" cy="4391025"/>
+          </a:xfrm>
+        </p:spPr>
+        <p:txBody>
+          <a:bodyPr/>
+          <a:lstStyle/>
+          <a:p>
+            <a:endParaRPr lang="uk-UA"/>
+          </a:p>
+        </p:txBody>
+      </p:sp>
+      <p:sp>
+        <p:nvSpPr>
+          <p:cNvPr id="4" name="Заголовок 1"/>
+          <p:cNvSpPr>
+            <a:spLocks noGrp="1"/>
+          </p:cNvSpPr>
+          <p:nvPr>
+            <p:ph type="title" hasCustomPrompt="1"/>
+          </p:nvPr>
+        </p:nvSpPr>
+        <p:spPr>
+          <a:xfrm>
+            <a:off x="272144" y="343778"/>
+            <a:ext cx="8674214" cy="525970"/>
+          </a:xfrm>
+        </p:spPr>
+        <p:txBody>
+          <a:bodyPr>
+            <a:noAutofit/>
+          </a:bodyPr>
+          <a:lstStyle>
+            <a:lvl1pPr>
+              <a:defRPr sz="3500"/>
+            </a:lvl1pPr>
+          </a:lstStyle>
+          <a:p>
+            <a:r>
+              <a:rPr lang="en-US" dirty="0" smtClean="0"/>
+              <a:t>Click to add title</a:t>
+            </a:r>
+            <a:endParaRPr lang="uk-UA" dirty="0"/>
+          </a:p>
+        </p:txBody>
+      </p:sp>
+    </p:spTree>
+    <p:extLst>
+      <p:ext uri="{BB962C8B-B14F-4D97-AF65-F5344CB8AC3E}">
+        <p14:creationId xmlns:p14="http://schemas.microsoft.com/office/powerpoint/2010/main" xmlns="" val="2999086630"/>
+      </p:ext>
+    </p:extLst>
+  </p:cSld>
+  <p:clrMapOvr>
+    <a:masterClrMapping/>
+  </p:clrMapOvr>
+  <p:timing>
+    <p:tnLst>
+      <p:par>
+        <p:cTn id="1" dur="indefinite" restart="never" nodeType="tmRoot"/>
+      </p:par>
+    </p:tnLst>
+  </p:timing>
+</p:sldLayout>
+</file>
+
+<file path=ppt/slideLayouts/slideLayout11.xml><?xml version="1.0" encoding="utf-8"?>
 <p:sldLayout xmlns:a="http://schemas.openxmlformats.org/drawingml/2006/main" xmlns:r="http://schemas.openxmlformats.org/officeDocument/2006/relationships" xmlns:p="http://schemas.openxmlformats.org/presentationml/2006/main" preserve="1" userDrawn="1">
   <p:cSld name="Text and image ">
     <p:spTree>
@@ -749,7 +846,7 @@
     </p:spTree>
     <p:extLst>
       <p:ext uri="{BB962C8B-B14F-4D97-AF65-F5344CB8AC3E}">
-        <p14:creationId xmlns="" xmlns:p14="http://schemas.microsoft.com/office/powerpoint/2010/main" val="1504527078"/>
+        <p14:creationId xmlns:p14="http://schemas.microsoft.com/office/powerpoint/2010/main" xmlns="" val="1504527078"/>
       </p:ext>
     </p:extLst>
   </p:cSld>
@@ -766,7 +863,7 @@
 </p:sldLayout>
 </file>
 
-<file path=ppt/slideLayouts/slideLayout11.xml><?xml version="1.0" encoding="utf-8"?>
+<file path=ppt/slideLayouts/slideLayout12.xml><?xml version="1.0" encoding="utf-8"?>
 <p:sldLayout xmlns:a="http://schemas.openxmlformats.org/drawingml/2006/main" xmlns:r="http://schemas.openxmlformats.org/officeDocument/2006/relationships" xmlns:p="http://schemas.openxmlformats.org/presentationml/2006/main" preserve="1" userDrawn="1">
   <p:cSld name="Text and diagram ">
     <p:spTree>
@@ -957,7 +1054,7 @@
     </p:spTree>
     <p:extLst>
       <p:ext uri="{BB962C8B-B14F-4D97-AF65-F5344CB8AC3E}">
-        <p14:creationId xmlns="" xmlns:p14="http://schemas.microsoft.com/office/powerpoint/2010/main" val="2549257490"/>
+        <p14:creationId xmlns:p14="http://schemas.microsoft.com/office/powerpoint/2010/main" xmlns="" val="2549257490"/>
       </p:ext>
     </p:extLst>
   </p:cSld>
@@ -974,7 +1071,7 @@
 </p:sldLayout>
 </file>
 
-<file path=ppt/slideLayouts/slideLayout12.xml><?xml version="1.0" encoding="utf-8"?>
+<file path=ppt/slideLayouts/slideLayout13.xml><?xml version="1.0" encoding="utf-8"?>
 <p:sldLayout xmlns:a="http://schemas.openxmlformats.org/drawingml/2006/main" xmlns:r="http://schemas.openxmlformats.org/officeDocument/2006/relationships" xmlns:p="http://schemas.openxmlformats.org/presentationml/2006/main" userDrawn="1">
   <p:cSld name="1_List Slide">
     <p:spTree>
@@ -1163,7 +1260,7 @@
     </p:spTree>
     <p:extLst>
       <p:ext uri="{BB962C8B-B14F-4D97-AF65-F5344CB8AC3E}">
-        <p14:creationId xmlns="" xmlns:p14="http://schemas.microsoft.com/office/powerpoint/2010/main" val="4182554457"/>
+        <p14:creationId xmlns:p14="http://schemas.microsoft.com/office/powerpoint/2010/main" xmlns="" val="4182554457"/>
       </p:ext>
     </p:extLst>
   </p:cSld>
@@ -1180,7 +1277,7 @@
 </p:sldLayout>
 </file>
 
-<file path=ppt/slideLayouts/slideLayout13.xml><?xml version="1.0" encoding="utf-8"?>
+<file path=ppt/slideLayouts/slideLayout14.xml><?xml version="1.0" encoding="utf-8"?>
 <p:sldLayout xmlns:a="http://schemas.openxmlformats.org/drawingml/2006/main" xmlns:r="http://schemas.openxmlformats.org/officeDocument/2006/relationships" xmlns:p="http://schemas.openxmlformats.org/presentationml/2006/main" preserve="1" userDrawn="1">
   <p:cSld name="Сhapter Slide">
     <p:spTree>
@@ -1276,7 +1373,7 @@
     </p:spTree>
     <p:extLst>
       <p:ext uri="{BB962C8B-B14F-4D97-AF65-F5344CB8AC3E}">
-        <p14:creationId xmlns="" xmlns:p14="http://schemas.microsoft.com/office/powerpoint/2010/main" val="1136001050"/>
+        <p14:creationId xmlns:p14="http://schemas.microsoft.com/office/powerpoint/2010/main" xmlns="" val="1136001050"/>
       </p:ext>
     </p:extLst>
   </p:cSld>
@@ -1458,7 +1555,7 @@
     </p:spTree>
     <p:extLst>
       <p:ext uri="{BB962C8B-B14F-4D97-AF65-F5344CB8AC3E}">
-        <p14:creationId xmlns="" xmlns:p14="http://schemas.microsoft.com/office/powerpoint/2010/main" val="1350867285"/>
+        <p14:creationId xmlns:p14="http://schemas.microsoft.com/office/powerpoint/2010/main" xmlns="" val="1350867285"/>
       </p:ext>
     </p:extLst>
   </p:cSld>
@@ -1598,7 +1695,7 @@
     </p:spTree>
     <p:extLst>
       <p:ext uri="{BB962C8B-B14F-4D97-AF65-F5344CB8AC3E}">
-        <p14:creationId xmlns="" xmlns:p14="http://schemas.microsoft.com/office/powerpoint/2010/main" val="56720661"/>
+        <p14:creationId xmlns:p14="http://schemas.microsoft.com/office/powerpoint/2010/main" xmlns="" val="56720661"/>
       </p:ext>
     </p:extLst>
   </p:cSld>
@@ -1806,7 +1903,7 @@
     </p:spTree>
     <p:extLst>
       <p:ext uri="{BB962C8B-B14F-4D97-AF65-F5344CB8AC3E}">
-        <p14:creationId xmlns="" xmlns:p14="http://schemas.microsoft.com/office/powerpoint/2010/main" val="3869892225"/>
+        <p14:creationId xmlns:p14="http://schemas.microsoft.com/office/powerpoint/2010/main" xmlns="" val="3869892225"/>
       </p:ext>
     </p:extLst>
   </p:cSld>
@@ -2014,7 +2111,7 @@
     </p:spTree>
     <p:extLst>
       <p:ext uri="{BB962C8B-B14F-4D97-AF65-F5344CB8AC3E}">
-        <p14:creationId xmlns="" xmlns:p14="http://schemas.microsoft.com/office/powerpoint/2010/main" val="72507179"/>
+        <p14:creationId xmlns:p14="http://schemas.microsoft.com/office/powerpoint/2010/main" xmlns="" val="72507179"/>
       </p:ext>
     </p:extLst>
   </p:cSld>
@@ -3061,7 +3158,7 @@
     </p:spTree>
     <p:extLst>
       <p:ext uri="{BB962C8B-B14F-4D97-AF65-F5344CB8AC3E}">
-        <p14:creationId xmlns="" xmlns:p14="http://schemas.microsoft.com/office/powerpoint/2010/main" val="1844462025"/>
+        <p14:creationId xmlns:p14="http://schemas.microsoft.com/office/powerpoint/2010/main" xmlns="" val="1844462025"/>
       </p:ext>
     </p:extLst>
   </p:cSld>
@@ -3079,6 +3176,212 @@
 </file>
 
 <file path=ppt/slideLayouts/slideLayout7.xml><?xml version="1.0" encoding="utf-8"?>
+<p:sldLayout xmlns:a="http://schemas.openxmlformats.org/drawingml/2006/main" xmlns:r="http://schemas.openxmlformats.org/officeDocument/2006/relationships" xmlns:p="http://schemas.openxmlformats.org/presentationml/2006/main" userDrawn="1">
+  <p:cSld name="1_List Slide">
+    <p:spTree>
+      <p:nvGrpSpPr>
+        <p:cNvPr id="1" name=""/>
+        <p:cNvGrpSpPr/>
+        <p:nvPr/>
+      </p:nvGrpSpPr>
+      <p:grpSpPr>
+        <a:xfrm>
+          <a:off x="0" y="0"/>
+          <a:ext cx="0" cy="0"/>
+          <a:chOff x="0" y="0"/>
+          <a:chExt cx="0" cy="0"/>
+        </a:xfrm>
+      </p:grpSpPr>
+      <p:sp>
+        <p:nvSpPr>
+          <p:cNvPr id="9" name="Текст 8"/>
+          <p:cNvSpPr>
+            <a:spLocks noGrp="1"/>
+          </p:cNvSpPr>
+          <p:nvPr>
+            <p:ph type="body" sz="quarter" idx="10" hasCustomPrompt="1"/>
+          </p:nvPr>
+        </p:nvSpPr>
+        <p:spPr>
+          <a:xfrm>
+            <a:off x="272143" y="1590676"/>
+            <a:ext cx="8655957" cy="5006980"/>
+          </a:xfrm>
+        </p:spPr>
+        <p:txBody>
+          <a:bodyPr/>
+          <a:lstStyle>
+            <a:lvl1pPr marL="228578" indent="-228578">
+              <a:buClr>
+                <a:schemeClr val="bg2"/>
+              </a:buClr>
+              <a:buFont typeface="Arial"/>
+              <a:buChar char="•"/>
+              <a:defRPr sz="2200"/>
+            </a:lvl1pPr>
+            <a:lvl2pPr marL="685734" indent="-228578">
+              <a:buClr>
+                <a:schemeClr val="bg2"/>
+              </a:buClr>
+              <a:buFont typeface="Arial"/>
+              <a:buChar char="•"/>
+              <a:defRPr sz="2200"/>
+            </a:lvl2pPr>
+            <a:lvl3pPr marL="1142886" indent="-228578">
+              <a:buClr>
+                <a:schemeClr val="bg2"/>
+              </a:buClr>
+              <a:buFont typeface="Arial"/>
+              <a:buChar char="•"/>
+              <a:defRPr sz="2200"/>
+            </a:lvl3pPr>
+            <a:lvl4pPr marL="1600040" indent="-228578">
+              <a:buClr>
+                <a:schemeClr val="bg2"/>
+              </a:buClr>
+              <a:buSzPct val="80000"/>
+              <a:buFont typeface="Arial"/>
+              <a:buChar char="•"/>
+              <a:defRPr sz="2200"/>
+            </a:lvl4pPr>
+            <a:lvl5pPr>
+              <a:defRPr sz="2200"/>
+            </a:lvl5pPr>
+          </a:lstStyle>
+          <a:p>
+            <a:pPr lvl="0"/>
+            <a:r>
+              <a:rPr lang="en-US" dirty="0" smtClean="0"/>
+              <a:t>Click to add text</a:t>
+            </a:r>
+            <a:endParaRPr lang="ru-RU" dirty="0" smtClean="0"/>
+          </a:p>
+          <a:p>
+            <a:pPr lvl="1"/>
+            <a:r>
+              <a:rPr lang="en-US" dirty="0" smtClean="0"/>
+              <a:t>Second level</a:t>
+            </a:r>
+            <a:endParaRPr lang="ru-RU" dirty="0" smtClean="0"/>
+          </a:p>
+          <a:p>
+            <a:pPr lvl="2"/>
+            <a:r>
+              <a:rPr lang="en-US" dirty="0" smtClean="0"/>
+              <a:t>Third level</a:t>
+            </a:r>
+            <a:endParaRPr lang="ru-RU" dirty="0" smtClean="0"/>
+          </a:p>
+          <a:p>
+            <a:pPr lvl="3"/>
+            <a:r>
+              <a:rPr lang="en-US" dirty="0" smtClean="0"/>
+              <a:t>Fourth level</a:t>
+            </a:r>
+            <a:endParaRPr lang="ru-RU" dirty="0" smtClean="0"/>
+          </a:p>
+        </p:txBody>
+      </p:sp>
+      <p:sp>
+        <p:nvSpPr>
+          <p:cNvPr id="4" name="Подзаголовок 2"/>
+          <p:cNvSpPr>
+            <a:spLocks noGrp="1"/>
+          </p:cNvSpPr>
+          <p:nvPr>
+            <p:ph type="subTitle" idx="1" hasCustomPrompt="1"/>
+          </p:nvPr>
+        </p:nvSpPr>
+        <p:spPr>
+          <a:xfrm>
+            <a:off x="272144" y="908050"/>
+            <a:ext cx="7375154" cy="454573"/>
+          </a:xfrm>
+        </p:spPr>
+        <p:txBody>
+          <a:bodyPr>
+            <a:noAutofit/>
+          </a:bodyPr>
+          <a:lstStyle>
+            <a:lvl1pPr marL="0" indent="0" algn="l">
+              <a:buNone/>
+              <a:defRPr sz="3000">
+                <a:solidFill>
+                  <a:schemeClr val="accent1"/>
+                </a:solidFill>
+              </a:defRPr>
+            </a:lvl1pPr>
+            <a:lvl2pPr marL="457155" indent="0" algn="ctr">
+              <a:buNone/>
+              <a:defRPr sz="2000"/>
+            </a:lvl2pPr>
+            <a:lvl3pPr marL="914309" indent="0" algn="ctr">
+              <a:buNone/>
+              <a:defRPr sz="1800"/>
+            </a:lvl3pPr>
+            <a:lvl4pPr marL="1371464" indent="0" algn="ctr">
+              <a:buNone/>
+              <a:defRPr sz="1600"/>
+            </a:lvl4pPr>
+            <a:lvl5pPr marL="1828618" indent="0" algn="ctr">
+              <a:buNone/>
+              <a:defRPr sz="1600"/>
+            </a:lvl5pPr>
+            <a:lvl6pPr marL="2285774" indent="0" algn="ctr">
+              <a:buNone/>
+              <a:defRPr sz="1600"/>
+            </a:lvl6pPr>
+            <a:lvl7pPr marL="2742926" indent="0" algn="ctr">
+              <a:buNone/>
+              <a:defRPr sz="1600"/>
+            </a:lvl7pPr>
+            <a:lvl8pPr marL="3200080" indent="0" algn="ctr">
+              <a:buNone/>
+              <a:defRPr sz="1600"/>
+            </a:lvl8pPr>
+            <a:lvl9pPr marL="3657235" indent="0" algn="ctr">
+              <a:buNone/>
+              <a:defRPr sz="1600"/>
+            </a:lvl9pPr>
+          </a:lstStyle>
+          <a:p>
+            <a:r>
+              <a:rPr lang="en-US" dirty="0" smtClean="0"/>
+              <a:t>Click to add title 3</a:t>
+            </a:r>
+            <a:r>
+              <a:rPr lang="uk-UA" dirty="0" smtClean="0"/>
+              <a:t>0</a:t>
+            </a:r>
+            <a:r>
+              <a:rPr lang="en-US" dirty="0" err="1" smtClean="0"/>
+              <a:t>pt</a:t>
+            </a:r>
+            <a:endParaRPr lang="uk-UA" dirty="0"/>
+          </a:p>
+        </p:txBody>
+      </p:sp>
+    </p:spTree>
+    <p:extLst>
+      <p:ext uri="{BB962C8B-B14F-4D97-AF65-F5344CB8AC3E}">
+        <p14:creationId xmlns:p14="http://schemas.microsoft.com/office/powerpoint/2010/main" xmlns="" val="4182554457"/>
+      </p:ext>
+    </p:extLst>
+  </p:cSld>
+  <p:clrMapOvr>
+    <a:masterClrMapping/>
+  </p:clrMapOvr>
+  <p:timing>
+    <p:tnLst>
+      <p:par>
+        <p:cTn id="1" dur="indefinite" restart="never" nodeType="tmRoot"/>
+      </p:par>
+    </p:tnLst>
+  </p:timing>
+</p:sldLayout>
+</file>
+
+<file path=ppt/slideLayouts/slideLayout8.xml><?xml version="1.0" encoding="utf-8"?>
 <p:sldLayout xmlns:a="http://schemas.openxmlformats.org/drawingml/2006/main" xmlns:r="http://schemas.openxmlformats.org/officeDocument/2006/relationships" xmlns:p="http://schemas.openxmlformats.org/presentationml/2006/main" preserve="1" userDrawn="1">
   <p:cSld name="Text Slide">
     <p:spTree>
@@ -3198,7 +3501,7 @@
     </p:spTree>
     <p:extLst>
       <p:ext uri="{BB962C8B-B14F-4D97-AF65-F5344CB8AC3E}">
-        <p14:creationId xmlns="" xmlns:p14="http://schemas.microsoft.com/office/powerpoint/2010/main" val="3322664863"/>
+        <p14:creationId xmlns:p14="http://schemas.microsoft.com/office/powerpoint/2010/main" xmlns="" val="3322664863"/>
       </p:ext>
     </p:extLst>
   </p:cSld>
@@ -3215,7 +3518,7 @@
 </p:sldLayout>
 </file>
 
-<file path=ppt/slideLayouts/slideLayout8.xml><?xml version="1.0" encoding="utf-8"?>
+<file path=ppt/slideLayouts/slideLayout9.xml><?xml version="1.0" encoding="utf-8"?>
 <p:sldLayout xmlns:a="http://schemas.openxmlformats.org/drawingml/2006/main" xmlns:r="http://schemas.openxmlformats.org/officeDocument/2006/relationships" xmlns:p="http://schemas.openxmlformats.org/presentationml/2006/main" preserve="1" userDrawn="1">
   <p:cSld name="List Slide">
     <p:spTree>
@@ -3359,102 +3662,7 @@
     </p:spTree>
     <p:extLst>
       <p:ext uri="{BB962C8B-B14F-4D97-AF65-F5344CB8AC3E}">
-        <p14:creationId xmlns="" xmlns:p14="http://schemas.microsoft.com/office/powerpoint/2010/main" val="3241052062"/>
-      </p:ext>
-    </p:extLst>
-  </p:cSld>
-  <p:clrMapOvr>
-    <a:masterClrMapping/>
-  </p:clrMapOvr>
-  <p:timing>
-    <p:tnLst>
-      <p:par>
-        <p:cTn id="1" dur="indefinite" restart="never" nodeType="tmRoot"/>
-      </p:par>
-    </p:tnLst>
-  </p:timing>
-</p:sldLayout>
-</file>
-
-<file path=ppt/slideLayouts/slideLayout9.xml><?xml version="1.0" encoding="utf-8"?>
-<p:sldLayout xmlns:a="http://schemas.openxmlformats.org/drawingml/2006/main" xmlns:r="http://schemas.openxmlformats.org/officeDocument/2006/relationships" xmlns:p="http://schemas.openxmlformats.org/presentationml/2006/main" preserve="1" userDrawn="1">
-  <p:cSld name="Table Slide">
-    <p:spTree>
-      <p:nvGrpSpPr>
-        <p:cNvPr id="1" name=""/>
-        <p:cNvGrpSpPr/>
-        <p:nvPr/>
-      </p:nvGrpSpPr>
-      <p:grpSpPr>
-        <a:xfrm>
-          <a:off x="0" y="0"/>
-          <a:ext cx="0" cy="0"/>
-          <a:chOff x="0" y="0"/>
-          <a:chExt cx="0" cy="0"/>
-        </a:xfrm>
-      </p:grpSpPr>
-      <p:sp>
-        <p:nvSpPr>
-          <p:cNvPr id="3" name="Таблица 2"/>
-          <p:cNvSpPr>
-            <a:spLocks noGrp="1"/>
-          </p:cNvSpPr>
-          <p:nvPr>
-            <p:ph type="tbl" sz="quarter" idx="10"/>
-          </p:nvPr>
-        </p:nvSpPr>
-        <p:spPr>
-          <a:xfrm>
-            <a:off x="272143" y="1233491"/>
-            <a:ext cx="8675405" cy="4391025"/>
-          </a:xfrm>
-        </p:spPr>
-        <p:txBody>
-          <a:bodyPr/>
-          <a:lstStyle/>
-          <a:p>
-            <a:endParaRPr lang="uk-UA"/>
-          </a:p>
-        </p:txBody>
-      </p:sp>
-      <p:sp>
-        <p:nvSpPr>
-          <p:cNvPr id="4" name="Заголовок 1"/>
-          <p:cNvSpPr>
-            <a:spLocks noGrp="1"/>
-          </p:cNvSpPr>
-          <p:nvPr>
-            <p:ph type="title" hasCustomPrompt="1"/>
-          </p:nvPr>
-        </p:nvSpPr>
-        <p:spPr>
-          <a:xfrm>
-            <a:off x="272144" y="343778"/>
-            <a:ext cx="8674214" cy="525970"/>
-          </a:xfrm>
-        </p:spPr>
-        <p:txBody>
-          <a:bodyPr>
-            <a:noAutofit/>
-          </a:bodyPr>
-          <a:lstStyle>
-            <a:lvl1pPr>
-              <a:defRPr sz="3500"/>
-            </a:lvl1pPr>
-          </a:lstStyle>
-          <a:p>
-            <a:r>
-              <a:rPr lang="en-US" dirty="0" smtClean="0"/>
-              <a:t>Click to add title</a:t>
-            </a:r>
-            <a:endParaRPr lang="uk-UA" dirty="0"/>
-          </a:p>
-        </p:txBody>
-      </p:sp>
-    </p:spTree>
-    <p:extLst>
-      <p:ext uri="{BB962C8B-B14F-4D97-AF65-F5344CB8AC3E}">
-        <p14:creationId xmlns="" xmlns:p14="http://schemas.microsoft.com/office/powerpoint/2010/main" val="2999086630"/>
+        <p14:creationId xmlns:p14="http://schemas.microsoft.com/office/powerpoint/2010/main" xmlns="" val="3241052062"/>
       </p:ext>
     </p:extLst>
   </p:cSld>
@@ -3601,7 +3809,7 @@
           <p:nvPr userDrawn="1"/>
         </p:nvPicPr>
         <p:blipFill>
-          <a:blip r:embed="rId8"/>
+          <a:blip r:embed="rId9"/>
           <a:stretch>
             <a:fillRect/>
           </a:stretch>
@@ -3625,7 +3833,7 @@
           <p:nvPr userDrawn="1"/>
         </p:nvPicPr>
         <p:blipFill>
-          <a:blip r:embed="rId9"/>
+          <a:blip r:embed="rId10"/>
           <a:stretch>
             <a:fillRect/>
           </a:stretch>
@@ -3643,7 +3851,7 @@
     </p:spTree>
     <p:extLst>
       <p:ext uri="{BB962C8B-B14F-4D97-AF65-F5344CB8AC3E}">
-        <p14:creationId xmlns="" xmlns:p14="http://schemas.microsoft.com/office/powerpoint/2010/main" val="3344970443"/>
+        <p14:creationId xmlns:p14="http://schemas.microsoft.com/office/powerpoint/2010/main" xmlns="" val="3344970443"/>
       </p:ext>
     </p:extLst>
   </p:cSld>
@@ -3655,6 +3863,7 @@
     <p:sldLayoutId id="2147483707" r:id="rId4"/>
     <p:sldLayoutId id="2147483708" r:id="rId5"/>
     <p:sldLayoutId id="2147483709" r:id="rId6"/>
+    <p:sldLayoutId id="2147483713" r:id="rId7"/>
   </p:sldLayoutIdLst>
   <p:timing>
     <p:tnLst>
@@ -3960,7 +4169,7 @@
   </p:txStyles>
   <p:extLst mod="1">
     <p:ext uri="{27BBF7A9-308A-43DC-89C8-2F10F3537804}">
-      <p15:sldGuideLst xmlns="" xmlns:p15="http://schemas.microsoft.com/office/powerpoint/2012/main">
+      <p15:sldGuideLst xmlns:p15="http://schemas.microsoft.com/office/powerpoint/2012/main" xmlns="">
         <p15:guide id="1" pos="136" userDrawn="1">
           <p15:clr>
             <a:srgbClr val="F26B43"/>
@@ -4160,7 +4369,7 @@
     </p:spTree>
     <p:extLst>
       <p:ext uri="{BB962C8B-B14F-4D97-AF65-F5344CB8AC3E}">
-        <p14:creationId xmlns="" xmlns:p14="http://schemas.microsoft.com/office/powerpoint/2010/main" val="3713416850"/>
+        <p14:creationId xmlns:p14="http://schemas.microsoft.com/office/powerpoint/2010/main" xmlns="" val="3713416850"/>
       </p:ext>
     </p:extLst>
   </p:cSld>
@@ -4477,7 +4686,7 @@
   </p:txStyles>
   <p:extLst mod="1">
     <p:ext uri="{27BBF7A9-308A-43DC-89C8-2F10F3537804}">
-      <p15:sldGuideLst xmlns="" xmlns:p15="http://schemas.microsoft.com/office/powerpoint/2012/main">
+      <p15:sldGuideLst xmlns:p15="http://schemas.microsoft.com/office/powerpoint/2012/main" xmlns="">
         <p15:guide id="1" pos="158" userDrawn="1">
           <p15:clr>
             <a:srgbClr val="F26B43"/>
@@ -4643,7 +4852,7 @@
     </p:spTree>
     <p:extLst>
       <p:ext uri="{BB962C8B-B14F-4D97-AF65-F5344CB8AC3E}">
-        <p14:creationId xmlns="" xmlns:p14="http://schemas.microsoft.com/office/powerpoint/2010/main" val="2433772056"/>
+        <p14:creationId xmlns:p14="http://schemas.microsoft.com/office/powerpoint/2010/main" xmlns="" val="2433772056"/>
       </p:ext>
     </p:extLst>
   </p:cSld>
@@ -4940,7 +5149,7 @@
   </p:txStyles>
   <p:extLst mod="1">
     <p:ext uri="{27BBF7A9-308A-43DC-89C8-2F10F3537804}">
-      <p15:sldGuideLst xmlns="" xmlns:p15="http://schemas.microsoft.com/office/powerpoint/2012/main">
+      <p15:sldGuideLst xmlns:p15="http://schemas.microsoft.com/office/powerpoint/2012/main" xmlns="">
         <p15:guide id="1" pos="125" userDrawn="1">
           <p15:clr>
             <a:srgbClr val="F26B43"/>
@@ -5055,7 +5264,7 @@
     </p:spTree>
     <p:extLst>
       <p:ext uri="{BB962C8B-B14F-4D97-AF65-F5344CB8AC3E}">
-        <p14:creationId xmlns="" xmlns:p14="http://schemas.microsoft.com/office/powerpoint/2010/main" val="1742700288"/>
+        <p14:creationId xmlns:p14="http://schemas.microsoft.com/office/powerpoint/2010/main" xmlns="" val="1742700288"/>
       </p:ext>
     </p:extLst>
   </p:cSld>
@@ -5084,289 +5293,584 @@
       </p:grpSpPr>
       <p:sp>
         <p:nvSpPr>
-          <p:cNvPr id="7" name="Текст 6"/>
-          <p:cNvSpPr>
-            <a:spLocks noGrp="1"/>
+          <p:cNvPr id="4" name="Текст 6"/>
+          <p:cNvSpPr txBox="1">
+            <a:spLocks/>
           </p:cNvSpPr>
-          <p:nvPr>
-            <p:ph type="body" sz="quarter" idx="10"/>
-          </p:nvPr>
+          <p:nvPr/>
         </p:nvSpPr>
         <p:spPr>
           <a:xfrm>
-            <a:off x="272143" y="723331"/>
-            <a:ext cx="8655957" cy="5008729"/>
+            <a:off x="244847" y="818867"/>
+            <a:ext cx="8674213" cy="5759354"/>
           </a:xfrm>
+          <a:prstGeom prst="rect">
+            <a:avLst/>
+          </a:prstGeom>
         </p:spPr>
         <p:txBody>
-          <a:bodyPr>
+          <a:bodyPr vert="horz" lIns="91440" tIns="45720" rIns="91440" bIns="45720" rtlCol="0">
             <a:normAutofit fontScale="62500" lnSpcReduction="20000"/>
           </a:bodyPr>
           <a:lstStyle/>
           <a:p>
-            <a:r>
-              <a:rPr lang="en-US" sz="2400" dirty="0" smtClean="0">
-                <a:latin typeface="Consolas" pitchFamily="49" charset="0"/>
-                <a:cs typeface="Consolas" pitchFamily="49" charset="0"/>
-              </a:rPr>
-              <a:t>using System;</a:t>
-            </a:r>
-          </a:p>
-          <a:p>
-            <a:endParaRPr lang="en-US" sz="2400" dirty="0" smtClean="0">
+            <a:pPr marL="228578" lvl="0" indent="-228578" defTabSz="914309">
+              <a:lnSpc>
+                <a:spcPct val="120000"/>
+              </a:lnSpc>
+              <a:spcBef>
+                <a:spcPts val="1000"/>
+              </a:spcBef>
+              <a:buClr>
+                <a:schemeClr val="bg2"/>
+              </a:buClr>
+            </a:pPr>
+            <a:r>
+              <a:rPr lang="en-US" sz="2800" dirty="0" smtClean="0">
+                <a:solidFill>
+                  <a:srgbClr val="000000"/>
+                </a:solidFill>
+                <a:latin typeface="Consolas" pitchFamily="49" charset="0"/>
+                <a:cs typeface="Consolas" pitchFamily="49" charset="0"/>
+              </a:rPr>
+              <a:t>using Reflection;</a:t>
+            </a:r>
+          </a:p>
+          <a:p>
+            <a:pPr marL="228578" lvl="0" indent="-228578" defTabSz="914309">
+              <a:lnSpc>
+                <a:spcPct val="120000"/>
+              </a:lnSpc>
+              <a:spcBef>
+                <a:spcPts val="1000"/>
+              </a:spcBef>
+              <a:buClr>
+                <a:schemeClr val="bg2"/>
+              </a:buClr>
+            </a:pPr>
+            <a:r>
+              <a:rPr lang="en-US" sz="2800" dirty="0" smtClean="0">
+                <a:solidFill>
+                  <a:srgbClr val="000000"/>
+                </a:solidFill>
+                <a:latin typeface="Consolas" pitchFamily="49" charset="0"/>
+                <a:cs typeface="Consolas" pitchFamily="49" charset="0"/>
+              </a:rPr>
+              <a:t>class Program</a:t>
+            </a:r>
+          </a:p>
+          <a:p>
+            <a:pPr marL="228578" lvl="0" indent="-228578" defTabSz="914309">
+              <a:lnSpc>
+                <a:spcPct val="120000"/>
+              </a:lnSpc>
+              <a:spcBef>
+                <a:spcPts val="1000"/>
+              </a:spcBef>
+              <a:buClr>
+                <a:schemeClr val="bg2"/>
+              </a:buClr>
+            </a:pPr>
+            <a:r>
+              <a:rPr lang="en-US" sz="2800" dirty="0" smtClean="0">
+                <a:solidFill>
+                  <a:srgbClr val="000000"/>
+                </a:solidFill>
+                <a:latin typeface="Consolas" pitchFamily="49" charset="0"/>
+                <a:cs typeface="Consolas" pitchFamily="49" charset="0"/>
+              </a:rPr>
+              <a:t>   {</a:t>
+            </a:r>
+          </a:p>
+          <a:p>
+            <a:pPr marL="228578" lvl="0" indent="-228578" defTabSz="914309">
+              <a:lnSpc>
+                <a:spcPct val="120000"/>
+              </a:lnSpc>
+              <a:spcBef>
+                <a:spcPts val="1000"/>
+              </a:spcBef>
+              <a:buClr>
+                <a:schemeClr val="bg2"/>
+              </a:buClr>
+            </a:pPr>
+            <a:r>
+              <a:rPr lang="en-US" sz="2800" dirty="0" smtClean="0">
+                <a:solidFill>
+                  <a:srgbClr val="000000"/>
+                </a:solidFill>
+                <a:latin typeface="Consolas" pitchFamily="49" charset="0"/>
+                <a:cs typeface="Consolas" pitchFamily="49" charset="0"/>
+              </a:rPr>
+              <a:t>      static void Main(string[] </a:t>
+            </a:r>
+            <a:r>
+              <a:rPr lang="en-US" sz="2800" dirty="0" err="1" smtClean="0">
+                <a:solidFill>
+                  <a:srgbClr val="000000"/>
+                </a:solidFill>
+                <a:latin typeface="Consolas" pitchFamily="49" charset="0"/>
+                <a:cs typeface="Consolas" pitchFamily="49" charset="0"/>
+              </a:rPr>
+              <a:t>args</a:t>
+            </a:r>
+            <a:r>
+              <a:rPr lang="en-US" sz="2800" dirty="0" smtClean="0">
+                <a:solidFill>
+                  <a:srgbClr val="000000"/>
+                </a:solidFill>
+                <a:latin typeface="Consolas" pitchFamily="49" charset="0"/>
+                <a:cs typeface="Consolas" pitchFamily="49" charset="0"/>
+              </a:rPr>
+              <a:t>)</a:t>
+            </a:r>
+          </a:p>
+          <a:p>
+            <a:pPr marL="228578" lvl="0" indent="-228578" defTabSz="914309">
+              <a:lnSpc>
+                <a:spcPct val="120000"/>
+              </a:lnSpc>
+              <a:spcBef>
+                <a:spcPts val="1000"/>
+              </a:spcBef>
+              <a:buClr>
+                <a:schemeClr val="bg2"/>
+              </a:buClr>
+            </a:pPr>
+            <a:r>
+              <a:rPr lang="en-US" sz="2800" dirty="0" smtClean="0">
+                <a:solidFill>
+                  <a:srgbClr val="000000"/>
+                </a:solidFill>
+                <a:latin typeface="Consolas" pitchFamily="49" charset="0"/>
+                <a:cs typeface="Consolas" pitchFamily="49" charset="0"/>
+              </a:rPr>
+              <a:t>      {</a:t>
+            </a:r>
+          </a:p>
+          <a:p>
+            <a:pPr marL="228578" lvl="0" indent="-228578" defTabSz="914309">
+              <a:lnSpc>
+                <a:spcPct val="120000"/>
+              </a:lnSpc>
+              <a:spcBef>
+                <a:spcPts val="1000"/>
+              </a:spcBef>
+              <a:buClr>
+                <a:schemeClr val="bg2"/>
+              </a:buClr>
+            </a:pPr>
+            <a:r>
+              <a:rPr lang="en-US" sz="2800" dirty="0" smtClean="0">
+                <a:solidFill>
+                  <a:srgbClr val="000000"/>
+                </a:solidFill>
+                <a:latin typeface="Consolas" pitchFamily="49" charset="0"/>
+                <a:cs typeface="Consolas" pitchFamily="49" charset="0"/>
+              </a:rPr>
+              <a:t>         </a:t>
+            </a:r>
+            <a:r>
+              <a:rPr lang="en-US" sz="2800" dirty="0" err="1" smtClean="0">
+                <a:solidFill>
+                  <a:srgbClr val="000000"/>
+                </a:solidFill>
+                <a:latin typeface="Consolas" pitchFamily="49" charset="0"/>
+                <a:cs typeface="Consolas" pitchFamily="49" charset="0"/>
+              </a:rPr>
+              <a:t>System.Reflection.MemberInfo</a:t>
+            </a:r>
+            <a:r>
+              <a:rPr lang="en-US" sz="2800" dirty="0" smtClean="0">
+                <a:solidFill>
+                  <a:srgbClr val="000000"/>
+                </a:solidFill>
+                <a:latin typeface="Consolas" pitchFamily="49" charset="0"/>
+                <a:cs typeface="Consolas" pitchFamily="49" charset="0"/>
+              </a:rPr>
+              <a:t> info = </a:t>
+            </a:r>
+            <a:r>
+              <a:rPr lang="en-US" sz="2800" dirty="0" err="1" smtClean="0">
+                <a:solidFill>
+                  <a:srgbClr val="000000"/>
+                </a:solidFill>
+                <a:latin typeface="Consolas" pitchFamily="49" charset="0"/>
+                <a:cs typeface="Consolas" pitchFamily="49" charset="0"/>
+              </a:rPr>
+              <a:t>typeof</a:t>
+            </a:r>
+            <a:r>
+              <a:rPr lang="en-US" sz="2800" dirty="0" smtClean="0">
+                <a:solidFill>
+                  <a:srgbClr val="000000"/>
+                </a:solidFill>
+                <a:latin typeface="Consolas" pitchFamily="49" charset="0"/>
+                <a:cs typeface="Consolas" pitchFamily="49" charset="0"/>
+              </a:rPr>
+              <a:t>(</a:t>
+            </a:r>
+            <a:r>
+              <a:rPr lang="en-US" sz="2800" dirty="0" err="1" smtClean="0">
+                <a:solidFill>
+                  <a:srgbClr val="000000"/>
+                </a:solidFill>
+                <a:latin typeface="Consolas" pitchFamily="49" charset="0"/>
+                <a:cs typeface="Consolas" pitchFamily="49" charset="0"/>
+              </a:rPr>
+              <a:t>MyClass</a:t>
+            </a:r>
+            <a:r>
+              <a:rPr lang="en-US" sz="2800" dirty="0" smtClean="0">
+                <a:solidFill>
+                  <a:srgbClr val="000000"/>
+                </a:solidFill>
+                <a:latin typeface="Consolas" pitchFamily="49" charset="0"/>
+                <a:cs typeface="Consolas" pitchFamily="49" charset="0"/>
+              </a:rPr>
+              <a:t>);</a:t>
+            </a:r>
+          </a:p>
+          <a:p>
+            <a:pPr marL="228578" lvl="0" indent="-228578" defTabSz="914309">
+              <a:lnSpc>
+                <a:spcPct val="120000"/>
+              </a:lnSpc>
+              <a:spcBef>
+                <a:spcPts val="1000"/>
+              </a:spcBef>
+              <a:buClr>
+                <a:schemeClr val="bg2"/>
+              </a:buClr>
+            </a:pPr>
+            <a:r>
+              <a:rPr lang="en-US" sz="2800" dirty="0" smtClean="0">
+                <a:solidFill>
+                  <a:srgbClr val="000000"/>
+                </a:solidFill>
+                <a:latin typeface="Consolas" pitchFamily="49" charset="0"/>
+                <a:cs typeface="Consolas" pitchFamily="49" charset="0"/>
+              </a:rPr>
+              <a:t>         object[] attributes = </a:t>
+            </a:r>
+            <a:r>
+              <a:rPr lang="en-US" sz="2800" dirty="0" err="1" smtClean="0">
+                <a:solidFill>
+                  <a:srgbClr val="000000"/>
+                </a:solidFill>
+                <a:latin typeface="Consolas" pitchFamily="49" charset="0"/>
+                <a:cs typeface="Consolas" pitchFamily="49" charset="0"/>
+              </a:rPr>
+              <a:t>info.GetCustomAttributes</a:t>
+            </a:r>
+            <a:r>
+              <a:rPr lang="en-US" sz="2800" dirty="0" smtClean="0">
+                <a:solidFill>
+                  <a:srgbClr val="000000"/>
+                </a:solidFill>
+                <a:latin typeface="Consolas" pitchFamily="49" charset="0"/>
+                <a:cs typeface="Consolas" pitchFamily="49" charset="0"/>
+              </a:rPr>
+              <a:t>(true);</a:t>
+            </a:r>
+          </a:p>
+          <a:p>
+            <a:pPr marL="228578" lvl="0" indent="-228578" defTabSz="914309">
+              <a:lnSpc>
+                <a:spcPct val="120000"/>
+              </a:lnSpc>
+              <a:spcBef>
+                <a:spcPts val="1000"/>
+              </a:spcBef>
+              <a:buClr>
+                <a:schemeClr val="bg2"/>
+              </a:buClr>
+            </a:pPr>
+            <a:r>
+              <a:rPr lang="en-US" sz="2800" dirty="0" smtClean="0">
+                <a:solidFill>
+                  <a:srgbClr val="000000"/>
+                </a:solidFill>
+                <a:latin typeface="Consolas" pitchFamily="49" charset="0"/>
+                <a:cs typeface="Consolas" pitchFamily="49" charset="0"/>
+              </a:rPr>
+              <a:t>         for (</a:t>
+            </a:r>
+            <a:r>
+              <a:rPr lang="en-US" sz="2800" dirty="0" err="1" smtClean="0">
+                <a:solidFill>
+                  <a:srgbClr val="000000"/>
+                </a:solidFill>
+                <a:latin typeface="Consolas" pitchFamily="49" charset="0"/>
+                <a:cs typeface="Consolas" pitchFamily="49" charset="0"/>
+              </a:rPr>
+              <a:t>int</a:t>
+            </a:r>
+            <a:r>
+              <a:rPr lang="en-US" sz="2800" dirty="0" smtClean="0">
+                <a:solidFill>
+                  <a:srgbClr val="000000"/>
+                </a:solidFill>
+                <a:latin typeface="Consolas" pitchFamily="49" charset="0"/>
+                <a:cs typeface="Consolas" pitchFamily="49" charset="0"/>
+              </a:rPr>
+              <a:t> </a:t>
+            </a:r>
+            <a:r>
+              <a:rPr lang="en-US" sz="2800" dirty="0" err="1" smtClean="0">
+                <a:solidFill>
+                  <a:srgbClr val="000000"/>
+                </a:solidFill>
+                <a:latin typeface="Consolas" pitchFamily="49" charset="0"/>
+                <a:cs typeface="Consolas" pitchFamily="49" charset="0"/>
+              </a:rPr>
+              <a:t>i</a:t>
+            </a:r>
+            <a:r>
+              <a:rPr lang="en-US" sz="2800" dirty="0" smtClean="0">
+                <a:solidFill>
+                  <a:srgbClr val="000000"/>
+                </a:solidFill>
+                <a:latin typeface="Consolas" pitchFamily="49" charset="0"/>
+                <a:cs typeface="Consolas" pitchFamily="49" charset="0"/>
+              </a:rPr>
+              <a:t> = 0; </a:t>
+            </a:r>
+            <a:r>
+              <a:rPr lang="en-US" sz="2800" dirty="0" err="1" smtClean="0">
+                <a:solidFill>
+                  <a:srgbClr val="000000"/>
+                </a:solidFill>
+                <a:latin typeface="Consolas" pitchFamily="49" charset="0"/>
+                <a:cs typeface="Consolas" pitchFamily="49" charset="0"/>
+              </a:rPr>
+              <a:t>i</a:t>
+            </a:r>
+            <a:r>
+              <a:rPr lang="en-US" sz="2800" dirty="0" smtClean="0">
+                <a:solidFill>
+                  <a:srgbClr val="000000"/>
+                </a:solidFill>
+                <a:latin typeface="Consolas" pitchFamily="49" charset="0"/>
+                <a:cs typeface="Consolas" pitchFamily="49" charset="0"/>
+              </a:rPr>
+              <a:t> &lt; </a:t>
+            </a:r>
+            <a:r>
+              <a:rPr lang="en-US" sz="2800" dirty="0" err="1" smtClean="0">
+                <a:solidFill>
+                  <a:srgbClr val="000000"/>
+                </a:solidFill>
+                <a:latin typeface="Consolas" pitchFamily="49" charset="0"/>
+                <a:cs typeface="Consolas" pitchFamily="49" charset="0"/>
+              </a:rPr>
+              <a:t>attributes.Length</a:t>
+            </a:r>
+            <a:r>
+              <a:rPr lang="en-US" sz="2800" dirty="0" smtClean="0">
+                <a:solidFill>
+                  <a:srgbClr val="000000"/>
+                </a:solidFill>
+                <a:latin typeface="Consolas" pitchFamily="49" charset="0"/>
+                <a:cs typeface="Consolas" pitchFamily="49" charset="0"/>
+              </a:rPr>
+              <a:t>; </a:t>
+            </a:r>
+            <a:r>
+              <a:rPr lang="en-US" sz="2800" dirty="0" err="1" smtClean="0">
+                <a:solidFill>
+                  <a:srgbClr val="000000"/>
+                </a:solidFill>
+                <a:latin typeface="Consolas" pitchFamily="49" charset="0"/>
+                <a:cs typeface="Consolas" pitchFamily="49" charset="0"/>
+              </a:rPr>
+              <a:t>i</a:t>
+            </a:r>
+            <a:r>
+              <a:rPr lang="en-US" sz="2800" dirty="0" smtClean="0">
+                <a:solidFill>
+                  <a:srgbClr val="000000"/>
+                </a:solidFill>
+                <a:latin typeface="Consolas" pitchFamily="49" charset="0"/>
+                <a:cs typeface="Consolas" pitchFamily="49" charset="0"/>
+              </a:rPr>
+              <a:t>++)</a:t>
+            </a:r>
+          </a:p>
+          <a:p>
+            <a:pPr marL="228578" lvl="0" indent="-228578" defTabSz="914309">
+              <a:lnSpc>
+                <a:spcPct val="120000"/>
+              </a:lnSpc>
+              <a:spcBef>
+                <a:spcPts val="1000"/>
+              </a:spcBef>
+              <a:buClr>
+                <a:schemeClr val="bg2"/>
+              </a:buClr>
+            </a:pPr>
+            <a:r>
+              <a:rPr lang="en-US" sz="2800" dirty="0" smtClean="0">
+                <a:solidFill>
+                  <a:srgbClr val="000000"/>
+                </a:solidFill>
+                <a:latin typeface="Consolas" pitchFamily="49" charset="0"/>
+                <a:cs typeface="Consolas" pitchFamily="49" charset="0"/>
+              </a:rPr>
+              <a:t>         {</a:t>
+            </a:r>
+          </a:p>
+          <a:p>
+            <a:pPr marL="228578" lvl="0" indent="-228578" defTabSz="914309">
+              <a:lnSpc>
+                <a:spcPct val="120000"/>
+              </a:lnSpc>
+              <a:spcBef>
+                <a:spcPts val="1000"/>
+              </a:spcBef>
+              <a:buClr>
+                <a:schemeClr val="bg2"/>
+              </a:buClr>
+            </a:pPr>
+            <a:r>
+              <a:rPr lang="en-US" sz="2800" dirty="0" smtClean="0">
+                <a:solidFill>
+                  <a:srgbClr val="000000"/>
+                </a:solidFill>
+                <a:latin typeface="Consolas" pitchFamily="49" charset="0"/>
+                <a:cs typeface="Consolas" pitchFamily="49" charset="0"/>
+              </a:rPr>
+              <a:t>            </a:t>
+            </a:r>
+            <a:r>
+              <a:rPr lang="en-US" sz="2800" dirty="0" err="1" smtClean="0">
+                <a:solidFill>
+                  <a:srgbClr val="000000"/>
+                </a:solidFill>
+                <a:latin typeface="Consolas" pitchFamily="49" charset="0"/>
+                <a:cs typeface="Consolas" pitchFamily="49" charset="0"/>
+              </a:rPr>
+              <a:t>Console.WriteLine</a:t>
+            </a:r>
+            <a:r>
+              <a:rPr lang="en-US" sz="2800" dirty="0" smtClean="0">
+                <a:solidFill>
+                  <a:srgbClr val="000000"/>
+                </a:solidFill>
+                <a:latin typeface="Consolas" pitchFamily="49" charset="0"/>
+                <a:cs typeface="Consolas" pitchFamily="49" charset="0"/>
+              </a:rPr>
+              <a:t>(attributes[</a:t>
+            </a:r>
+            <a:r>
+              <a:rPr lang="en-US" sz="2800" dirty="0" err="1" smtClean="0">
+                <a:solidFill>
+                  <a:srgbClr val="000000"/>
+                </a:solidFill>
+                <a:latin typeface="Consolas" pitchFamily="49" charset="0"/>
+                <a:cs typeface="Consolas" pitchFamily="49" charset="0"/>
+              </a:rPr>
+              <a:t>i</a:t>
+            </a:r>
+            <a:r>
+              <a:rPr lang="en-US" sz="2800" dirty="0" smtClean="0">
+                <a:solidFill>
+                  <a:srgbClr val="000000"/>
+                </a:solidFill>
+                <a:latin typeface="Consolas" pitchFamily="49" charset="0"/>
+                <a:cs typeface="Consolas" pitchFamily="49" charset="0"/>
+              </a:rPr>
+              <a:t>]);</a:t>
+            </a:r>
+          </a:p>
+          <a:p>
+            <a:pPr marL="228578" lvl="0" indent="-228578" defTabSz="914309">
+              <a:lnSpc>
+                <a:spcPct val="120000"/>
+              </a:lnSpc>
+              <a:spcBef>
+                <a:spcPts val="1000"/>
+              </a:spcBef>
+              <a:buClr>
+                <a:schemeClr val="bg2"/>
+              </a:buClr>
+            </a:pPr>
+            <a:r>
+              <a:rPr lang="en-US" sz="2800" dirty="0" smtClean="0">
+                <a:solidFill>
+                  <a:srgbClr val="000000"/>
+                </a:solidFill>
+                <a:latin typeface="Consolas" pitchFamily="49" charset="0"/>
+                <a:cs typeface="Consolas" pitchFamily="49" charset="0"/>
+              </a:rPr>
+              <a:t>         }       </a:t>
+            </a:r>
+          </a:p>
+          <a:p>
+            <a:pPr marL="228578" lvl="0" indent="-228578" defTabSz="914309">
+              <a:lnSpc>
+                <a:spcPct val="120000"/>
+              </a:lnSpc>
+              <a:spcBef>
+                <a:spcPts val="1000"/>
+              </a:spcBef>
+              <a:buClr>
+                <a:schemeClr val="bg2"/>
+              </a:buClr>
+            </a:pPr>
+            <a:r>
+              <a:rPr lang="en-US" sz="2800" dirty="0" smtClean="0">
+                <a:solidFill>
+                  <a:srgbClr val="000000"/>
+                </a:solidFill>
+                <a:latin typeface="Consolas" pitchFamily="49" charset="0"/>
+                <a:cs typeface="Consolas" pitchFamily="49" charset="0"/>
+              </a:rPr>
+              <a:t>	     }</a:t>
+            </a:r>
+          </a:p>
+          <a:p>
+            <a:pPr marL="228578" lvl="0" indent="-228578" defTabSz="914309">
+              <a:lnSpc>
+                <a:spcPct val="120000"/>
+              </a:lnSpc>
+              <a:spcBef>
+                <a:spcPts val="1000"/>
+              </a:spcBef>
+              <a:buClr>
+                <a:schemeClr val="bg2"/>
+              </a:buClr>
+            </a:pPr>
+            <a:r>
+              <a:rPr lang="en-US" sz="2800" dirty="0" smtClean="0">
+                <a:solidFill>
+                  <a:srgbClr val="000000"/>
+                </a:solidFill>
+                <a:latin typeface="Consolas" pitchFamily="49" charset="0"/>
+                <a:cs typeface="Consolas" pitchFamily="49" charset="0"/>
+              </a:rPr>
+              <a:t>   }</a:t>
+            </a:r>
+            <a:endParaRPr kumimoji="0" lang="uk-UA" sz="2800" b="0" i="0" u="none" strike="noStrike" kern="1200" cap="none" spc="0" normalizeH="0" baseline="0" noProof="0" dirty="0">
+              <a:ln>
+                <a:noFill/>
+              </a:ln>
+              <a:solidFill>
+                <a:srgbClr val="000000"/>
+              </a:solidFill>
+              <a:effectLst/>
+              <a:uLnTx/>
+              <a:uFillTx/>
               <a:latin typeface="Consolas" pitchFamily="49" charset="0"/>
               <a:cs typeface="Consolas" pitchFamily="49" charset="0"/>
             </a:endParaRPr>
-          </a:p>
-          <a:p>
-            <a:r>
-              <a:rPr lang="en-US" sz="2400" dirty="0" smtClean="0">
-                <a:latin typeface="Consolas" pitchFamily="49" charset="0"/>
-                <a:cs typeface="Consolas" pitchFamily="49" charset="0"/>
-              </a:rPr>
-              <a:t>namespace </a:t>
-            </a:r>
-            <a:r>
-              <a:rPr lang="en-US" sz="2400" dirty="0" err="1" smtClean="0">
-                <a:latin typeface="Consolas" pitchFamily="49" charset="0"/>
-                <a:cs typeface="Consolas" pitchFamily="49" charset="0"/>
-              </a:rPr>
-              <a:t>SomeAssembly</a:t>
-            </a:r>
-            <a:endParaRPr lang="en-US" sz="2400" dirty="0" smtClean="0">
-              <a:latin typeface="Consolas" pitchFamily="49" charset="0"/>
-              <a:cs typeface="Consolas" pitchFamily="49" charset="0"/>
-            </a:endParaRPr>
-          </a:p>
-          <a:p>
-            <a:r>
-              <a:rPr lang="uk-UA" sz="2400" dirty="0" smtClean="0">
-                <a:latin typeface="Consolas" pitchFamily="49" charset="0"/>
-                <a:cs typeface="Consolas" pitchFamily="49" charset="0"/>
-              </a:rPr>
-              <a:t>{</a:t>
-            </a:r>
-          </a:p>
-          <a:p>
-            <a:r>
-              <a:rPr lang="en-US" sz="2400" dirty="0" smtClean="0">
-                <a:latin typeface="Consolas" pitchFamily="49" charset="0"/>
-                <a:cs typeface="Consolas" pitchFamily="49" charset="0"/>
-              </a:rPr>
-              <a:t>    public class </a:t>
-            </a:r>
-            <a:r>
-              <a:rPr lang="en-US" sz="2400" dirty="0" err="1" smtClean="0">
-                <a:latin typeface="Consolas" pitchFamily="49" charset="0"/>
-                <a:cs typeface="Consolas" pitchFamily="49" charset="0"/>
-              </a:rPr>
-              <a:t>SomeClass</a:t>
-            </a:r>
-            <a:endParaRPr lang="en-US" sz="2400" dirty="0" smtClean="0">
-              <a:latin typeface="Consolas" pitchFamily="49" charset="0"/>
-              <a:cs typeface="Consolas" pitchFamily="49" charset="0"/>
-            </a:endParaRPr>
-          </a:p>
-          <a:p>
-            <a:r>
-              <a:rPr lang="uk-UA" sz="2400" dirty="0" smtClean="0">
-                <a:latin typeface="Consolas" pitchFamily="49" charset="0"/>
-                <a:cs typeface="Consolas" pitchFamily="49" charset="0"/>
-              </a:rPr>
-              <a:t>    {</a:t>
-            </a:r>
-          </a:p>
-          <a:p>
-            <a:r>
-              <a:rPr lang="en-US" sz="2400" dirty="0" smtClean="0">
-                <a:latin typeface="Consolas" pitchFamily="49" charset="0"/>
-                <a:cs typeface="Consolas" pitchFamily="49" charset="0"/>
-              </a:rPr>
-              <a:t>        public </a:t>
-            </a:r>
-            <a:r>
-              <a:rPr lang="en-US" sz="2400" dirty="0" err="1" smtClean="0">
-                <a:latin typeface="Consolas" pitchFamily="49" charset="0"/>
-                <a:cs typeface="Consolas" pitchFamily="49" charset="0"/>
-              </a:rPr>
-              <a:t>SomeClass</a:t>
-            </a:r>
-            <a:r>
-              <a:rPr lang="en-US" sz="2400" dirty="0" smtClean="0">
-                <a:latin typeface="Consolas" pitchFamily="49" charset="0"/>
-                <a:cs typeface="Consolas" pitchFamily="49" charset="0"/>
-              </a:rPr>
-              <a:t>()</a:t>
-            </a:r>
-          </a:p>
-          <a:p>
-            <a:r>
-              <a:rPr lang="uk-UA" sz="2400" dirty="0" smtClean="0">
-                <a:latin typeface="Consolas" pitchFamily="49" charset="0"/>
-                <a:cs typeface="Consolas" pitchFamily="49" charset="0"/>
-              </a:rPr>
-              <a:t>        {</a:t>
-            </a:r>
-          </a:p>
-          <a:p>
-            <a:r>
-              <a:rPr lang="uk-UA" sz="2400" dirty="0" smtClean="0">
-                <a:latin typeface="Consolas" pitchFamily="49" charset="0"/>
-                <a:cs typeface="Consolas" pitchFamily="49" charset="0"/>
-              </a:rPr>
-              <a:t>        }</a:t>
-            </a:r>
-          </a:p>
-          <a:p>
-            <a:endParaRPr lang="uk-UA" sz="2400" dirty="0" smtClean="0">
-              <a:latin typeface="Consolas" pitchFamily="49" charset="0"/>
-              <a:cs typeface="Consolas" pitchFamily="49" charset="0"/>
-            </a:endParaRPr>
-          </a:p>
-          <a:p>
-            <a:r>
-              <a:rPr lang="en-US" sz="2400" dirty="0" smtClean="0">
-                <a:latin typeface="Consolas" pitchFamily="49" charset="0"/>
-                <a:cs typeface="Consolas" pitchFamily="49" charset="0"/>
-              </a:rPr>
-              <a:t>        public string </a:t>
-            </a:r>
-            <a:r>
-              <a:rPr lang="en-US" sz="2400" dirty="0" err="1" smtClean="0">
-                <a:latin typeface="Consolas" pitchFamily="49" charset="0"/>
-                <a:cs typeface="Consolas" pitchFamily="49" charset="0"/>
-              </a:rPr>
-              <a:t>SomeMethod</a:t>
-            </a:r>
-            <a:r>
-              <a:rPr lang="en-US" sz="2400" dirty="0" smtClean="0">
-                <a:latin typeface="Consolas" pitchFamily="49" charset="0"/>
-                <a:cs typeface="Consolas" pitchFamily="49" charset="0"/>
-              </a:rPr>
-              <a:t>(string </a:t>
-            </a:r>
-            <a:r>
-              <a:rPr lang="en-US" sz="2400" dirty="0" err="1" smtClean="0">
-                <a:latin typeface="Consolas" pitchFamily="49" charset="0"/>
-                <a:cs typeface="Consolas" pitchFamily="49" charset="0"/>
-              </a:rPr>
-              <a:t>firstName</a:t>
-            </a:r>
-            <a:r>
-              <a:rPr lang="en-US" sz="2400" dirty="0" smtClean="0">
-                <a:latin typeface="Consolas" pitchFamily="49" charset="0"/>
-                <a:cs typeface="Consolas" pitchFamily="49" charset="0"/>
-              </a:rPr>
-              <a:t>, string </a:t>
-            </a:r>
-            <a:r>
-              <a:rPr lang="en-US" sz="2400" dirty="0" err="1" smtClean="0">
-                <a:latin typeface="Consolas" pitchFamily="49" charset="0"/>
-                <a:cs typeface="Consolas" pitchFamily="49" charset="0"/>
-              </a:rPr>
-              <a:t>lastName</a:t>
-            </a:r>
-            <a:r>
-              <a:rPr lang="en-US" sz="2400" dirty="0" smtClean="0">
-                <a:latin typeface="Consolas" pitchFamily="49" charset="0"/>
-                <a:cs typeface="Consolas" pitchFamily="49" charset="0"/>
-              </a:rPr>
-              <a:t>)</a:t>
-            </a:r>
-          </a:p>
-          <a:p>
-            <a:r>
-              <a:rPr lang="uk-UA" sz="2400" dirty="0" smtClean="0">
-                <a:latin typeface="Consolas" pitchFamily="49" charset="0"/>
-                <a:cs typeface="Consolas" pitchFamily="49" charset="0"/>
-              </a:rPr>
-              <a:t>        {</a:t>
-            </a:r>
-          </a:p>
-          <a:p>
-            <a:r>
-              <a:rPr lang="en-US" sz="2400" dirty="0" smtClean="0">
-                <a:latin typeface="Consolas" pitchFamily="49" charset="0"/>
-                <a:cs typeface="Consolas" pitchFamily="49" charset="0"/>
-              </a:rPr>
-              <a:t>            return </a:t>
-            </a:r>
-            <a:r>
-              <a:rPr lang="en-US" sz="2400" dirty="0" err="1" smtClean="0">
-                <a:latin typeface="Consolas" pitchFamily="49" charset="0"/>
-                <a:cs typeface="Consolas" pitchFamily="49" charset="0"/>
-              </a:rPr>
-              <a:t>firstName</a:t>
-            </a:r>
-            <a:r>
-              <a:rPr lang="en-US" sz="2400" dirty="0" smtClean="0">
-                <a:latin typeface="Consolas" pitchFamily="49" charset="0"/>
-                <a:cs typeface="Consolas" pitchFamily="49" charset="0"/>
-              </a:rPr>
-              <a:t> + "-" + </a:t>
-            </a:r>
-            <a:r>
-              <a:rPr lang="en-US" sz="2400" dirty="0" err="1" smtClean="0">
-                <a:latin typeface="Consolas" pitchFamily="49" charset="0"/>
-                <a:cs typeface="Consolas" pitchFamily="49" charset="0"/>
-              </a:rPr>
-              <a:t>lastName</a:t>
-            </a:r>
-            <a:r>
-              <a:rPr lang="en-US" sz="2400" dirty="0" smtClean="0">
-                <a:latin typeface="Consolas" pitchFamily="49" charset="0"/>
-                <a:cs typeface="Consolas" pitchFamily="49" charset="0"/>
-              </a:rPr>
-              <a:t>;</a:t>
-            </a:r>
-          </a:p>
-          <a:p>
-            <a:r>
-              <a:rPr lang="uk-UA" sz="2400" dirty="0" smtClean="0">
-                <a:latin typeface="Consolas" pitchFamily="49" charset="0"/>
-                <a:cs typeface="Consolas" pitchFamily="49" charset="0"/>
-              </a:rPr>
-              <a:t>        }</a:t>
-            </a:r>
-          </a:p>
-          <a:p>
-            <a:endParaRPr lang="uk-UA" sz="2400" dirty="0" smtClean="0">
-              <a:latin typeface="Consolas" pitchFamily="49" charset="0"/>
-              <a:cs typeface="Consolas" pitchFamily="49" charset="0"/>
-            </a:endParaRPr>
-          </a:p>
-          <a:p>
-            <a:r>
-              <a:rPr lang="uk-UA" sz="2400" dirty="0" smtClean="0">
-                <a:latin typeface="Consolas" pitchFamily="49" charset="0"/>
-                <a:cs typeface="Consolas" pitchFamily="49" charset="0"/>
-              </a:rPr>
-              <a:t>    }</a:t>
-            </a:r>
-          </a:p>
-          <a:p>
-            <a:r>
-              <a:rPr lang="uk-UA" sz="2400" dirty="0" smtClean="0">
-                <a:latin typeface="Consolas" pitchFamily="49" charset="0"/>
-                <a:cs typeface="Consolas" pitchFamily="49" charset="0"/>
-              </a:rPr>
-              <a:t>}</a:t>
-            </a:r>
-          </a:p>
-          <a:p>
-            <a:pPr>
-              <a:buClr>
-                <a:srgbClr val="171B65"/>
-              </a:buClr>
-            </a:pPr>
-            <a:endParaRPr lang="uk-UA" dirty="0"/>
           </a:p>
         </p:txBody>
       </p:sp>
     </p:spTree>
     <p:extLst>
       <p:ext uri="{BB962C8B-B14F-4D97-AF65-F5344CB8AC3E}">
-        <p14:creationId xmlns="" xmlns:p14="http://schemas.microsoft.com/office/powerpoint/2010/main" val="36659883"/>
+        <p14:creationId xmlns:p14="http://schemas.microsoft.com/office/powerpoint/2010/main" xmlns="" val="3436899123"/>
       </p:ext>
     </p:extLst>
   </p:cSld>
@@ -5402,7 +5906,7 @@
       </p:grpSpPr>
       <p:sp>
         <p:nvSpPr>
-          <p:cNvPr id="4" name="Текст 6"/>
+          <p:cNvPr id="5" name="Текст 6"/>
           <p:cNvSpPr txBox="1">
             <a:spLocks/>
           </p:cNvSpPr>
@@ -5410,8 +5914,8 @@
         </p:nvSpPr>
         <p:spPr>
           <a:xfrm>
-            <a:off x="285792" y="941697"/>
-            <a:ext cx="8380536" cy="5431807"/>
+            <a:off x="272143" y="832513"/>
+            <a:ext cx="8674213" cy="5392501"/>
           </a:xfrm>
           <a:prstGeom prst="rect">
             <a:avLst/>
@@ -5419,254 +5923,555 @@
         </p:spPr>
         <p:txBody>
           <a:bodyPr vert="horz" lIns="91440" tIns="45720" rIns="91440" bIns="45720" rtlCol="0">
-            <a:normAutofit fontScale="92500" lnSpcReduction="20000"/>
+            <a:noAutofit/>
           </a:bodyPr>
           <a:lstStyle/>
           <a:p>
             <a:r>
-              <a:rPr lang="en-US" sz="2000" dirty="0" smtClean="0"/>
-              <a:t>using System;</a:t>
-            </a:r>
-          </a:p>
-          <a:p>
-            <a:r>
-              <a:rPr lang="en-US" sz="2000" dirty="0" smtClean="0"/>
-              <a:t>using </a:t>
-            </a:r>
-            <a:r>
-              <a:rPr lang="en-US" sz="2000" dirty="0" err="1" smtClean="0"/>
-              <a:t>System.Reflection</a:t>
-            </a:r>
-            <a:r>
-              <a:rPr lang="en-US" sz="2000" dirty="0" smtClean="0"/>
-              <a:t>;</a:t>
-            </a:r>
-          </a:p>
-          <a:p>
-            <a:endParaRPr lang="uk-UA" sz="2000" dirty="0" smtClean="0"/>
-          </a:p>
-          <a:p>
-            <a:r>
-              <a:rPr lang="en-US" sz="2000" dirty="0" smtClean="0"/>
-              <a:t>namespace </a:t>
-            </a:r>
-            <a:r>
-              <a:rPr lang="en-US" sz="2000" dirty="0" err="1" smtClean="0"/>
-              <a:t>MyApp</a:t>
-            </a:r>
+              <a:rPr lang="en-US" sz="2000" dirty="0" smtClean="0">
+                <a:solidFill>
+                  <a:srgbClr val="000000"/>
+                </a:solidFill>
+                <a:latin typeface="Consolas" pitchFamily="49" charset="0"/>
+                <a:cs typeface="Consolas" pitchFamily="49" charset="0"/>
+              </a:rPr>
+              <a:t>class </a:t>
+            </a:r>
+            <a:r>
+              <a:rPr lang="en-US" sz="2000" dirty="0" err="1" smtClean="0">
+                <a:solidFill>
+                  <a:srgbClr val="000000"/>
+                </a:solidFill>
+                <a:latin typeface="Consolas" pitchFamily="49" charset="0"/>
+                <a:cs typeface="Consolas" pitchFamily="49" charset="0"/>
+              </a:rPr>
+              <a:t>SomeClass</a:t>
+            </a:r>
+            <a:endParaRPr lang="en-US" sz="2000" dirty="0" smtClean="0">
+              <a:solidFill>
+                <a:srgbClr val="000000"/>
+              </a:solidFill>
+              <a:latin typeface="Consolas" pitchFamily="49" charset="0"/>
+              <a:cs typeface="Consolas" pitchFamily="49" charset="0"/>
+            </a:endParaRPr>
+          </a:p>
+          <a:p>
+            <a:r>
+              <a:rPr lang="en-US" sz="2000" dirty="0" smtClean="0">
+                <a:solidFill>
+                  <a:srgbClr val="000000"/>
+                </a:solidFill>
+                <a:latin typeface="Consolas" pitchFamily="49" charset="0"/>
+                <a:cs typeface="Consolas" pitchFamily="49" charset="0"/>
+              </a:rPr>
+              <a:t>{}</a:t>
+            </a:r>
+          </a:p>
+          <a:p>
+            <a:endParaRPr lang="en-US" sz="2000" dirty="0" smtClean="0">
+              <a:solidFill>
+                <a:srgbClr val="000000"/>
+              </a:solidFill>
+              <a:latin typeface="Consolas" pitchFamily="49" charset="0"/>
+              <a:cs typeface="Consolas" pitchFamily="49" charset="0"/>
+            </a:endParaRPr>
+          </a:p>
+          <a:p>
+            <a:r>
+              <a:rPr lang="en-US" sz="2000" dirty="0" smtClean="0">
+                <a:solidFill>
+                  <a:srgbClr val="000000"/>
+                </a:solidFill>
+                <a:latin typeface="Consolas" pitchFamily="49" charset="0"/>
+                <a:cs typeface="Consolas" pitchFamily="49" charset="0"/>
+              </a:rPr>
+              <a:t>class Program</a:t>
+            </a:r>
+          </a:p>
+          <a:p>
+            <a:r>
+              <a:rPr lang="uk-UA" sz="2000" dirty="0" smtClean="0">
+                <a:solidFill>
+                  <a:srgbClr val="000000"/>
+                </a:solidFill>
+                <a:latin typeface="Consolas" pitchFamily="49" charset="0"/>
+                <a:cs typeface="Consolas" pitchFamily="49" charset="0"/>
+              </a:rPr>
+              <a:t>{</a:t>
+            </a:r>
+            <a:endParaRPr lang="uk-UA" sz="2000" dirty="0" smtClean="0">
+              <a:solidFill>
+                <a:srgbClr val="000000"/>
+              </a:solidFill>
+              <a:latin typeface="Consolas" pitchFamily="49" charset="0"/>
+              <a:cs typeface="Consolas" pitchFamily="49" charset="0"/>
+            </a:endParaRPr>
+          </a:p>
+          <a:p>
+            <a:r>
+              <a:rPr lang="en-US" sz="2000" dirty="0" smtClean="0">
+                <a:solidFill>
+                  <a:srgbClr val="000000"/>
+                </a:solidFill>
+                <a:latin typeface="Consolas" pitchFamily="49" charset="0"/>
+                <a:cs typeface="Consolas" pitchFamily="49" charset="0"/>
+              </a:rPr>
+              <a:t>     </a:t>
+            </a:r>
+            <a:r>
+              <a:rPr lang="en-US" sz="2000" dirty="0" smtClean="0">
+                <a:solidFill>
+                  <a:srgbClr val="000000"/>
+                </a:solidFill>
+                <a:latin typeface="Consolas" pitchFamily="49" charset="0"/>
+                <a:cs typeface="Consolas" pitchFamily="49" charset="0"/>
+              </a:rPr>
+              <a:t>static </a:t>
+            </a:r>
+            <a:r>
+              <a:rPr lang="en-US" sz="2000" dirty="0" smtClean="0">
+                <a:solidFill>
+                  <a:srgbClr val="000000"/>
+                </a:solidFill>
+                <a:latin typeface="Consolas" pitchFamily="49" charset="0"/>
+                <a:cs typeface="Consolas" pitchFamily="49" charset="0"/>
+              </a:rPr>
+              <a:t>void Main()</a:t>
+            </a:r>
+          </a:p>
+          <a:p>
+            <a:r>
+              <a:rPr lang="uk-UA" sz="2000" dirty="0" smtClean="0">
+                <a:solidFill>
+                  <a:srgbClr val="000000"/>
+                </a:solidFill>
+                <a:latin typeface="Consolas" pitchFamily="49" charset="0"/>
+                <a:cs typeface="Consolas" pitchFamily="49" charset="0"/>
+              </a:rPr>
+              <a:t>     </a:t>
+            </a:r>
+            <a:r>
+              <a:rPr lang="uk-UA" sz="2000" dirty="0" smtClean="0">
+                <a:solidFill>
+                  <a:srgbClr val="000000"/>
+                </a:solidFill>
+                <a:latin typeface="Consolas" pitchFamily="49" charset="0"/>
+                <a:cs typeface="Consolas" pitchFamily="49" charset="0"/>
+              </a:rPr>
+              <a:t>{</a:t>
+            </a:r>
+            <a:endParaRPr lang="uk-UA" sz="2000" dirty="0" smtClean="0">
+              <a:solidFill>
+                <a:srgbClr val="000000"/>
+              </a:solidFill>
+              <a:latin typeface="Consolas" pitchFamily="49" charset="0"/>
+              <a:cs typeface="Consolas" pitchFamily="49" charset="0"/>
+            </a:endParaRPr>
+          </a:p>
+          <a:p>
+            <a:r>
+              <a:rPr lang="en-US" sz="2000" dirty="0" smtClean="0">
+                <a:solidFill>
+                  <a:srgbClr val="000000"/>
+                </a:solidFill>
+                <a:latin typeface="Consolas" pitchFamily="49" charset="0"/>
+                <a:cs typeface="Consolas" pitchFamily="49" charset="0"/>
+              </a:rPr>
+              <a:t>         </a:t>
+            </a:r>
+            <a:r>
+              <a:rPr lang="en-US" sz="2000" dirty="0" smtClean="0">
+                <a:solidFill>
+                  <a:srgbClr val="000000"/>
+                </a:solidFill>
+                <a:latin typeface="Consolas" pitchFamily="49" charset="0"/>
+                <a:cs typeface="Consolas" pitchFamily="49" charset="0"/>
+              </a:rPr>
+              <a:t>//</a:t>
+            </a:r>
+            <a:r>
+              <a:rPr lang="en-US" sz="2000" dirty="0" smtClean="0">
+                <a:solidFill>
+                  <a:srgbClr val="000000"/>
+                </a:solidFill>
+                <a:latin typeface="Consolas" pitchFamily="49" charset="0"/>
+                <a:cs typeface="Consolas" pitchFamily="49" charset="0"/>
+              </a:rPr>
+              <a:t>apply to class</a:t>
+            </a:r>
+          </a:p>
+          <a:p>
+            <a:r>
+              <a:rPr lang="en-US" sz="2000" dirty="0" smtClean="0">
+                <a:solidFill>
+                  <a:srgbClr val="000000"/>
+                </a:solidFill>
+                <a:latin typeface="Consolas" pitchFamily="49" charset="0"/>
+                <a:cs typeface="Consolas" pitchFamily="49" charset="0"/>
+              </a:rPr>
+              <a:t>         </a:t>
+            </a:r>
+            <a:r>
+              <a:rPr lang="en-US" sz="2000" dirty="0" smtClean="0">
+                <a:solidFill>
+                  <a:srgbClr val="000000"/>
+                </a:solidFill>
+                <a:latin typeface="Consolas" pitchFamily="49" charset="0"/>
+                <a:cs typeface="Consolas" pitchFamily="49" charset="0"/>
+              </a:rPr>
+              <a:t>Type </a:t>
+            </a:r>
+            <a:r>
+              <a:rPr lang="en-US" sz="2000" dirty="0" smtClean="0">
+                <a:solidFill>
+                  <a:srgbClr val="000000"/>
+                </a:solidFill>
+                <a:latin typeface="Consolas" pitchFamily="49" charset="0"/>
+                <a:cs typeface="Consolas" pitchFamily="49" charset="0"/>
+              </a:rPr>
+              <a:t>type2 = </a:t>
+            </a:r>
+            <a:r>
+              <a:rPr lang="en-US" sz="2000" dirty="0" err="1" smtClean="0">
+                <a:solidFill>
+                  <a:srgbClr val="000000"/>
+                </a:solidFill>
+                <a:latin typeface="Consolas" pitchFamily="49" charset="0"/>
+                <a:cs typeface="Consolas" pitchFamily="49" charset="0"/>
+              </a:rPr>
+              <a:t>typeof</a:t>
+            </a:r>
+            <a:r>
+              <a:rPr lang="en-US" sz="2000" dirty="0" smtClean="0">
+                <a:solidFill>
+                  <a:srgbClr val="000000"/>
+                </a:solidFill>
+                <a:latin typeface="Consolas" pitchFamily="49" charset="0"/>
+                <a:cs typeface="Consolas" pitchFamily="49" charset="0"/>
+              </a:rPr>
+              <a:t>(</a:t>
+            </a:r>
+            <a:r>
+              <a:rPr lang="en-US" sz="2000" dirty="0" err="1" smtClean="0">
+                <a:solidFill>
+                  <a:srgbClr val="000000"/>
+                </a:solidFill>
+                <a:latin typeface="Consolas" pitchFamily="49" charset="0"/>
+                <a:cs typeface="Consolas" pitchFamily="49" charset="0"/>
+              </a:rPr>
+              <a:t>SomeClass</a:t>
+            </a:r>
+            <a:r>
+              <a:rPr lang="en-US" sz="2000" dirty="0" smtClean="0">
+                <a:solidFill>
+                  <a:srgbClr val="000000"/>
+                </a:solidFill>
+                <a:latin typeface="Consolas" pitchFamily="49" charset="0"/>
+                <a:cs typeface="Consolas" pitchFamily="49" charset="0"/>
+              </a:rPr>
+              <a:t>);</a:t>
+            </a:r>
+          </a:p>
+          <a:p>
+            <a:endParaRPr lang="uk-UA" sz="2000" dirty="0" smtClean="0">
+              <a:solidFill>
+                <a:srgbClr val="000000"/>
+              </a:solidFill>
+              <a:latin typeface="Consolas" pitchFamily="49" charset="0"/>
+              <a:cs typeface="Consolas" pitchFamily="49" charset="0"/>
+            </a:endParaRPr>
+          </a:p>
+          <a:p>
+            <a:r>
+              <a:rPr lang="en-US" sz="2000" dirty="0" smtClean="0">
+                <a:solidFill>
+                  <a:srgbClr val="000000"/>
+                </a:solidFill>
+                <a:latin typeface="Consolas" pitchFamily="49" charset="0"/>
+                <a:cs typeface="Consolas" pitchFamily="49" charset="0"/>
+              </a:rPr>
+              <a:t>       </a:t>
+            </a:r>
+            <a:r>
+              <a:rPr lang="en-US" sz="2000" dirty="0" smtClean="0">
+                <a:solidFill>
+                  <a:srgbClr val="000000"/>
+                </a:solidFill>
+                <a:latin typeface="Consolas" pitchFamily="49" charset="0"/>
+                <a:cs typeface="Consolas" pitchFamily="49" charset="0"/>
+              </a:rPr>
+              <a:t>  </a:t>
+            </a:r>
+            <a:r>
+              <a:rPr lang="en-US" sz="2000" dirty="0" smtClean="0">
+                <a:solidFill>
+                  <a:srgbClr val="000000"/>
+                </a:solidFill>
+                <a:latin typeface="Consolas" pitchFamily="49" charset="0"/>
+                <a:cs typeface="Consolas" pitchFamily="49" charset="0"/>
+              </a:rPr>
+              <a:t>//apply to object</a:t>
+            </a:r>
+          </a:p>
+          <a:p>
+            <a:r>
+              <a:rPr lang="en-US" sz="2000" dirty="0" smtClean="0">
+                <a:solidFill>
+                  <a:srgbClr val="000000"/>
+                </a:solidFill>
+                <a:latin typeface="Consolas" pitchFamily="49" charset="0"/>
+                <a:cs typeface="Consolas" pitchFamily="49" charset="0"/>
+              </a:rPr>
+              <a:t>    </a:t>
+            </a:r>
+            <a:r>
+              <a:rPr lang="en-US" sz="2000" dirty="0" smtClean="0">
+                <a:solidFill>
+                  <a:srgbClr val="000000"/>
+                </a:solidFill>
+                <a:latin typeface="Consolas" pitchFamily="49" charset="0"/>
+                <a:cs typeface="Consolas" pitchFamily="49" charset="0"/>
+              </a:rPr>
+              <a:t>     </a:t>
+            </a:r>
+            <a:r>
+              <a:rPr lang="en-US" sz="2000" dirty="0" err="1" smtClean="0">
+                <a:solidFill>
+                  <a:srgbClr val="000000"/>
+                </a:solidFill>
+                <a:latin typeface="Consolas" pitchFamily="49" charset="0"/>
+                <a:cs typeface="Consolas" pitchFamily="49" charset="0"/>
+              </a:rPr>
+              <a:t>SomeClass</a:t>
+            </a:r>
+            <a:r>
+              <a:rPr lang="en-US" sz="2000" dirty="0" smtClean="0">
+                <a:solidFill>
+                  <a:srgbClr val="000000"/>
+                </a:solidFill>
+                <a:latin typeface="Consolas" pitchFamily="49" charset="0"/>
+                <a:cs typeface="Consolas" pitchFamily="49" charset="0"/>
+              </a:rPr>
+              <a:t> </a:t>
+            </a:r>
+            <a:r>
+              <a:rPr lang="en-US" sz="2000" dirty="0" err="1" smtClean="0">
+                <a:solidFill>
+                  <a:srgbClr val="000000"/>
+                </a:solidFill>
+                <a:latin typeface="Consolas" pitchFamily="49" charset="0"/>
+                <a:cs typeface="Consolas" pitchFamily="49" charset="0"/>
+              </a:rPr>
+              <a:t>someClass</a:t>
+            </a:r>
+            <a:r>
+              <a:rPr lang="en-US" sz="2000" dirty="0" smtClean="0">
+                <a:solidFill>
+                  <a:srgbClr val="000000"/>
+                </a:solidFill>
+                <a:latin typeface="Consolas" pitchFamily="49" charset="0"/>
+                <a:cs typeface="Consolas" pitchFamily="49" charset="0"/>
+              </a:rPr>
+              <a:t> = new </a:t>
+            </a:r>
+            <a:r>
+              <a:rPr lang="en-US" sz="2000" dirty="0" err="1" smtClean="0">
+                <a:solidFill>
+                  <a:srgbClr val="000000"/>
+                </a:solidFill>
+                <a:latin typeface="Consolas" pitchFamily="49" charset="0"/>
+                <a:cs typeface="Consolas" pitchFamily="49" charset="0"/>
+              </a:rPr>
+              <a:t>SomeClass</a:t>
+            </a:r>
+            <a:r>
+              <a:rPr lang="en-US" sz="2000" dirty="0" smtClean="0">
+                <a:solidFill>
+                  <a:srgbClr val="000000"/>
+                </a:solidFill>
+                <a:latin typeface="Consolas" pitchFamily="49" charset="0"/>
+                <a:cs typeface="Consolas" pitchFamily="49" charset="0"/>
+              </a:rPr>
+              <a:t>();</a:t>
+            </a:r>
+          </a:p>
+          <a:p>
+            <a:r>
+              <a:rPr lang="en-US" sz="2000" dirty="0" smtClean="0">
+                <a:solidFill>
+                  <a:srgbClr val="000000"/>
+                </a:solidFill>
+                <a:latin typeface="Consolas" pitchFamily="49" charset="0"/>
+                <a:cs typeface="Consolas" pitchFamily="49" charset="0"/>
+              </a:rPr>
+              <a:t> </a:t>
+            </a:r>
+            <a:r>
+              <a:rPr lang="en-US" sz="2000" dirty="0" smtClean="0">
+                <a:solidFill>
+                  <a:srgbClr val="000000"/>
+                </a:solidFill>
+                <a:latin typeface="Consolas" pitchFamily="49" charset="0"/>
+                <a:cs typeface="Consolas" pitchFamily="49" charset="0"/>
+              </a:rPr>
+              <a:t>        </a:t>
+            </a:r>
+            <a:r>
+              <a:rPr lang="en-US" sz="2000" dirty="0" smtClean="0">
+                <a:solidFill>
+                  <a:srgbClr val="000000"/>
+                </a:solidFill>
+                <a:latin typeface="Consolas" pitchFamily="49" charset="0"/>
+                <a:cs typeface="Consolas" pitchFamily="49" charset="0"/>
+              </a:rPr>
+              <a:t>Type type3 = </a:t>
+            </a:r>
+            <a:r>
+              <a:rPr lang="en-US" sz="2000" dirty="0" err="1" smtClean="0">
+                <a:solidFill>
+                  <a:srgbClr val="000000"/>
+                </a:solidFill>
+                <a:latin typeface="Consolas" pitchFamily="49" charset="0"/>
+                <a:cs typeface="Consolas" pitchFamily="49" charset="0"/>
+              </a:rPr>
+              <a:t>someClass.GetType</a:t>
+            </a:r>
+            <a:r>
+              <a:rPr lang="en-US" sz="2000" dirty="0" smtClean="0">
+                <a:solidFill>
+                  <a:srgbClr val="000000"/>
+                </a:solidFill>
+                <a:latin typeface="Consolas" pitchFamily="49" charset="0"/>
+                <a:cs typeface="Consolas" pitchFamily="49" charset="0"/>
+              </a:rPr>
+              <a:t>();</a:t>
+            </a:r>
+            <a:endParaRPr lang="en-US" sz="2000" dirty="0" smtClean="0">
+              <a:solidFill>
+                <a:srgbClr val="000000"/>
+              </a:solidFill>
+              <a:latin typeface="Consolas" pitchFamily="49" charset="0"/>
+              <a:cs typeface="Consolas" pitchFamily="49" charset="0"/>
+            </a:endParaRPr>
+          </a:p>
+          <a:p>
+            <a:r>
+              <a:rPr lang="uk-UA" sz="2000" dirty="0" smtClean="0">
+                <a:solidFill>
+                  <a:srgbClr val="000000"/>
+                </a:solidFill>
+                <a:latin typeface="Consolas" pitchFamily="49" charset="0"/>
+                <a:cs typeface="Consolas" pitchFamily="49" charset="0"/>
+              </a:rPr>
+              <a:t>     </a:t>
+            </a:r>
+            <a:r>
+              <a:rPr lang="uk-UA" sz="2000" dirty="0" smtClean="0">
+                <a:solidFill>
+                  <a:srgbClr val="000000"/>
+                </a:solidFill>
+                <a:latin typeface="Consolas" pitchFamily="49" charset="0"/>
+                <a:cs typeface="Consolas" pitchFamily="49" charset="0"/>
+              </a:rPr>
+              <a:t>}          </a:t>
+            </a:r>
+          </a:p>
+          <a:p>
+            <a:r>
+              <a:rPr lang="uk-UA" sz="2000" dirty="0" smtClean="0">
+                <a:solidFill>
+                  <a:srgbClr val="000000"/>
+                </a:solidFill>
+                <a:latin typeface="Consolas" pitchFamily="49" charset="0"/>
+                <a:cs typeface="Consolas" pitchFamily="49" charset="0"/>
+              </a:rPr>
+              <a:t>}</a:t>
+            </a:r>
+            <a:endParaRPr lang="en-US" sz="2000" dirty="0" smtClean="0">
+              <a:solidFill>
+                <a:srgbClr val="000000"/>
+              </a:solidFill>
+              <a:latin typeface="Consolas" pitchFamily="49" charset="0"/>
+              <a:cs typeface="Consolas" pitchFamily="49" charset="0"/>
+            </a:endParaRPr>
+          </a:p>
+          <a:p>
             <a:endParaRPr lang="en-US" sz="2000" dirty="0" smtClean="0"/>
           </a:p>
           <a:p>
-            <a:r>
-              <a:rPr lang="uk-UA" sz="2000" dirty="0" smtClean="0"/>
-              <a:t>{</a:t>
-            </a:r>
-          </a:p>
-          <a:p>
-            <a:r>
-              <a:rPr lang="en-US" sz="2000" dirty="0" smtClean="0"/>
-              <a:t>    class Program</a:t>
-            </a:r>
-          </a:p>
-          <a:p>
-            <a:r>
-              <a:rPr lang="uk-UA" sz="2000" dirty="0" smtClean="0"/>
-              <a:t>    {</a:t>
-            </a:r>
-          </a:p>
-          <a:p>
-            <a:r>
-              <a:rPr lang="en-US" sz="2000" dirty="0" smtClean="0"/>
-              <a:t>        static void Main()</a:t>
-            </a:r>
-          </a:p>
-          <a:p>
-            <a:r>
-              <a:rPr lang="uk-UA" sz="2000" dirty="0" smtClean="0"/>
-              <a:t>        {</a:t>
-            </a:r>
-          </a:p>
-          <a:p>
-            <a:r>
-              <a:rPr lang="en-US" sz="2000" dirty="0" smtClean="0"/>
-              <a:t>            try</a:t>
-            </a:r>
-          </a:p>
-          <a:p>
-            <a:r>
-              <a:rPr lang="uk-UA" sz="2000" dirty="0" smtClean="0"/>
-              <a:t>            {</a:t>
-            </a:r>
-          </a:p>
-          <a:p>
-            <a:r>
-              <a:rPr lang="en-US" sz="2000" dirty="0" smtClean="0"/>
-              <a:t>                Assembly </a:t>
-            </a:r>
-            <a:r>
-              <a:rPr lang="en-US" sz="2000" dirty="0" err="1" smtClean="0"/>
-              <a:t>assembly</a:t>
-            </a:r>
-            <a:r>
-              <a:rPr lang="en-US" sz="2000" dirty="0" smtClean="0"/>
-              <a:t> = </a:t>
-            </a:r>
-            <a:r>
-              <a:rPr lang="en-US" sz="2000" dirty="0" err="1" smtClean="0"/>
-              <a:t>Assembly.Load</a:t>
-            </a:r>
-            <a:r>
-              <a:rPr lang="en-US" sz="2000" dirty="0" smtClean="0"/>
-              <a:t>("</a:t>
-            </a:r>
-            <a:r>
-              <a:rPr lang="en-US" sz="2000" dirty="0" err="1" smtClean="0"/>
-              <a:t>SomeAssembly</a:t>
-            </a:r>
-            <a:r>
-              <a:rPr lang="en-US" sz="2000" dirty="0" smtClean="0"/>
-              <a:t>");</a:t>
-            </a:r>
-          </a:p>
-          <a:p>
-            <a:endParaRPr lang="uk-UA" sz="2000" dirty="0" smtClean="0"/>
-          </a:p>
-          <a:p>
-            <a:r>
-              <a:rPr lang="en-US" sz="2000" dirty="0" smtClean="0"/>
-              <a:t>                Type </a:t>
-            </a:r>
-            <a:r>
-              <a:rPr lang="en-US" sz="2000" dirty="0" err="1" smtClean="0"/>
-              <a:t>type</a:t>
-            </a:r>
-            <a:r>
-              <a:rPr lang="en-US" sz="2000" dirty="0" smtClean="0"/>
-              <a:t> = </a:t>
-            </a:r>
-            <a:r>
-              <a:rPr lang="en-US" sz="2000" dirty="0" err="1" smtClean="0"/>
-              <a:t>assembly.GetType</a:t>
-            </a:r>
-            <a:r>
-              <a:rPr lang="en-US" sz="2000" dirty="0" smtClean="0"/>
-              <a:t>("</a:t>
-            </a:r>
-            <a:r>
-              <a:rPr lang="en-US" sz="2000" dirty="0" err="1" smtClean="0"/>
-              <a:t>SomeAssembly.SomeClass</a:t>
-            </a:r>
-            <a:r>
-              <a:rPr lang="en-US" sz="2000" dirty="0" smtClean="0"/>
-              <a:t>");</a:t>
-            </a:r>
-          </a:p>
-          <a:p>
-            <a:endParaRPr lang="uk-UA" sz="2000" dirty="0" smtClean="0"/>
-          </a:p>
-          <a:p>
-            <a:r>
-              <a:rPr lang="en-US" sz="2000" dirty="0" smtClean="0"/>
-              <a:t>                </a:t>
-            </a:r>
-            <a:r>
-              <a:rPr lang="en-US" sz="2000" dirty="0" err="1" smtClean="0"/>
-              <a:t>ConstructorInfo</a:t>
-            </a:r>
-            <a:r>
-              <a:rPr lang="en-US" sz="2000" dirty="0" smtClean="0"/>
-              <a:t> </a:t>
-            </a:r>
-            <a:r>
-              <a:rPr lang="en-US" sz="2000" dirty="0" err="1" smtClean="0"/>
-              <a:t>ctor</a:t>
-            </a:r>
-            <a:r>
-              <a:rPr lang="en-US" sz="2000" dirty="0" smtClean="0"/>
-              <a:t> = </a:t>
-            </a:r>
-            <a:r>
-              <a:rPr lang="en-US" sz="2000" dirty="0" err="1" smtClean="0"/>
-              <a:t>type.GetConstructor</a:t>
-            </a:r>
-            <a:r>
-              <a:rPr lang="en-US" sz="2000" dirty="0" smtClean="0"/>
-              <a:t>(new Type[] { });</a:t>
-            </a:r>
-          </a:p>
-          <a:p>
-            <a:endParaRPr lang="uk-UA" sz="2000" dirty="0" smtClean="0"/>
-          </a:p>
-          <a:p>
-            <a:r>
-              <a:rPr lang="en-US" sz="2000" dirty="0" smtClean="0"/>
-              <a:t>                //Create object</a:t>
-            </a:r>
-          </a:p>
-          <a:p>
-            <a:r>
-              <a:rPr lang="en-US" sz="2000" dirty="0" smtClean="0"/>
-              <a:t>                object </a:t>
-            </a:r>
-            <a:r>
-              <a:rPr lang="en-US" sz="2000" dirty="0" err="1" smtClean="0"/>
-              <a:t>obj</a:t>
-            </a:r>
-            <a:r>
-              <a:rPr lang="en-US" sz="2000" dirty="0" smtClean="0"/>
-              <a:t> = </a:t>
-            </a:r>
-            <a:r>
-              <a:rPr lang="en-US" sz="2000" dirty="0" err="1" smtClean="0"/>
-              <a:t>ctor.Invoke</a:t>
-            </a:r>
-            <a:r>
-              <a:rPr lang="en-US" sz="2000" dirty="0" smtClean="0"/>
-              <a:t>(null);</a:t>
-            </a:r>
-          </a:p>
-          <a:p>
-            <a:endParaRPr lang="uk-UA" sz="2000" dirty="0" smtClean="0"/>
-          </a:p>
-          <a:p>
-            <a:r>
-              <a:rPr lang="en-US" sz="2000" dirty="0" smtClean="0"/>
-              <a:t>                //or object obj2 = </a:t>
-            </a:r>
-            <a:r>
-              <a:rPr lang="en-US" sz="2000" dirty="0" err="1" smtClean="0"/>
-              <a:t>Activator.CreateInstance</a:t>
-            </a:r>
-            <a:r>
-              <a:rPr lang="en-US" sz="2000" dirty="0" smtClean="0"/>
-              <a:t> (type);</a:t>
-            </a:r>
-          </a:p>
-          <a:p>
-            <a:endParaRPr lang="uk-UA" sz="2000" dirty="0" smtClean="0"/>
-          </a:p>
-          <a:p>
-            <a:endParaRPr lang="uk-UA" sz="2000" dirty="0" smtClean="0"/>
+            <a:endParaRPr lang="en-US" sz="2000" dirty="0" smtClean="0"/>
+          </a:p>
+          <a:p>
+            <a:endParaRPr lang="en-US" sz="2000" dirty="0" smtClean="0"/>
+          </a:p>
+          <a:p>
+            <a:endParaRPr lang="en-US" sz="1600" dirty="0" smtClean="0">
+              <a:latin typeface="Consolas" pitchFamily="49" charset="0"/>
+              <a:cs typeface="Consolas" pitchFamily="49" charset="0"/>
+            </a:endParaRPr>
+          </a:p>
+        </p:txBody>
+      </p:sp>
+      <p:sp>
+        <p:nvSpPr>
+          <p:cNvPr id="8" name="Текст 6"/>
+          <p:cNvSpPr txBox="1">
+            <a:spLocks/>
+          </p:cNvSpPr>
+          <p:nvPr/>
+        </p:nvSpPr>
+        <p:spPr>
+          <a:xfrm>
+            <a:off x="244847" y="1561035"/>
+            <a:ext cx="8674213" cy="4391025"/>
+          </a:xfrm>
+          <a:prstGeom prst="rect">
+            <a:avLst/>
+          </a:prstGeom>
+        </p:spPr>
+        <p:txBody>
+          <a:bodyPr vert="horz" lIns="91440" tIns="45720" rIns="91440" bIns="45720" rtlCol="0">
+            <a:normAutofit/>
+          </a:bodyPr>
+          <a:lstStyle/>
+          <a:p>
+            <a:pPr marL="228578" lvl="0" indent="-228578" defTabSz="914309">
+              <a:lnSpc>
+                <a:spcPct val="120000"/>
+              </a:lnSpc>
+              <a:spcBef>
+                <a:spcPts val="1000"/>
+              </a:spcBef>
+              <a:buClr>
+                <a:schemeClr val="bg2"/>
+              </a:buClr>
+            </a:pPr>
+            <a:endParaRPr kumimoji="0" lang="uk-UA" sz="2800" b="0" i="0" u="none" strike="noStrike" kern="1200" cap="none" spc="0" normalizeH="0" baseline="0" noProof="0" dirty="0">
+              <a:ln>
+                <a:noFill/>
+              </a:ln>
+              <a:solidFill>
+                <a:srgbClr val="000000"/>
+              </a:solidFill>
+              <a:effectLst/>
+              <a:uLnTx/>
+              <a:uFillTx/>
+              <a:latin typeface="Consolas" pitchFamily="49" charset="0"/>
+              <a:cs typeface="Consolas" pitchFamily="49" charset="0"/>
+            </a:endParaRPr>
           </a:p>
         </p:txBody>
       </p:sp>
     </p:spTree>
     <p:extLst>
       <p:ext uri="{BB962C8B-B14F-4D97-AF65-F5344CB8AC3E}">
-        <p14:creationId xmlns="" xmlns:p14="http://schemas.microsoft.com/office/powerpoint/2010/main" val="3137827218"/>
+        <p14:creationId xmlns:p14="http://schemas.microsoft.com/office/powerpoint/2010/main" xmlns="" val="365623256"/>
       </p:ext>
     </p:extLst>
   </p:cSld>
   <p:clrMapOvr>
     <a:masterClrMapping/>
   </p:clrMapOvr>
-  <p:timing>
-    <p:tnLst>
-      <p:par>
-        <p:cTn id="1" dur="indefinite" restart="never" nodeType="tmRoot"/>
-      </p:par>
-    </p:tnLst>
-  </p:timing>
 </p:sld>
 </file>
 
@@ -5689,346 +6494,59 @@
       </p:grpSpPr>
       <p:sp>
         <p:nvSpPr>
-          <p:cNvPr id="17" name="Текст 16"/>
+          <p:cNvPr id="7" name="Текст 6"/>
           <p:cNvSpPr>
             <a:spLocks noGrp="1"/>
           </p:cNvSpPr>
           <p:nvPr>
-            <p:ph type="body" sz="half" idx="2"/>
+            <p:ph type="body" sz="quarter" idx="10"/>
           </p:nvPr>
         </p:nvSpPr>
-        <p:spPr>
-          <a:xfrm>
-            <a:off x="272143" y="504967"/>
-            <a:ext cx="8134878" cy="5264008"/>
-          </a:xfrm>
-        </p:spPr>
+        <p:spPr/>
         <p:txBody>
-          <a:bodyPr>
-            <a:normAutofit fontScale="70000" lnSpcReduction="20000"/>
-          </a:bodyPr>
+          <a:bodyPr/>
           <a:lstStyle/>
           <a:p>
-            <a:r>
-              <a:rPr lang="en-US" sz="2400" dirty="0" smtClean="0">
-                <a:latin typeface="Consolas" pitchFamily="49" charset="0"/>
-                <a:cs typeface="Consolas" pitchFamily="49" charset="0"/>
-              </a:rPr>
-              <a:t> </a:t>
-            </a:r>
-            <a:r>
-              <a:rPr lang="en-US" sz="2400" dirty="0" smtClean="0">
-                <a:latin typeface="Consolas" pitchFamily="49" charset="0"/>
-                <a:cs typeface="Consolas" pitchFamily="49" charset="0"/>
-              </a:rPr>
-              <a:t>	</a:t>
-            </a:r>
-            <a:r>
-              <a:rPr lang="en-US" sz="2400" dirty="0" err="1" smtClean="0">
-                <a:latin typeface="Consolas" pitchFamily="49" charset="0"/>
-                <a:cs typeface="Consolas" pitchFamily="49" charset="0"/>
-              </a:rPr>
-              <a:t>MethodInfo</a:t>
-            </a:r>
-            <a:r>
-              <a:rPr lang="en-US" sz="2400" dirty="0" smtClean="0">
-                <a:latin typeface="Consolas" pitchFamily="49" charset="0"/>
-                <a:cs typeface="Consolas" pitchFamily="49" charset="0"/>
-              </a:rPr>
-              <a:t> </a:t>
-            </a:r>
-            <a:r>
-              <a:rPr lang="en-US" sz="2400" dirty="0" smtClean="0">
-                <a:latin typeface="Consolas" pitchFamily="49" charset="0"/>
-                <a:cs typeface="Consolas" pitchFamily="49" charset="0"/>
-              </a:rPr>
-              <a:t>method = </a:t>
-            </a:r>
-            <a:r>
-              <a:rPr lang="en-US" sz="2400" dirty="0" err="1" smtClean="0">
-                <a:latin typeface="Consolas" pitchFamily="49" charset="0"/>
-                <a:cs typeface="Consolas" pitchFamily="49" charset="0"/>
-              </a:rPr>
-              <a:t>type.GetMethod</a:t>
-            </a:r>
-            <a:r>
-              <a:rPr lang="en-US" sz="2400" dirty="0" smtClean="0">
-                <a:latin typeface="Consolas" pitchFamily="49" charset="0"/>
-                <a:cs typeface="Consolas" pitchFamily="49" charset="0"/>
-              </a:rPr>
-              <a:t>("</a:t>
-            </a:r>
-            <a:r>
-              <a:rPr lang="en-US" sz="2400" dirty="0" err="1" smtClean="0">
-                <a:latin typeface="Consolas" pitchFamily="49" charset="0"/>
-                <a:cs typeface="Consolas" pitchFamily="49" charset="0"/>
-              </a:rPr>
-              <a:t>SomeMethod</a:t>
-            </a:r>
-            <a:r>
-              <a:rPr lang="en-US" sz="2400" dirty="0" smtClean="0">
-                <a:latin typeface="Consolas" pitchFamily="49" charset="0"/>
-                <a:cs typeface="Consolas" pitchFamily="49" charset="0"/>
-              </a:rPr>
-              <a:t>");</a:t>
-            </a:r>
-          </a:p>
-          <a:p>
-            <a:endParaRPr lang="en-US" sz="2400" dirty="0" smtClean="0">
-              <a:latin typeface="Consolas" pitchFamily="49" charset="0"/>
-              <a:cs typeface="Consolas" pitchFamily="49" charset="0"/>
-            </a:endParaRPr>
-          </a:p>
-          <a:p>
-            <a:r>
-              <a:rPr lang="en-US" sz="2400" dirty="0" smtClean="0">
-                <a:latin typeface="Consolas" pitchFamily="49" charset="0"/>
-                <a:cs typeface="Consolas" pitchFamily="49" charset="0"/>
-              </a:rPr>
-              <a:t>                string[] parameters = new string[2];</a:t>
-            </a:r>
-          </a:p>
-          <a:p>
-            <a:r>
-              <a:rPr lang="en-US" sz="2400" dirty="0" smtClean="0">
-                <a:latin typeface="Consolas" pitchFamily="49" charset="0"/>
-                <a:cs typeface="Consolas" pitchFamily="49" charset="0"/>
-              </a:rPr>
-              <a:t>                parameters[0] = "</a:t>
-            </a:r>
-            <a:r>
-              <a:rPr lang="en-US" sz="2400" dirty="0" err="1" smtClean="0">
-                <a:latin typeface="Consolas" pitchFamily="49" charset="0"/>
-                <a:cs typeface="Consolas" pitchFamily="49" charset="0"/>
-              </a:rPr>
-              <a:t>Lv</a:t>
-            </a:r>
-            <a:r>
-              <a:rPr lang="en-US" sz="2400" dirty="0" smtClean="0">
-                <a:latin typeface="Consolas" pitchFamily="49" charset="0"/>
-                <a:cs typeface="Consolas" pitchFamily="49" charset="0"/>
-              </a:rPr>
-              <a:t>";</a:t>
-            </a:r>
-          </a:p>
-          <a:p>
-            <a:r>
-              <a:rPr lang="en-US" sz="2400" dirty="0" smtClean="0">
-                <a:latin typeface="Consolas" pitchFamily="49" charset="0"/>
-                <a:cs typeface="Consolas" pitchFamily="49" charset="0"/>
-              </a:rPr>
-              <a:t>                parameters[1] = "273";</a:t>
-            </a:r>
-          </a:p>
-          <a:p>
-            <a:endParaRPr lang="uk-UA" sz="2400" dirty="0" smtClean="0">
-              <a:latin typeface="Consolas" pitchFamily="49" charset="0"/>
-              <a:cs typeface="Consolas" pitchFamily="49" charset="0"/>
-            </a:endParaRPr>
-          </a:p>
-          <a:p>
-            <a:r>
-              <a:rPr lang="en-US" sz="2400" dirty="0" smtClean="0">
-                <a:latin typeface="Consolas" pitchFamily="49" charset="0"/>
-                <a:cs typeface="Consolas" pitchFamily="49" charset="0"/>
-              </a:rPr>
-              <a:t>	string </a:t>
-            </a:r>
-            <a:r>
-              <a:rPr lang="en-US" sz="2400" dirty="0" smtClean="0">
-                <a:latin typeface="Consolas" pitchFamily="49" charset="0"/>
-                <a:cs typeface="Consolas" pitchFamily="49" charset="0"/>
-              </a:rPr>
-              <a:t>name = (string)</a:t>
-            </a:r>
-            <a:r>
-              <a:rPr lang="en-US" sz="2400" dirty="0" err="1" smtClean="0">
-                <a:latin typeface="Consolas" pitchFamily="49" charset="0"/>
-                <a:cs typeface="Consolas" pitchFamily="49" charset="0"/>
-              </a:rPr>
-              <a:t>method.Invoke</a:t>
-            </a:r>
-            <a:r>
-              <a:rPr lang="en-US" sz="2400" dirty="0" smtClean="0">
-                <a:latin typeface="Consolas" pitchFamily="49" charset="0"/>
-                <a:cs typeface="Consolas" pitchFamily="49" charset="0"/>
-              </a:rPr>
-              <a:t>(</a:t>
-            </a:r>
-            <a:r>
-              <a:rPr lang="en-US" sz="2400" dirty="0" err="1" smtClean="0">
-                <a:latin typeface="Consolas" pitchFamily="49" charset="0"/>
-                <a:cs typeface="Consolas" pitchFamily="49" charset="0"/>
-              </a:rPr>
-              <a:t>obj</a:t>
-            </a:r>
-            <a:r>
-              <a:rPr lang="en-US" sz="2400" dirty="0" smtClean="0">
-                <a:latin typeface="Consolas" pitchFamily="49" charset="0"/>
-                <a:cs typeface="Consolas" pitchFamily="49" charset="0"/>
-              </a:rPr>
-              <a:t>, parameters);</a:t>
-            </a:r>
-          </a:p>
-          <a:p>
-            <a:endParaRPr lang="uk-UA" sz="2400" dirty="0" smtClean="0">
-              <a:latin typeface="Consolas" pitchFamily="49" charset="0"/>
-              <a:cs typeface="Consolas" pitchFamily="49" charset="0"/>
-            </a:endParaRPr>
-          </a:p>
-          <a:p>
-            <a:r>
-              <a:rPr lang="en-US" sz="2400" dirty="0" smtClean="0">
-                <a:latin typeface="Consolas" pitchFamily="49" charset="0"/>
-                <a:cs typeface="Consolas" pitchFamily="49" charset="0"/>
-              </a:rPr>
-              <a:t>                </a:t>
-            </a:r>
-            <a:r>
-              <a:rPr lang="en-US" sz="2400" dirty="0" err="1" smtClean="0">
-                <a:latin typeface="Consolas" pitchFamily="49" charset="0"/>
-                <a:cs typeface="Consolas" pitchFamily="49" charset="0"/>
-              </a:rPr>
-              <a:t>Console.WriteLine</a:t>
-            </a:r>
-            <a:r>
-              <a:rPr lang="en-US" sz="2400" dirty="0" smtClean="0">
-                <a:latin typeface="Consolas" pitchFamily="49" charset="0"/>
-                <a:cs typeface="Consolas" pitchFamily="49" charset="0"/>
-              </a:rPr>
-              <a:t>(name);</a:t>
-            </a:r>
-          </a:p>
-          <a:p>
-            <a:r>
-              <a:rPr lang="uk-UA" sz="2400" dirty="0" smtClean="0">
-                <a:latin typeface="Consolas" pitchFamily="49" charset="0"/>
-                <a:cs typeface="Consolas" pitchFamily="49" charset="0"/>
-              </a:rPr>
-              <a:t>            </a:t>
-            </a:r>
-            <a:r>
-              <a:rPr lang="uk-UA" sz="2400" dirty="0" smtClean="0">
-                <a:latin typeface="Consolas" pitchFamily="49" charset="0"/>
-                <a:cs typeface="Consolas" pitchFamily="49" charset="0"/>
-              </a:rPr>
-              <a:t>}</a:t>
-            </a:r>
-            <a:endParaRPr lang="uk-UA" sz="2400" dirty="0" smtClean="0">
-              <a:latin typeface="Consolas" pitchFamily="49" charset="0"/>
-              <a:cs typeface="Consolas" pitchFamily="49" charset="0"/>
-            </a:endParaRPr>
-          </a:p>
-          <a:p>
-            <a:r>
-              <a:rPr lang="en-US" sz="2400" dirty="0" smtClean="0">
-                <a:latin typeface="Consolas" pitchFamily="49" charset="0"/>
-                <a:cs typeface="Consolas" pitchFamily="49" charset="0"/>
-              </a:rPr>
-              <a:t>            catch (Exception </a:t>
-            </a:r>
-            <a:r>
-              <a:rPr lang="en-US" sz="2400" dirty="0" err="1" smtClean="0">
-                <a:latin typeface="Consolas" pitchFamily="49" charset="0"/>
-                <a:cs typeface="Consolas" pitchFamily="49" charset="0"/>
-              </a:rPr>
-              <a:t>exc</a:t>
-            </a:r>
-            <a:r>
-              <a:rPr lang="en-US" sz="2400" dirty="0" smtClean="0">
-                <a:latin typeface="Consolas" pitchFamily="49" charset="0"/>
-                <a:cs typeface="Consolas" pitchFamily="49" charset="0"/>
-              </a:rPr>
-              <a:t>)</a:t>
-            </a:r>
-          </a:p>
-          <a:p>
-            <a:r>
-              <a:rPr lang="uk-UA" sz="2400" dirty="0" smtClean="0">
-                <a:latin typeface="Consolas" pitchFamily="49" charset="0"/>
-                <a:cs typeface="Consolas" pitchFamily="49" charset="0"/>
-              </a:rPr>
-              <a:t>            {</a:t>
-            </a:r>
-          </a:p>
-          <a:p>
-            <a:r>
-              <a:rPr lang="en-US" sz="2400" dirty="0" smtClean="0">
-                <a:latin typeface="Consolas" pitchFamily="49" charset="0"/>
-                <a:cs typeface="Consolas" pitchFamily="49" charset="0"/>
-              </a:rPr>
-              <a:t>                </a:t>
-            </a:r>
-            <a:r>
-              <a:rPr lang="en-US" sz="2400" dirty="0" err="1" smtClean="0">
-                <a:latin typeface="Consolas" pitchFamily="49" charset="0"/>
-                <a:cs typeface="Consolas" pitchFamily="49" charset="0"/>
-              </a:rPr>
-              <a:t>Console.WriteLine</a:t>
-            </a:r>
-            <a:r>
-              <a:rPr lang="en-US" sz="2400" dirty="0" smtClean="0">
-                <a:latin typeface="Consolas" pitchFamily="49" charset="0"/>
-                <a:cs typeface="Consolas" pitchFamily="49" charset="0"/>
-              </a:rPr>
-              <a:t>(</a:t>
-            </a:r>
-            <a:r>
-              <a:rPr lang="en-US" sz="2400" dirty="0" err="1" smtClean="0">
-                <a:latin typeface="Consolas" pitchFamily="49" charset="0"/>
-                <a:cs typeface="Consolas" pitchFamily="49" charset="0"/>
-              </a:rPr>
-              <a:t>exc.Message</a:t>
-            </a:r>
-            <a:r>
-              <a:rPr lang="en-US" sz="2400" dirty="0" smtClean="0">
-                <a:latin typeface="Consolas" pitchFamily="49" charset="0"/>
-                <a:cs typeface="Consolas" pitchFamily="49" charset="0"/>
-              </a:rPr>
-              <a:t>);</a:t>
-            </a:r>
-          </a:p>
-          <a:p>
-            <a:r>
-              <a:rPr lang="uk-UA" sz="2400" dirty="0" smtClean="0">
-                <a:latin typeface="Consolas" pitchFamily="49" charset="0"/>
-                <a:cs typeface="Consolas" pitchFamily="49" charset="0"/>
-              </a:rPr>
-              <a:t>            }</a:t>
-            </a:r>
-          </a:p>
-          <a:p>
-            <a:r>
-              <a:rPr lang="uk-UA" sz="2400" dirty="0" smtClean="0">
-                <a:latin typeface="Consolas" pitchFamily="49" charset="0"/>
-                <a:cs typeface="Consolas" pitchFamily="49" charset="0"/>
-              </a:rPr>
-              <a:t>        } </a:t>
-            </a:r>
-          </a:p>
-          <a:p>
-            <a:r>
-              <a:rPr lang="uk-UA" sz="2400" dirty="0" smtClean="0">
-                <a:latin typeface="Consolas" pitchFamily="49" charset="0"/>
-                <a:cs typeface="Consolas" pitchFamily="49" charset="0"/>
-              </a:rPr>
-              <a:t>    }</a:t>
-            </a:r>
-          </a:p>
-          <a:p>
-            <a:r>
-              <a:rPr lang="uk-UA" sz="2400" dirty="0" smtClean="0">
-                <a:latin typeface="Consolas" pitchFamily="49" charset="0"/>
-                <a:cs typeface="Consolas" pitchFamily="49" charset="0"/>
-              </a:rPr>
-              <a:t>}</a:t>
-            </a:r>
-            <a:endParaRPr lang="en-US" sz="2400" dirty="0" smtClean="0">
-              <a:latin typeface="Consolas" pitchFamily="49" charset="0"/>
-              <a:cs typeface="Consolas" pitchFamily="49" charset="0"/>
-            </a:endParaRPr>
-          </a:p>
-          <a:p>
+            <a:pPr>
+              <a:buClr>
+                <a:srgbClr val="171B65"/>
+              </a:buClr>
+              <a:buNone/>
+            </a:pPr>
+            <a:r>
+              <a:rPr lang="en-US" sz="2400" dirty="0" smtClean="0"/>
+              <a:t>Late binding is a runtime process of looking up a declaration, by name, that corresponds to a uniquely specified type. It does not involve type checking during compilation, when referencing libraries, including an object, is not required.</a:t>
+            </a:r>
+          </a:p>
+          <a:p>
+            <a:pPr>
+              <a:buClr>
+                <a:srgbClr val="171B65"/>
+              </a:buClr>
+            </a:pPr>
+            <a:endParaRPr lang="uk-UA" dirty="0"/>
+          </a:p>
+        </p:txBody>
+      </p:sp>
+      <p:sp>
+        <p:nvSpPr>
+          <p:cNvPr id="6" name="Подзаголовок 5"/>
+          <p:cNvSpPr>
+            <a:spLocks noGrp="1"/>
+          </p:cNvSpPr>
+          <p:nvPr>
+            <p:ph type="subTitle" idx="1"/>
+          </p:nvPr>
+        </p:nvSpPr>
+        <p:spPr/>
+        <p:txBody>
+          <a:bodyPr/>
+          <a:lstStyle/>
+          <a:p>
+            <a:r>
+              <a:rPr lang="en-US" sz="3200" dirty="0" smtClean="0"/>
+              <a:t>Late binding</a:t>
+            </a:r>
             <a:endParaRPr lang="uk-UA" dirty="0"/>
           </a:p>
         </p:txBody>
@@ -6036,7 +6554,7 @@
     </p:spTree>
     <p:extLst>
       <p:ext uri="{BB962C8B-B14F-4D97-AF65-F5344CB8AC3E}">
-        <p14:creationId xmlns="" xmlns:p14="http://schemas.microsoft.com/office/powerpoint/2010/main" val="1515974343"/>
+        <p14:creationId xmlns:p14="http://schemas.microsoft.com/office/powerpoint/2010/main" xmlns="" val="36659883"/>
       </p:ext>
     </p:extLst>
   </p:cSld>
@@ -6080,43 +6598,335 @@
             <p:ph type="body" sz="quarter" idx="10"/>
           </p:nvPr>
         </p:nvSpPr>
-        <p:spPr/>
+        <p:spPr>
+          <a:xfrm>
+            <a:off x="272143" y="723331"/>
+            <a:ext cx="8655957" cy="5008729"/>
+          </a:xfrm>
+        </p:spPr>
         <p:txBody>
-          <a:bodyPr/>
+          <a:bodyPr>
+            <a:normAutofit fontScale="70000" lnSpcReduction="20000"/>
+          </a:bodyPr>
           <a:lstStyle/>
+          <a:p>
+            <a:pPr>
+              <a:buNone/>
+            </a:pPr>
+            <a:r>
+              <a:rPr lang="en-US" sz="2400" dirty="0" smtClean="0">
+                <a:latin typeface="Consolas" pitchFamily="49" charset="0"/>
+                <a:cs typeface="Consolas" pitchFamily="49" charset="0"/>
+              </a:rPr>
+              <a:t>using System;</a:t>
+            </a:r>
+          </a:p>
+          <a:p>
+            <a:pPr>
+              <a:buNone/>
+            </a:pPr>
+            <a:endParaRPr lang="en-US" sz="2400" dirty="0" smtClean="0">
+              <a:latin typeface="Consolas" pitchFamily="49" charset="0"/>
+              <a:cs typeface="Consolas" pitchFamily="49" charset="0"/>
+            </a:endParaRPr>
+          </a:p>
+          <a:p>
+            <a:pPr>
+              <a:buNone/>
+            </a:pPr>
+            <a:r>
+              <a:rPr lang="en-US" sz="2400" dirty="0" smtClean="0">
+                <a:latin typeface="Consolas" pitchFamily="49" charset="0"/>
+                <a:cs typeface="Consolas" pitchFamily="49" charset="0"/>
+              </a:rPr>
+              <a:t>namespace </a:t>
+            </a:r>
+            <a:r>
+              <a:rPr lang="en-US" sz="2400" dirty="0" err="1" smtClean="0">
+                <a:latin typeface="Consolas" pitchFamily="49" charset="0"/>
+                <a:cs typeface="Consolas" pitchFamily="49" charset="0"/>
+              </a:rPr>
+              <a:t>SomeAssembly</a:t>
+            </a:r>
+            <a:endParaRPr lang="en-US" sz="2400" dirty="0" smtClean="0">
+              <a:latin typeface="Consolas" pitchFamily="49" charset="0"/>
+              <a:cs typeface="Consolas" pitchFamily="49" charset="0"/>
+            </a:endParaRPr>
+          </a:p>
+          <a:p>
+            <a:pPr>
+              <a:buNone/>
+            </a:pPr>
+            <a:r>
+              <a:rPr lang="uk-UA" sz="2400" dirty="0" smtClean="0">
+                <a:latin typeface="Consolas" pitchFamily="49" charset="0"/>
+                <a:cs typeface="Consolas" pitchFamily="49" charset="0"/>
+              </a:rPr>
+              <a:t>{</a:t>
+            </a:r>
+          </a:p>
+          <a:p>
+            <a:pPr>
+              <a:buNone/>
+            </a:pPr>
+            <a:r>
+              <a:rPr lang="en-US" sz="2400" dirty="0" smtClean="0">
+                <a:latin typeface="Consolas" pitchFamily="49" charset="0"/>
+                <a:cs typeface="Consolas" pitchFamily="49" charset="0"/>
+              </a:rPr>
+              <a:t>    public class </a:t>
+            </a:r>
+            <a:r>
+              <a:rPr lang="en-US" sz="2400" dirty="0" err="1" smtClean="0">
+                <a:latin typeface="Consolas" pitchFamily="49" charset="0"/>
+                <a:cs typeface="Consolas" pitchFamily="49" charset="0"/>
+              </a:rPr>
+              <a:t>SomeClass</a:t>
+            </a:r>
+            <a:endParaRPr lang="en-US" sz="2400" dirty="0" smtClean="0">
+              <a:latin typeface="Consolas" pitchFamily="49" charset="0"/>
+              <a:cs typeface="Consolas" pitchFamily="49" charset="0"/>
+            </a:endParaRPr>
+          </a:p>
+          <a:p>
+            <a:pPr>
+              <a:buNone/>
+            </a:pPr>
+            <a:r>
+              <a:rPr lang="uk-UA" sz="2400" dirty="0" smtClean="0">
+                <a:latin typeface="Consolas" pitchFamily="49" charset="0"/>
+                <a:cs typeface="Consolas" pitchFamily="49" charset="0"/>
+              </a:rPr>
+              <a:t>    {</a:t>
+            </a:r>
+          </a:p>
+          <a:p>
+            <a:pPr>
+              <a:buNone/>
+            </a:pPr>
+            <a:r>
+              <a:rPr lang="en-US" sz="2400" dirty="0" smtClean="0">
+                <a:latin typeface="Consolas" pitchFamily="49" charset="0"/>
+                <a:cs typeface="Consolas" pitchFamily="49" charset="0"/>
+              </a:rPr>
+              <a:t>        public </a:t>
+            </a:r>
+            <a:r>
+              <a:rPr lang="en-US" sz="2400" dirty="0" err="1" smtClean="0">
+                <a:latin typeface="Consolas" pitchFamily="49" charset="0"/>
+                <a:cs typeface="Consolas" pitchFamily="49" charset="0"/>
+              </a:rPr>
+              <a:t>SomeClass</a:t>
+            </a:r>
+            <a:r>
+              <a:rPr lang="en-US" sz="2400" dirty="0" smtClean="0">
+                <a:latin typeface="Consolas" pitchFamily="49" charset="0"/>
+                <a:cs typeface="Consolas" pitchFamily="49" charset="0"/>
+              </a:rPr>
+              <a:t>()</a:t>
+            </a:r>
+          </a:p>
+          <a:p>
+            <a:pPr>
+              <a:buNone/>
+            </a:pPr>
+            <a:r>
+              <a:rPr lang="uk-UA" sz="2400" dirty="0" smtClean="0">
+                <a:latin typeface="Consolas" pitchFamily="49" charset="0"/>
+                <a:cs typeface="Consolas" pitchFamily="49" charset="0"/>
+              </a:rPr>
+              <a:t>        {</a:t>
+            </a:r>
+          </a:p>
+          <a:p>
+            <a:pPr>
+              <a:buNone/>
+            </a:pPr>
+            <a:r>
+              <a:rPr lang="uk-UA" sz="2400" dirty="0" smtClean="0">
+                <a:latin typeface="Consolas" pitchFamily="49" charset="0"/>
+                <a:cs typeface="Consolas" pitchFamily="49" charset="0"/>
+              </a:rPr>
+              <a:t>        }</a:t>
+            </a:r>
+          </a:p>
+          <a:p>
+            <a:pPr>
+              <a:buNone/>
+            </a:pPr>
+            <a:endParaRPr lang="uk-UA" sz="2400" dirty="0" smtClean="0">
+              <a:latin typeface="Consolas" pitchFamily="49" charset="0"/>
+              <a:cs typeface="Consolas" pitchFamily="49" charset="0"/>
+            </a:endParaRPr>
+          </a:p>
+          <a:p>
+            <a:pPr>
+              <a:buNone/>
+            </a:pPr>
+            <a:r>
+              <a:rPr lang="en-US" sz="2400" dirty="0" smtClean="0">
+                <a:latin typeface="Consolas" pitchFamily="49" charset="0"/>
+                <a:cs typeface="Consolas" pitchFamily="49" charset="0"/>
+              </a:rPr>
+              <a:t>        public string </a:t>
+            </a:r>
+            <a:r>
+              <a:rPr lang="en-US" sz="2400" dirty="0" err="1" smtClean="0">
+                <a:latin typeface="Consolas" pitchFamily="49" charset="0"/>
+                <a:cs typeface="Consolas" pitchFamily="49" charset="0"/>
+              </a:rPr>
+              <a:t>SomeMethod</a:t>
+            </a:r>
+            <a:r>
+              <a:rPr lang="en-US" sz="2400" dirty="0" smtClean="0">
+                <a:latin typeface="Consolas" pitchFamily="49" charset="0"/>
+                <a:cs typeface="Consolas" pitchFamily="49" charset="0"/>
+              </a:rPr>
+              <a:t>(string </a:t>
+            </a:r>
+            <a:r>
+              <a:rPr lang="en-US" sz="2400" dirty="0" err="1" smtClean="0">
+                <a:latin typeface="Consolas" pitchFamily="49" charset="0"/>
+                <a:cs typeface="Consolas" pitchFamily="49" charset="0"/>
+              </a:rPr>
+              <a:t>firstName</a:t>
+            </a:r>
+            <a:r>
+              <a:rPr lang="en-US" sz="2400" dirty="0" smtClean="0">
+                <a:latin typeface="Consolas" pitchFamily="49" charset="0"/>
+                <a:cs typeface="Consolas" pitchFamily="49" charset="0"/>
+              </a:rPr>
+              <a:t>, string </a:t>
+            </a:r>
+            <a:r>
+              <a:rPr lang="en-US" sz="2400" dirty="0" err="1" smtClean="0">
+                <a:latin typeface="Consolas" pitchFamily="49" charset="0"/>
+                <a:cs typeface="Consolas" pitchFamily="49" charset="0"/>
+              </a:rPr>
+              <a:t>lastName</a:t>
+            </a:r>
+            <a:r>
+              <a:rPr lang="en-US" sz="2400" dirty="0" smtClean="0">
+                <a:latin typeface="Consolas" pitchFamily="49" charset="0"/>
+                <a:cs typeface="Consolas" pitchFamily="49" charset="0"/>
+              </a:rPr>
+              <a:t>)</a:t>
+            </a:r>
+          </a:p>
+          <a:p>
+            <a:pPr>
+              <a:buNone/>
+            </a:pPr>
+            <a:r>
+              <a:rPr lang="uk-UA" sz="2400" dirty="0" smtClean="0">
+                <a:latin typeface="Consolas" pitchFamily="49" charset="0"/>
+                <a:cs typeface="Consolas" pitchFamily="49" charset="0"/>
+              </a:rPr>
+              <a:t>        {</a:t>
+            </a:r>
+          </a:p>
+          <a:p>
+            <a:pPr>
+              <a:buNone/>
+            </a:pPr>
+            <a:r>
+              <a:rPr lang="en-US" sz="2400" dirty="0" smtClean="0">
+                <a:latin typeface="Consolas" pitchFamily="49" charset="0"/>
+                <a:cs typeface="Consolas" pitchFamily="49" charset="0"/>
+              </a:rPr>
+              <a:t>            return </a:t>
+            </a:r>
+            <a:r>
+              <a:rPr lang="en-US" sz="2400" dirty="0" err="1" smtClean="0">
+                <a:latin typeface="Consolas" pitchFamily="49" charset="0"/>
+                <a:cs typeface="Consolas" pitchFamily="49" charset="0"/>
+              </a:rPr>
+              <a:t>firstName</a:t>
+            </a:r>
+            <a:r>
+              <a:rPr lang="en-US" sz="2400" dirty="0" smtClean="0">
+                <a:latin typeface="Consolas" pitchFamily="49" charset="0"/>
+                <a:cs typeface="Consolas" pitchFamily="49" charset="0"/>
+              </a:rPr>
+              <a:t> + "-" + </a:t>
+            </a:r>
+            <a:r>
+              <a:rPr lang="en-US" sz="2400" dirty="0" err="1" smtClean="0">
+                <a:latin typeface="Consolas" pitchFamily="49" charset="0"/>
+                <a:cs typeface="Consolas" pitchFamily="49" charset="0"/>
+              </a:rPr>
+              <a:t>lastName</a:t>
+            </a:r>
+            <a:r>
+              <a:rPr lang="en-US" sz="2400" dirty="0" smtClean="0">
+                <a:latin typeface="Consolas" pitchFamily="49" charset="0"/>
+                <a:cs typeface="Consolas" pitchFamily="49" charset="0"/>
+              </a:rPr>
+              <a:t>;</a:t>
+            </a:r>
+          </a:p>
+          <a:p>
+            <a:pPr>
+              <a:buNone/>
+            </a:pPr>
+            <a:r>
+              <a:rPr lang="uk-UA" sz="2400" dirty="0" smtClean="0">
+                <a:latin typeface="Consolas" pitchFamily="49" charset="0"/>
+                <a:cs typeface="Consolas" pitchFamily="49" charset="0"/>
+              </a:rPr>
+              <a:t>        </a:t>
+            </a:r>
+            <a:r>
+              <a:rPr lang="uk-UA" sz="2400" dirty="0" smtClean="0">
+                <a:latin typeface="Consolas" pitchFamily="49" charset="0"/>
+                <a:cs typeface="Consolas" pitchFamily="49" charset="0"/>
+              </a:rPr>
+              <a:t>}</a:t>
+            </a:r>
+            <a:endParaRPr lang="uk-UA" sz="2400" dirty="0" smtClean="0">
+              <a:latin typeface="Consolas" pitchFamily="49" charset="0"/>
+              <a:cs typeface="Consolas" pitchFamily="49" charset="0"/>
+            </a:endParaRPr>
+          </a:p>
+          <a:p>
+            <a:pPr>
+              <a:buNone/>
+            </a:pPr>
+            <a:r>
+              <a:rPr lang="uk-UA" sz="2400" dirty="0" smtClean="0">
+                <a:latin typeface="Consolas" pitchFamily="49" charset="0"/>
+                <a:cs typeface="Consolas" pitchFamily="49" charset="0"/>
+              </a:rPr>
+              <a:t>    }</a:t>
+            </a:r>
+          </a:p>
+          <a:p>
+            <a:pPr>
+              <a:buNone/>
+            </a:pPr>
+            <a:r>
+              <a:rPr lang="uk-UA" sz="2400" dirty="0" smtClean="0">
+                <a:latin typeface="Consolas" pitchFamily="49" charset="0"/>
+                <a:cs typeface="Consolas" pitchFamily="49" charset="0"/>
+              </a:rPr>
+              <a:t>}</a:t>
+            </a:r>
+          </a:p>
           <a:p>
             <a:pPr>
               <a:buClr>
                 <a:srgbClr val="171B65"/>
               </a:buClr>
+              <a:buNone/>
             </a:pPr>
             <a:endParaRPr lang="uk-UA" dirty="0"/>
-          </a:p>
-        </p:txBody>
-      </p:sp>
-      <p:sp>
-        <p:nvSpPr>
-          <p:cNvPr id="6" name="Подзаголовок 5"/>
-          <p:cNvSpPr>
-            <a:spLocks noGrp="1"/>
-          </p:cNvSpPr>
-          <p:nvPr>
-            <p:ph type="subTitle" idx="1"/>
-          </p:nvPr>
-        </p:nvSpPr>
-        <p:spPr/>
-        <p:txBody>
-          <a:bodyPr/>
-          <a:lstStyle/>
-          <a:p>
-            <a:endParaRPr lang="uk-UA"/>
           </a:p>
         </p:txBody>
       </p:sp>
     </p:spTree>
     <p:extLst>
       <p:ext uri="{BB962C8B-B14F-4D97-AF65-F5344CB8AC3E}">
-        <p14:creationId xmlns="" xmlns:p14="http://schemas.microsoft.com/office/powerpoint/2010/main" val="36659883"/>
+        <p14:creationId xmlns:p14="http://schemas.microsoft.com/office/powerpoint/2010/main" xmlns="" val="36659883"/>
       </p:ext>
     </p:extLst>
   </p:cSld>
@@ -6152,27 +6962,946 @@
       </p:grpSpPr>
       <p:sp>
         <p:nvSpPr>
-          <p:cNvPr id="2" name="Заголовок 1"/>
-          <p:cNvSpPr>
-            <a:spLocks noGrp="1"/>
+          <p:cNvPr id="4" name="Текст 6"/>
+          <p:cNvSpPr txBox="1">
+            <a:spLocks/>
           </p:cNvSpPr>
-          <p:nvPr>
-            <p:ph type="title"/>
-          </p:nvPr>
+          <p:nvPr/>
         </p:nvSpPr>
-        <p:spPr/>
+        <p:spPr>
+          <a:xfrm>
+            <a:off x="285792" y="941697"/>
+            <a:ext cx="8612548" cy="5431807"/>
+          </a:xfrm>
+          <a:prstGeom prst="rect">
+            <a:avLst/>
+          </a:prstGeom>
+        </p:spPr>
         <p:txBody>
-          <a:bodyPr/>
+          <a:bodyPr vert="horz" lIns="91440" tIns="45720" rIns="91440" bIns="45720" rtlCol="0">
+            <a:normAutofit lnSpcReduction="10000"/>
+          </a:bodyPr>
           <a:lstStyle/>
           <a:p>
-            <a:endParaRPr lang="uk-UA"/>
+            <a:r>
+              <a:rPr lang="en-US" sz="1700" dirty="0" smtClean="0">
+                <a:latin typeface="Consolas" pitchFamily="49" charset="0"/>
+                <a:cs typeface="Consolas" pitchFamily="49" charset="0"/>
+              </a:rPr>
+              <a:t>using System;</a:t>
+            </a:r>
+          </a:p>
+          <a:p>
+            <a:r>
+              <a:rPr lang="en-US" sz="1700" dirty="0" smtClean="0">
+                <a:latin typeface="Consolas" pitchFamily="49" charset="0"/>
+                <a:cs typeface="Consolas" pitchFamily="49" charset="0"/>
+              </a:rPr>
+              <a:t>using </a:t>
+            </a:r>
+            <a:r>
+              <a:rPr lang="en-US" sz="1700" dirty="0" err="1" smtClean="0">
+                <a:latin typeface="Consolas" pitchFamily="49" charset="0"/>
+                <a:cs typeface="Consolas" pitchFamily="49" charset="0"/>
+              </a:rPr>
+              <a:t>System.Reflection</a:t>
+            </a:r>
+            <a:r>
+              <a:rPr lang="en-US" sz="1700" dirty="0" smtClean="0">
+                <a:latin typeface="Consolas" pitchFamily="49" charset="0"/>
+                <a:cs typeface="Consolas" pitchFamily="49" charset="0"/>
+              </a:rPr>
+              <a:t>;</a:t>
+            </a:r>
+          </a:p>
+          <a:p>
+            <a:endParaRPr lang="uk-UA" sz="1700" dirty="0" smtClean="0">
+              <a:latin typeface="Consolas" pitchFamily="49" charset="0"/>
+              <a:cs typeface="Consolas" pitchFamily="49" charset="0"/>
+            </a:endParaRPr>
+          </a:p>
+          <a:p>
+            <a:r>
+              <a:rPr lang="en-US" sz="1700" dirty="0" smtClean="0">
+                <a:latin typeface="Consolas" pitchFamily="49" charset="0"/>
+                <a:cs typeface="Consolas" pitchFamily="49" charset="0"/>
+              </a:rPr>
+              <a:t>namespace </a:t>
+            </a:r>
+            <a:r>
+              <a:rPr lang="en-US" sz="1700" dirty="0" err="1" smtClean="0">
+                <a:latin typeface="Consolas" pitchFamily="49" charset="0"/>
+                <a:cs typeface="Consolas" pitchFamily="49" charset="0"/>
+              </a:rPr>
+              <a:t>MyApp</a:t>
+            </a:r>
+            <a:endParaRPr lang="en-US" sz="1700" dirty="0" smtClean="0">
+              <a:latin typeface="Consolas" pitchFamily="49" charset="0"/>
+              <a:cs typeface="Consolas" pitchFamily="49" charset="0"/>
+            </a:endParaRPr>
+          </a:p>
+          <a:p>
+            <a:r>
+              <a:rPr lang="uk-UA" sz="1700" dirty="0" smtClean="0">
+                <a:latin typeface="Consolas" pitchFamily="49" charset="0"/>
+                <a:cs typeface="Consolas" pitchFamily="49" charset="0"/>
+              </a:rPr>
+              <a:t>{</a:t>
+            </a:r>
+          </a:p>
+          <a:p>
+            <a:r>
+              <a:rPr lang="en-US" sz="1700" dirty="0" smtClean="0">
+                <a:latin typeface="Consolas" pitchFamily="49" charset="0"/>
+                <a:cs typeface="Consolas" pitchFamily="49" charset="0"/>
+              </a:rPr>
+              <a:t>  </a:t>
+            </a:r>
+            <a:r>
+              <a:rPr lang="en-US" sz="1700" dirty="0" smtClean="0">
+                <a:latin typeface="Consolas" pitchFamily="49" charset="0"/>
+                <a:cs typeface="Consolas" pitchFamily="49" charset="0"/>
+              </a:rPr>
+              <a:t> class </a:t>
+            </a:r>
+            <a:r>
+              <a:rPr lang="en-US" sz="1700" dirty="0" smtClean="0">
+                <a:latin typeface="Consolas" pitchFamily="49" charset="0"/>
+                <a:cs typeface="Consolas" pitchFamily="49" charset="0"/>
+              </a:rPr>
+              <a:t>Program</a:t>
+            </a:r>
+          </a:p>
+          <a:p>
+            <a:r>
+              <a:rPr lang="uk-UA" sz="1700" dirty="0" smtClean="0">
+                <a:latin typeface="Consolas" pitchFamily="49" charset="0"/>
+                <a:cs typeface="Consolas" pitchFamily="49" charset="0"/>
+              </a:rPr>
+              <a:t>   </a:t>
+            </a:r>
+            <a:r>
+              <a:rPr lang="uk-UA" sz="1700" dirty="0" smtClean="0">
+                <a:latin typeface="Consolas" pitchFamily="49" charset="0"/>
+                <a:cs typeface="Consolas" pitchFamily="49" charset="0"/>
+              </a:rPr>
+              <a:t>{</a:t>
+            </a:r>
+            <a:endParaRPr lang="uk-UA" sz="1700" dirty="0" smtClean="0">
+              <a:latin typeface="Consolas" pitchFamily="49" charset="0"/>
+              <a:cs typeface="Consolas" pitchFamily="49" charset="0"/>
+            </a:endParaRPr>
+          </a:p>
+          <a:p>
+            <a:r>
+              <a:rPr lang="en-US" sz="1700" dirty="0" smtClean="0">
+                <a:latin typeface="Consolas" pitchFamily="49" charset="0"/>
+                <a:cs typeface="Consolas" pitchFamily="49" charset="0"/>
+              </a:rPr>
+              <a:t>      </a:t>
+            </a:r>
+            <a:r>
+              <a:rPr lang="en-US" sz="1700" dirty="0" smtClean="0">
+                <a:latin typeface="Consolas" pitchFamily="49" charset="0"/>
+                <a:cs typeface="Consolas" pitchFamily="49" charset="0"/>
+              </a:rPr>
+              <a:t>static </a:t>
+            </a:r>
+            <a:r>
+              <a:rPr lang="en-US" sz="1700" dirty="0" smtClean="0">
+                <a:latin typeface="Consolas" pitchFamily="49" charset="0"/>
+                <a:cs typeface="Consolas" pitchFamily="49" charset="0"/>
+              </a:rPr>
+              <a:t>void Main()</a:t>
+            </a:r>
+          </a:p>
+          <a:p>
+            <a:r>
+              <a:rPr lang="uk-UA" sz="1700" dirty="0" smtClean="0">
+                <a:latin typeface="Consolas" pitchFamily="49" charset="0"/>
+                <a:cs typeface="Consolas" pitchFamily="49" charset="0"/>
+              </a:rPr>
+              <a:t>      </a:t>
+            </a:r>
+            <a:r>
+              <a:rPr lang="uk-UA" sz="1700" dirty="0" smtClean="0">
+                <a:latin typeface="Consolas" pitchFamily="49" charset="0"/>
+                <a:cs typeface="Consolas" pitchFamily="49" charset="0"/>
+              </a:rPr>
+              <a:t>{</a:t>
+            </a:r>
+            <a:endParaRPr lang="uk-UA" sz="1700" dirty="0" smtClean="0">
+              <a:latin typeface="Consolas" pitchFamily="49" charset="0"/>
+              <a:cs typeface="Consolas" pitchFamily="49" charset="0"/>
+            </a:endParaRPr>
+          </a:p>
+          <a:p>
+            <a:r>
+              <a:rPr lang="en-US" sz="1700" dirty="0" smtClean="0">
+                <a:latin typeface="Consolas" pitchFamily="49" charset="0"/>
+                <a:cs typeface="Consolas" pitchFamily="49" charset="0"/>
+              </a:rPr>
+              <a:t>         </a:t>
+            </a:r>
+            <a:r>
+              <a:rPr lang="en-US" sz="1700" dirty="0" smtClean="0">
+                <a:latin typeface="Consolas" pitchFamily="49" charset="0"/>
+                <a:cs typeface="Consolas" pitchFamily="49" charset="0"/>
+              </a:rPr>
+              <a:t>try</a:t>
+            </a:r>
+            <a:endParaRPr lang="en-US" sz="1700" dirty="0" smtClean="0">
+              <a:latin typeface="Consolas" pitchFamily="49" charset="0"/>
+              <a:cs typeface="Consolas" pitchFamily="49" charset="0"/>
+            </a:endParaRPr>
+          </a:p>
+          <a:p>
+            <a:r>
+              <a:rPr lang="uk-UA" sz="1700" dirty="0" smtClean="0">
+                <a:latin typeface="Consolas" pitchFamily="49" charset="0"/>
+                <a:cs typeface="Consolas" pitchFamily="49" charset="0"/>
+              </a:rPr>
+              <a:t>         </a:t>
+            </a:r>
+            <a:r>
+              <a:rPr lang="uk-UA" sz="1700" dirty="0" smtClean="0">
+                <a:latin typeface="Consolas" pitchFamily="49" charset="0"/>
+                <a:cs typeface="Consolas" pitchFamily="49" charset="0"/>
+              </a:rPr>
+              <a:t>{</a:t>
+            </a:r>
+            <a:endParaRPr lang="uk-UA" sz="1700" dirty="0" smtClean="0">
+              <a:latin typeface="Consolas" pitchFamily="49" charset="0"/>
+              <a:cs typeface="Consolas" pitchFamily="49" charset="0"/>
+            </a:endParaRPr>
+          </a:p>
+          <a:p>
+            <a:r>
+              <a:rPr lang="en-US" sz="1700" dirty="0" smtClean="0">
+                <a:latin typeface="Consolas" pitchFamily="49" charset="0"/>
+                <a:cs typeface="Consolas" pitchFamily="49" charset="0"/>
+              </a:rPr>
+              <a:t>            </a:t>
+            </a:r>
+            <a:r>
+              <a:rPr lang="en-US" sz="1700" dirty="0" smtClean="0">
+                <a:latin typeface="Consolas" pitchFamily="49" charset="0"/>
+                <a:cs typeface="Consolas" pitchFamily="49" charset="0"/>
+              </a:rPr>
+              <a:t>Assembly </a:t>
+            </a:r>
+            <a:r>
+              <a:rPr lang="en-US" sz="1700" dirty="0" err="1" smtClean="0">
+                <a:latin typeface="Consolas" pitchFamily="49" charset="0"/>
+                <a:cs typeface="Consolas" pitchFamily="49" charset="0"/>
+              </a:rPr>
+              <a:t>assembly</a:t>
+            </a:r>
+            <a:r>
+              <a:rPr lang="en-US" sz="1700" dirty="0" smtClean="0">
+                <a:latin typeface="Consolas" pitchFamily="49" charset="0"/>
+                <a:cs typeface="Consolas" pitchFamily="49" charset="0"/>
+              </a:rPr>
+              <a:t> = </a:t>
+            </a:r>
+            <a:r>
+              <a:rPr lang="en-US" sz="1700" dirty="0" err="1" smtClean="0">
+                <a:latin typeface="Consolas" pitchFamily="49" charset="0"/>
+                <a:cs typeface="Consolas" pitchFamily="49" charset="0"/>
+              </a:rPr>
+              <a:t>Assembly.Load</a:t>
+            </a:r>
+            <a:r>
+              <a:rPr lang="en-US" sz="1700" dirty="0" smtClean="0">
+                <a:latin typeface="Consolas" pitchFamily="49" charset="0"/>
+                <a:cs typeface="Consolas" pitchFamily="49" charset="0"/>
+              </a:rPr>
+              <a:t>("</a:t>
+            </a:r>
+            <a:r>
+              <a:rPr lang="en-US" sz="1700" dirty="0" err="1" smtClean="0">
+                <a:latin typeface="Consolas" pitchFamily="49" charset="0"/>
+                <a:cs typeface="Consolas" pitchFamily="49" charset="0"/>
+              </a:rPr>
+              <a:t>SomeAssembly</a:t>
+            </a:r>
+            <a:r>
+              <a:rPr lang="en-US" sz="1700" dirty="0" smtClean="0">
+                <a:latin typeface="Consolas" pitchFamily="49" charset="0"/>
+                <a:cs typeface="Consolas" pitchFamily="49" charset="0"/>
+              </a:rPr>
+              <a:t>");</a:t>
+            </a:r>
+          </a:p>
+          <a:p>
+            <a:endParaRPr lang="uk-UA" sz="1700" dirty="0" smtClean="0">
+              <a:latin typeface="Consolas" pitchFamily="49" charset="0"/>
+              <a:cs typeface="Consolas" pitchFamily="49" charset="0"/>
+            </a:endParaRPr>
+          </a:p>
+          <a:p>
+            <a:r>
+              <a:rPr lang="en-US" sz="1700" dirty="0" smtClean="0">
+                <a:latin typeface="Consolas" pitchFamily="49" charset="0"/>
+                <a:cs typeface="Consolas" pitchFamily="49" charset="0"/>
+              </a:rPr>
+              <a:t>            </a:t>
+            </a:r>
+            <a:r>
+              <a:rPr lang="en-US" sz="1700" dirty="0" smtClean="0">
+                <a:latin typeface="Consolas" pitchFamily="49" charset="0"/>
+                <a:cs typeface="Consolas" pitchFamily="49" charset="0"/>
+              </a:rPr>
+              <a:t>Type </a:t>
+            </a:r>
+            <a:r>
+              <a:rPr lang="en-US" sz="1700" dirty="0" err="1" smtClean="0">
+                <a:latin typeface="Consolas" pitchFamily="49" charset="0"/>
+                <a:cs typeface="Consolas" pitchFamily="49" charset="0"/>
+              </a:rPr>
+              <a:t>type</a:t>
+            </a:r>
+            <a:r>
+              <a:rPr lang="en-US" sz="1700" dirty="0" smtClean="0">
+                <a:latin typeface="Consolas" pitchFamily="49" charset="0"/>
+                <a:cs typeface="Consolas" pitchFamily="49" charset="0"/>
+              </a:rPr>
+              <a:t> = </a:t>
+            </a:r>
+            <a:r>
+              <a:rPr lang="en-US" sz="1700" dirty="0" err="1" smtClean="0">
+                <a:latin typeface="Consolas" pitchFamily="49" charset="0"/>
+                <a:cs typeface="Consolas" pitchFamily="49" charset="0"/>
+              </a:rPr>
+              <a:t>assembly.GetType</a:t>
+            </a:r>
+            <a:r>
+              <a:rPr lang="en-US" sz="1700" dirty="0" smtClean="0">
+                <a:latin typeface="Consolas" pitchFamily="49" charset="0"/>
+                <a:cs typeface="Consolas" pitchFamily="49" charset="0"/>
+              </a:rPr>
+              <a:t>("</a:t>
+            </a:r>
+            <a:r>
+              <a:rPr lang="en-US" sz="1700" dirty="0" err="1" smtClean="0">
+                <a:latin typeface="Consolas" pitchFamily="49" charset="0"/>
+                <a:cs typeface="Consolas" pitchFamily="49" charset="0"/>
+              </a:rPr>
+              <a:t>SomeAssembly.SomeClass</a:t>
+            </a:r>
+            <a:r>
+              <a:rPr lang="en-US" sz="1700" dirty="0" smtClean="0">
+                <a:latin typeface="Consolas" pitchFamily="49" charset="0"/>
+                <a:cs typeface="Consolas" pitchFamily="49" charset="0"/>
+              </a:rPr>
+              <a:t>");</a:t>
+            </a:r>
+          </a:p>
+          <a:p>
+            <a:endParaRPr lang="uk-UA" sz="1700" dirty="0" smtClean="0">
+              <a:latin typeface="Consolas" pitchFamily="49" charset="0"/>
+              <a:cs typeface="Consolas" pitchFamily="49" charset="0"/>
+            </a:endParaRPr>
+          </a:p>
+          <a:p>
+            <a:r>
+              <a:rPr lang="en-US" sz="1700" dirty="0" smtClean="0">
+                <a:latin typeface="Consolas" pitchFamily="49" charset="0"/>
+                <a:cs typeface="Consolas" pitchFamily="49" charset="0"/>
+              </a:rPr>
+              <a:t>            </a:t>
+            </a:r>
+            <a:r>
+              <a:rPr lang="en-US" sz="1700" dirty="0" err="1" smtClean="0">
+                <a:latin typeface="Consolas" pitchFamily="49" charset="0"/>
+                <a:cs typeface="Consolas" pitchFamily="49" charset="0"/>
+              </a:rPr>
+              <a:t>ConstructorInfo</a:t>
+            </a:r>
+            <a:r>
+              <a:rPr lang="en-US" sz="1700" dirty="0" smtClean="0">
+                <a:latin typeface="Consolas" pitchFamily="49" charset="0"/>
+                <a:cs typeface="Consolas" pitchFamily="49" charset="0"/>
+              </a:rPr>
+              <a:t> </a:t>
+            </a:r>
+            <a:r>
+              <a:rPr lang="en-US" sz="1700" dirty="0" err="1" smtClean="0">
+                <a:latin typeface="Consolas" pitchFamily="49" charset="0"/>
+                <a:cs typeface="Consolas" pitchFamily="49" charset="0"/>
+              </a:rPr>
+              <a:t>ctor</a:t>
+            </a:r>
+            <a:r>
+              <a:rPr lang="en-US" sz="1700" dirty="0" smtClean="0">
+                <a:latin typeface="Consolas" pitchFamily="49" charset="0"/>
+                <a:cs typeface="Consolas" pitchFamily="49" charset="0"/>
+              </a:rPr>
+              <a:t> = </a:t>
+            </a:r>
+            <a:r>
+              <a:rPr lang="en-US" sz="1700" dirty="0" err="1" smtClean="0">
+                <a:latin typeface="Consolas" pitchFamily="49" charset="0"/>
+                <a:cs typeface="Consolas" pitchFamily="49" charset="0"/>
+              </a:rPr>
+              <a:t>type.GetConstructor</a:t>
+            </a:r>
+            <a:r>
+              <a:rPr lang="en-US" sz="1700" dirty="0" smtClean="0">
+                <a:latin typeface="Consolas" pitchFamily="49" charset="0"/>
+                <a:cs typeface="Consolas" pitchFamily="49" charset="0"/>
+              </a:rPr>
+              <a:t>(new Type[] </a:t>
+            </a:r>
+            <a:r>
+              <a:rPr lang="en-US" sz="1700" dirty="0" smtClean="0">
+                <a:latin typeface="Consolas" pitchFamily="49" charset="0"/>
+                <a:cs typeface="Consolas" pitchFamily="49" charset="0"/>
+              </a:rPr>
+              <a:t>{});</a:t>
+            </a:r>
+            <a:endParaRPr lang="en-US" sz="1700" dirty="0" smtClean="0">
+              <a:latin typeface="Consolas" pitchFamily="49" charset="0"/>
+              <a:cs typeface="Consolas" pitchFamily="49" charset="0"/>
+            </a:endParaRPr>
+          </a:p>
+          <a:p>
+            <a:endParaRPr lang="uk-UA" sz="1700" dirty="0" smtClean="0">
+              <a:latin typeface="Consolas" pitchFamily="49" charset="0"/>
+              <a:cs typeface="Consolas" pitchFamily="49" charset="0"/>
+            </a:endParaRPr>
+          </a:p>
+          <a:p>
+            <a:r>
+              <a:rPr lang="en-US" sz="1700" dirty="0" smtClean="0">
+                <a:latin typeface="Consolas" pitchFamily="49" charset="0"/>
+                <a:cs typeface="Consolas" pitchFamily="49" charset="0"/>
+              </a:rPr>
+              <a:t>            </a:t>
+            </a:r>
+            <a:r>
+              <a:rPr lang="en-US" sz="1700" dirty="0" smtClean="0">
+                <a:latin typeface="Consolas" pitchFamily="49" charset="0"/>
+                <a:cs typeface="Consolas" pitchFamily="49" charset="0"/>
+              </a:rPr>
+              <a:t>//</a:t>
+            </a:r>
+            <a:r>
+              <a:rPr lang="en-US" sz="1700" dirty="0" smtClean="0">
+                <a:latin typeface="Consolas" pitchFamily="49" charset="0"/>
+                <a:cs typeface="Consolas" pitchFamily="49" charset="0"/>
+              </a:rPr>
+              <a:t>Create object</a:t>
+            </a:r>
+          </a:p>
+          <a:p>
+            <a:r>
+              <a:rPr lang="en-US" sz="1700" dirty="0" smtClean="0">
+                <a:latin typeface="Consolas" pitchFamily="49" charset="0"/>
+                <a:cs typeface="Consolas" pitchFamily="49" charset="0"/>
+              </a:rPr>
+              <a:t>            </a:t>
+            </a:r>
+            <a:r>
+              <a:rPr lang="en-US" sz="1700" dirty="0" smtClean="0">
+                <a:latin typeface="Consolas" pitchFamily="49" charset="0"/>
+                <a:cs typeface="Consolas" pitchFamily="49" charset="0"/>
+              </a:rPr>
+              <a:t>object </a:t>
+            </a:r>
+            <a:r>
+              <a:rPr lang="en-US" sz="1700" dirty="0" err="1" smtClean="0">
+                <a:latin typeface="Consolas" pitchFamily="49" charset="0"/>
+                <a:cs typeface="Consolas" pitchFamily="49" charset="0"/>
+              </a:rPr>
+              <a:t>obj</a:t>
+            </a:r>
+            <a:r>
+              <a:rPr lang="en-US" sz="1700" dirty="0" smtClean="0">
+                <a:latin typeface="Consolas" pitchFamily="49" charset="0"/>
+                <a:cs typeface="Consolas" pitchFamily="49" charset="0"/>
+              </a:rPr>
+              <a:t> = </a:t>
+            </a:r>
+            <a:r>
+              <a:rPr lang="en-US" sz="1700" dirty="0" err="1" smtClean="0">
+                <a:latin typeface="Consolas" pitchFamily="49" charset="0"/>
+                <a:cs typeface="Consolas" pitchFamily="49" charset="0"/>
+              </a:rPr>
+              <a:t>ctor.Invoke</a:t>
+            </a:r>
+            <a:r>
+              <a:rPr lang="en-US" sz="1700" dirty="0" smtClean="0">
+                <a:latin typeface="Consolas" pitchFamily="49" charset="0"/>
+                <a:cs typeface="Consolas" pitchFamily="49" charset="0"/>
+              </a:rPr>
+              <a:t>(null);</a:t>
+            </a:r>
+          </a:p>
+          <a:p>
+            <a:endParaRPr lang="uk-UA" sz="1700" dirty="0" smtClean="0">
+              <a:latin typeface="Consolas" pitchFamily="49" charset="0"/>
+              <a:cs typeface="Consolas" pitchFamily="49" charset="0"/>
+            </a:endParaRPr>
+          </a:p>
+          <a:p>
+            <a:r>
+              <a:rPr lang="en-US" sz="1700" dirty="0" smtClean="0">
+                <a:latin typeface="Consolas" pitchFamily="49" charset="0"/>
+                <a:cs typeface="Consolas" pitchFamily="49" charset="0"/>
+              </a:rPr>
+              <a:t>            </a:t>
+            </a:r>
+            <a:r>
+              <a:rPr lang="en-US" sz="1700" dirty="0" smtClean="0">
+                <a:latin typeface="Consolas" pitchFamily="49" charset="0"/>
+                <a:cs typeface="Consolas" pitchFamily="49" charset="0"/>
+              </a:rPr>
+              <a:t>//</a:t>
+            </a:r>
+            <a:r>
+              <a:rPr lang="en-US" sz="1700" dirty="0" smtClean="0">
+                <a:latin typeface="Consolas" pitchFamily="49" charset="0"/>
+                <a:cs typeface="Consolas" pitchFamily="49" charset="0"/>
+              </a:rPr>
+              <a:t>or object </a:t>
+            </a:r>
+            <a:r>
+              <a:rPr lang="en-US" sz="1700" dirty="0" err="1" smtClean="0">
+                <a:latin typeface="Consolas" pitchFamily="49" charset="0"/>
+                <a:cs typeface="Consolas" pitchFamily="49" charset="0"/>
+              </a:rPr>
+              <a:t>obj</a:t>
+            </a:r>
+            <a:r>
+              <a:rPr lang="en-US" sz="1700" dirty="0" smtClean="0">
+                <a:latin typeface="Consolas" pitchFamily="49" charset="0"/>
+                <a:cs typeface="Consolas" pitchFamily="49" charset="0"/>
+              </a:rPr>
+              <a:t> </a:t>
+            </a:r>
+            <a:r>
+              <a:rPr lang="en-US" sz="1700" dirty="0" smtClean="0">
+                <a:latin typeface="Consolas" pitchFamily="49" charset="0"/>
+                <a:cs typeface="Consolas" pitchFamily="49" charset="0"/>
+              </a:rPr>
+              <a:t>= </a:t>
+            </a:r>
+            <a:r>
+              <a:rPr lang="en-US" sz="1700" dirty="0" err="1" smtClean="0">
+                <a:latin typeface="Consolas" pitchFamily="49" charset="0"/>
+                <a:cs typeface="Consolas" pitchFamily="49" charset="0"/>
+              </a:rPr>
+              <a:t>Activator.CreateInstance</a:t>
+            </a:r>
+            <a:r>
+              <a:rPr lang="en-US" sz="1700" dirty="0" smtClean="0">
+                <a:latin typeface="Consolas" pitchFamily="49" charset="0"/>
+                <a:cs typeface="Consolas" pitchFamily="49" charset="0"/>
+              </a:rPr>
+              <a:t> (type);</a:t>
+            </a:r>
+          </a:p>
+          <a:p>
+            <a:endParaRPr lang="uk-UA" sz="2000" dirty="0" smtClean="0"/>
+          </a:p>
+          <a:p>
+            <a:endParaRPr lang="uk-UA" sz="2000" dirty="0" smtClean="0"/>
           </a:p>
         </p:txBody>
       </p:sp>
     </p:spTree>
     <p:extLst>
       <p:ext uri="{BB962C8B-B14F-4D97-AF65-F5344CB8AC3E}">
-        <p14:creationId xmlns="" xmlns:p14="http://schemas.microsoft.com/office/powerpoint/2010/main" val="837831753"/>
+        <p14:creationId xmlns:p14="http://schemas.microsoft.com/office/powerpoint/2010/main" xmlns="" val="3137827218"/>
+      </p:ext>
+    </p:extLst>
+  </p:cSld>
+  <p:clrMapOvr>
+    <a:masterClrMapping/>
+  </p:clrMapOvr>
+  <p:timing>
+    <p:tnLst>
+      <p:par>
+        <p:cTn id="1" dur="indefinite" restart="never" nodeType="tmRoot"/>
+      </p:par>
+    </p:tnLst>
+  </p:timing>
+</p:sld>
+</file>
+
+<file path=ppt/slides/slide15.xml><?xml version="1.0" encoding="utf-8"?>
+<p:sld xmlns:a="http://schemas.openxmlformats.org/drawingml/2006/main" xmlns:r="http://schemas.openxmlformats.org/officeDocument/2006/relationships" xmlns:p="http://schemas.openxmlformats.org/presentationml/2006/main">
+  <p:cSld>
+    <p:spTree>
+      <p:nvGrpSpPr>
+        <p:cNvPr id="1" name=""/>
+        <p:cNvGrpSpPr/>
+        <p:nvPr/>
+      </p:nvGrpSpPr>
+      <p:grpSpPr>
+        <a:xfrm>
+          <a:off x="0" y="0"/>
+          <a:ext cx="0" cy="0"/>
+          <a:chOff x="0" y="0"/>
+          <a:chExt cx="0" cy="0"/>
+        </a:xfrm>
+      </p:grpSpPr>
+      <p:sp>
+        <p:nvSpPr>
+          <p:cNvPr id="17" name="Текст 16"/>
+          <p:cNvSpPr>
+            <a:spLocks noGrp="1"/>
+          </p:cNvSpPr>
+          <p:nvPr>
+            <p:ph type="body" sz="half" idx="2"/>
+          </p:nvPr>
+        </p:nvSpPr>
+        <p:spPr>
+          <a:xfrm>
+            <a:off x="272143" y="504967"/>
+            <a:ext cx="8134878" cy="5264008"/>
+          </a:xfrm>
+        </p:spPr>
+        <p:txBody>
+          <a:bodyPr>
+            <a:normAutofit fontScale="70000" lnSpcReduction="20000"/>
+          </a:bodyPr>
+          <a:lstStyle/>
+          <a:p>
+            <a:r>
+              <a:rPr lang="en-US" sz="2400" dirty="0" smtClean="0">
+                <a:latin typeface="Consolas" pitchFamily="49" charset="0"/>
+                <a:cs typeface="Consolas" pitchFamily="49" charset="0"/>
+              </a:rPr>
+              <a:t> 	</a:t>
+            </a:r>
+            <a:r>
+              <a:rPr lang="en-US" sz="2400" dirty="0" err="1" smtClean="0">
+                <a:latin typeface="Consolas" pitchFamily="49" charset="0"/>
+                <a:cs typeface="Consolas" pitchFamily="49" charset="0"/>
+              </a:rPr>
+              <a:t>MethodInfo</a:t>
+            </a:r>
+            <a:r>
+              <a:rPr lang="en-US" sz="2400" dirty="0" smtClean="0">
+                <a:latin typeface="Consolas" pitchFamily="49" charset="0"/>
+                <a:cs typeface="Consolas" pitchFamily="49" charset="0"/>
+              </a:rPr>
+              <a:t> method = </a:t>
+            </a:r>
+            <a:r>
+              <a:rPr lang="en-US" sz="2400" dirty="0" err="1" smtClean="0">
+                <a:latin typeface="Consolas" pitchFamily="49" charset="0"/>
+                <a:cs typeface="Consolas" pitchFamily="49" charset="0"/>
+              </a:rPr>
+              <a:t>type.GetMethod</a:t>
+            </a:r>
+            <a:r>
+              <a:rPr lang="en-US" sz="2400" dirty="0" smtClean="0">
+                <a:latin typeface="Consolas" pitchFamily="49" charset="0"/>
+                <a:cs typeface="Consolas" pitchFamily="49" charset="0"/>
+              </a:rPr>
+              <a:t>("</a:t>
+            </a:r>
+            <a:r>
+              <a:rPr lang="en-US" sz="2400" dirty="0" err="1" smtClean="0">
+                <a:latin typeface="Consolas" pitchFamily="49" charset="0"/>
+                <a:cs typeface="Consolas" pitchFamily="49" charset="0"/>
+              </a:rPr>
+              <a:t>SomeMethod</a:t>
+            </a:r>
+            <a:r>
+              <a:rPr lang="en-US" sz="2400" dirty="0" smtClean="0">
+                <a:latin typeface="Consolas" pitchFamily="49" charset="0"/>
+                <a:cs typeface="Consolas" pitchFamily="49" charset="0"/>
+              </a:rPr>
+              <a:t>");</a:t>
+            </a:r>
+          </a:p>
+          <a:p>
+            <a:endParaRPr lang="en-US" sz="2400" dirty="0" smtClean="0">
+              <a:latin typeface="Consolas" pitchFamily="49" charset="0"/>
+              <a:cs typeface="Consolas" pitchFamily="49" charset="0"/>
+            </a:endParaRPr>
+          </a:p>
+          <a:p>
+            <a:r>
+              <a:rPr lang="en-US" sz="2400" dirty="0" smtClean="0">
+                <a:latin typeface="Consolas" pitchFamily="49" charset="0"/>
+                <a:cs typeface="Consolas" pitchFamily="49" charset="0"/>
+              </a:rPr>
+              <a:t>                string[] parameters = new string[2];</a:t>
+            </a:r>
+          </a:p>
+          <a:p>
+            <a:r>
+              <a:rPr lang="en-US" sz="2400" dirty="0" smtClean="0">
+                <a:latin typeface="Consolas" pitchFamily="49" charset="0"/>
+                <a:cs typeface="Consolas" pitchFamily="49" charset="0"/>
+              </a:rPr>
+              <a:t>                parameters[0] = "</a:t>
+            </a:r>
+            <a:r>
+              <a:rPr lang="en-US" sz="2400" dirty="0" err="1" smtClean="0">
+                <a:latin typeface="Consolas" pitchFamily="49" charset="0"/>
+                <a:cs typeface="Consolas" pitchFamily="49" charset="0"/>
+              </a:rPr>
+              <a:t>Lv</a:t>
+            </a:r>
+            <a:r>
+              <a:rPr lang="en-US" sz="2400" dirty="0" smtClean="0">
+                <a:latin typeface="Consolas" pitchFamily="49" charset="0"/>
+                <a:cs typeface="Consolas" pitchFamily="49" charset="0"/>
+              </a:rPr>
+              <a:t>";</a:t>
+            </a:r>
+          </a:p>
+          <a:p>
+            <a:r>
+              <a:rPr lang="en-US" sz="2400" dirty="0" smtClean="0">
+                <a:latin typeface="Consolas" pitchFamily="49" charset="0"/>
+                <a:cs typeface="Consolas" pitchFamily="49" charset="0"/>
+              </a:rPr>
+              <a:t>                parameters[1] = "273";</a:t>
+            </a:r>
+          </a:p>
+          <a:p>
+            <a:endParaRPr lang="uk-UA" sz="2400" dirty="0" smtClean="0">
+              <a:latin typeface="Consolas" pitchFamily="49" charset="0"/>
+              <a:cs typeface="Consolas" pitchFamily="49" charset="0"/>
+            </a:endParaRPr>
+          </a:p>
+          <a:p>
+            <a:r>
+              <a:rPr lang="en-US" sz="2400" dirty="0" smtClean="0">
+                <a:latin typeface="Consolas" pitchFamily="49" charset="0"/>
+                <a:cs typeface="Consolas" pitchFamily="49" charset="0"/>
+              </a:rPr>
+              <a:t>	string name = (string)</a:t>
+            </a:r>
+            <a:r>
+              <a:rPr lang="en-US" sz="2400" dirty="0" err="1" smtClean="0">
+                <a:latin typeface="Consolas" pitchFamily="49" charset="0"/>
+                <a:cs typeface="Consolas" pitchFamily="49" charset="0"/>
+              </a:rPr>
+              <a:t>method.Invoke</a:t>
+            </a:r>
+            <a:r>
+              <a:rPr lang="en-US" sz="2400" dirty="0" smtClean="0">
+                <a:latin typeface="Consolas" pitchFamily="49" charset="0"/>
+                <a:cs typeface="Consolas" pitchFamily="49" charset="0"/>
+              </a:rPr>
+              <a:t>(</a:t>
+            </a:r>
+            <a:r>
+              <a:rPr lang="en-US" sz="2400" dirty="0" err="1" smtClean="0">
+                <a:latin typeface="Consolas" pitchFamily="49" charset="0"/>
+                <a:cs typeface="Consolas" pitchFamily="49" charset="0"/>
+              </a:rPr>
+              <a:t>obj</a:t>
+            </a:r>
+            <a:r>
+              <a:rPr lang="en-US" sz="2400" dirty="0" smtClean="0">
+                <a:latin typeface="Consolas" pitchFamily="49" charset="0"/>
+                <a:cs typeface="Consolas" pitchFamily="49" charset="0"/>
+              </a:rPr>
+              <a:t>, parameters);</a:t>
+            </a:r>
+          </a:p>
+          <a:p>
+            <a:endParaRPr lang="uk-UA" sz="2400" dirty="0" smtClean="0">
+              <a:latin typeface="Consolas" pitchFamily="49" charset="0"/>
+              <a:cs typeface="Consolas" pitchFamily="49" charset="0"/>
+            </a:endParaRPr>
+          </a:p>
+          <a:p>
+            <a:r>
+              <a:rPr lang="en-US" sz="2400" dirty="0" smtClean="0">
+                <a:latin typeface="Consolas" pitchFamily="49" charset="0"/>
+                <a:cs typeface="Consolas" pitchFamily="49" charset="0"/>
+              </a:rPr>
+              <a:t>                </a:t>
+            </a:r>
+            <a:r>
+              <a:rPr lang="en-US" sz="2400" dirty="0" err="1" smtClean="0">
+                <a:latin typeface="Consolas" pitchFamily="49" charset="0"/>
+                <a:cs typeface="Consolas" pitchFamily="49" charset="0"/>
+              </a:rPr>
+              <a:t>Console.WriteLine</a:t>
+            </a:r>
+            <a:r>
+              <a:rPr lang="en-US" sz="2400" dirty="0" smtClean="0">
+                <a:latin typeface="Consolas" pitchFamily="49" charset="0"/>
+                <a:cs typeface="Consolas" pitchFamily="49" charset="0"/>
+              </a:rPr>
+              <a:t>(name);</a:t>
+            </a:r>
+          </a:p>
+          <a:p>
+            <a:r>
+              <a:rPr lang="uk-UA" sz="2400" dirty="0" smtClean="0">
+                <a:latin typeface="Consolas" pitchFamily="49" charset="0"/>
+                <a:cs typeface="Consolas" pitchFamily="49" charset="0"/>
+              </a:rPr>
+              <a:t>            }</a:t>
+            </a:r>
+          </a:p>
+          <a:p>
+            <a:r>
+              <a:rPr lang="en-US" sz="2400" dirty="0" smtClean="0">
+                <a:latin typeface="Consolas" pitchFamily="49" charset="0"/>
+                <a:cs typeface="Consolas" pitchFamily="49" charset="0"/>
+              </a:rPr>
+              <a:t>            catch (Exception </a:t>
+            </a:r>
+            <a:r>
+              <a:rPr lang="en-US" sz="2400" dirty="0" err="1" smtClean="0">
+                <a:latin typeface="Consolas" pitchFamily="49" charset="0"/>
+                <a:cs typeface="Consolas" pitchFamily="49" charset="0"/>
+              </a:rPr>
+              <a:t>exc</a:t>
+            </a:r>
+            <a:r>
+              <a:rPr lang="en-US" sz="2400" dirty="0" smtClean="0">
+                <a:latin typeface="Consolas" pitchFamily="49" charset="0"/>
+                <a:cs typeface="Consolas" pitchFamily="49" charset="0"/>
+              </a:rPr>
+              <a:t>)</a:t>
+            </a:r>
+          </a:p>
+          <a:p>
+            <a:r>
+              <a:rPr lang="uk-UA" sz="2400" dirty="0" smtClean="0">
+                <a:latin typeface="Consolas" pitchFamily="49" charset="0"/>
+                <a:cs typeface="Consolas" pitchFamily="49" charset="0"/>
+              </a:rPr>
+              <a:t>            {</a:t>
+            </a:r>
+          </a:p>
+          <a:p>
+            <a:r>
+              <a:rPr lang="en-US" sz="2400" dirty="0" smtClean="0">
+                <a:latin typeface="Consolas" pitchFamily="49" charset="0"/>
+                <a:cs typeface="Consolas" pitchFamily="49" charset="0"/>
+              </a:rPr>
+              <a:t>                </a:t>
+            </a:r>
+            <a:r>
+              <a:rPr lang="en-US" sz="2400" dirty="0" err="1" smtClean="0">
+                <a:latin typeface="Consolas" pitchFamily="49" charset="0"/>
+                <a:cs typeface="Consolas" pitchFamily="49" charset="0"/>
+              </a:rPr>
+              <a:t>Console.WriteLine</a:t>
+            </a:r>
+            <a:r>
+              <a:rPr lang="en-US" sz="2400" dirty="0" smtClean="0">
+                <a:latin typeface="Consolas" pitchFamily="49" charset="0"/>
+                <a:cs typeface="Consolas" pitchFamily="49" charset="0"/>
+              </a:rPr>
+              <a:t>(</a:t>
+            </a:r>
+            <a:r>
+              <a:rPr lang="en-US" sz="2400" dirty="0" err="1" smtClean="0">
+                <a:latin typeface="Consolas" pitchFamily="49" charset="0"/>
+                <a:cs typeface="Consolas" pitchFamily="49" charset="0"/>
+              </a:rPr>
+              <a:t>exc.Message</a:t>
+            </a:r>
+            <a:r>
+              <a:rPr lang="en-US" sz="2400" dirty="0" smtClean="0">
+                <a:latin typeface="Consolas" pitchFamily="49" charset="0"/>
+                <a:cs typeface="Consolas" pitchFamily="49" charset="0"/>
+              </a:rPr>
+              <a:t>);</a:t>
+            </a:r>
+          </a:p>
+          <a:p>
+            <a:r>
+              <a:rPr lang="uk-UA" sz="2400" dirty="0" smtClean="0">
+                <a:latin typeface="Consolas" pitchFamily="49" charset="0"/>
+                <a:cs typeface="Consolas" pitchFamily="49" charset="0"/>
+              </a:rPr>
+              <a:t>            }</a:t>
+            </a:r>
+          </a:p>
+          <a:p>
+            <a:r>
+              <a:rPr lang="uk-UA" sz="2400" dirty="0" smtClean="0">
+                <a:latin typeface="Consolas" pitchFamily="49" charset="0"/>
+                <a:cs typeface="Consolas" pitchFamily="49" charset="0"/>
+              </a:rPr>
+              <a:t>        } </a:t>
+            </a:r>
+          </a:p>
+          <a:p>
+            <a:r>
+              <a:rPr lang="uk-UA" sz="2400" dirty="0" smtClean="0">
+                <a:latin typeface="Consolas" pitchFamily="49" charset="0"/>
+                <a:cs typeface="Consolas" pitchFamily="49" charset="0"/>
+              </a:rPr>
+              <a:t>    }</a:t>
+            </a:r>
+          </a:p>
+          <a:p>
+            <a:r>
+              <a:rPr lang="uk-UA" sz="2400" dirty="0" smtClean="0">
+                <a:latin typeface="Consolas" pitchFamily="49" charset="0"/>
+                <a:cs typeface="Consolas" pitchFamily="49" charset="0"/>
+              </a:rPr>
+              <a:t>}</a:t>
+            </a:r>
+            <a:endParaRPr lang="en-US" sz="2400" dirty="0" smtClean="0">
+              <a:latin typeface="Consolas" pitchFamily="49" charset="0"/>
+              <a:cs typeface="Consolas" pitchFamily="49" charset="0"/>
+            </a:endParaRPr>
+          </a:p>
+          <a:p>
+            <a:endParaRPr lang="uk-UA" dirty="0"/>
+          </a:p>
+        </p:txBody>
+      </p:sp>
+    </p:spTree>
+    <p:extLst>
+      <p:ext uri="{BB962C8B-B14F-4D97-AF65-F5344CB8AC3E}">
+        <p14:creationId xmlns:p14="http://schemas.microsoft.com/office/powerpoint/2010/main" xmlns="" val="1515974343"/>
+      </p:ext>
+    </p:extLst>
+  </p:cSld>
+  <p:clrMapOvr>
+    <a:masterClrMapping/>
+  </p:clrMapOvr>
+  <p:timing>
+    <p:tnLst>
+      <p:par>
+        <p:cTn id="1" dur="indefinite" restart="never" nodeType="tmRoot"/>
+      </p:par>
+    </p:tnLst>
+  </p:timing>
+</p:sld>
+</file>
+
+<file path=ppt/slides/slide16.xml><?xml version="1.0" encoding="utf-8"?>
+<p:sld xmlns:a="http://schemas.openxmlformats.org/drawingml/2006/main" xmlns:r="http://schemas.openxmlformats.org/officeDocument/2006/relationships" xmlns:p="http://schemas.openxmlformats.org/presentationml/2006/main">
+  <p:cSld>
+    <p:spTree>
+      <p:nvGrpSpPr>
+        <p:cNvPr id="1" name=""/>
+        <p:cNvGrpSpPr/>
+        <p:nvPr/>
+      </p:nvGrpSpPr>
+      <p:grpSpPr>
+        <a:xfrm>
+          <a:off x="0" y="0"/>
+          <a:ext cx="0" cy="0"/>
+          <a:chOff x="0" y="0"/>
+          <a:chExt cx="0" cy="0"/>
+        </a:xfrm>
+      </p:grpSpPr>
+    </p:spTree>
+    <p:extLst>
+      <p:ext uri="{BB962C8B-B14F-4D97-AF65-F5344CB8AC3E}">
+        <p14:creationId xmlns:p14="http://schemas.microsoft.com/office/powerpoint/2010/main" xmlns="" val="837831753"/>
       </p:ext>
     </p:extLst>
   </p:cSld>
@@ -6218,23 +7947,23 @@
           <a:p>
             <a:r>
               <a:rPr lang="en-US" dirty="0" smtClean="0"/>
-              <a:t>Attributes – C# language elements that  provides a method of associating metadata, or declarative information, with code (assemblies, types, methods, properties etc.). </a:t>
+              <a:t>Attributes </a:t>
             </a:r>
             <a:r>
               <a:rPr lang="en-US" dirty="0" smtClean="0"/>
-              <a:t>After </a:t>
+              <a:t>– elements </a:t>
             </a:r>
             <a:r>
               <a:rPr lang="en-US" dirty="0" smtClean="0"/>
-              <a:t>an attribute is associated with a program entity, the attribute can be queried at </a:t>
+              <a:t>that  provides a method of associating metadata, or declarative </a:t>
             </a:r>
             <a:r>
               <a:rPr lang="en-US" dirty="0" smtClean="0"/>
-              <a:t>runtime </a:t>
+              <a:t>information with </a:t>
             </a:r>
             <a:r>
               <a:rPr lang="en-US" dirty="0" smtClean="0"/>
-              <a:t>by using a technique called reflection.</a:t>
+              <a:t>code (assemblies, types, methods, properties etc.). After an attribute is associated with a program entity, the attribute can be queried at runtime by using a technique called reflection.</a:t>
             </a:r>
           </a:p>
           <a:p>
@@ -6244,7 +7973,15 @@
                   <a:schemeClr val="tx1"/>
                 </a:solidFill>
               </a:rPr>
-              <a:t>Attributes </a:t>
+              <a:t>Attributes - classes which directly or indirectly inherits from </a:t>
+            </a:r>
+            <a:r>
+              <a:rPr lang="en-US" dirty="0" err="1" smtClean="0">
+                <a:solidFill>
+                  <a:schemeClr val="tx1"/>
+                </a:solidFill>
+              </a:rPr>
+              <a:t>System.Attribute</a:t>
             </a:r>
             <a:r>
               <a:rPr lang="en-US" dirty="0" smtClean="0">
@@ -6252,69 +7989,8 @@
                   <a:schemeClr val="tx1"/>
                 </a:solidFill>
               </a:rPr>
-              <a:t>- classes </a:t>
-            </a:r>
-            <a:r>
-              <a:rPr lang="en-US" dirty="0" smtClean="0">
-                <a:solidFill>
-                  <a:schemeClr val="tx1"/>
-                </a:solidFill>
-              </a:rPr>
-              <a:t>which directly or indirectly </a:t>
-            </a:r>
-            <a:r>
-              <a:rPr lang="en-US" dirty="0" smtClean="0">
-                <a:solidFill>
-                  <a:schemeClr val="tx1"/>
-                </a:solidFill>
-              </a:rPr>
-              <a:t>inherits </a:t>
-            </a:r>
-            <a:r>
-              <a:rPr lang="en-US" dirty="0" smtClean="0">
-                <a:solidFill>
-                  <a:schemeClr val="tx1"/>
-                </a:solidFill>
-              </a:rPr>
-              <a:t>from </a:t>
-            </a:r>
-            <a:r>
-              <a:rPr lang="en-US" dirty="0" err="1" smtClean="0">
-                <a:solidFill>
-                  <a:schemeClr val="tx1"/>
-                </a:solidFill>
-              </a:rPr>
-              <a:t>System.Attribute</a:t>
-            </a:r>
-            <a:r>
-              <a:rPr lang="en-US" dirty="0" smtClean="0">
-                <a:solidFill>
-                  <a:schemeClr val="tx1"/>
-                </a:solidFill>
-              </a:rPr>
-              <a:t> </a:t>
-            </a:r>
-            <a:r>
-              <a:rPr lang="en-US" dirty="0" smtClean="0">
-                <a:solidFill>
-                  <a:schemeClr val="tx1"/>
-                </a:solidFill>
-              </a:rPr>
-              <a:t>class</a:t>
-            </a:r>
-            <a:r>
-              <a:rPr lang="en-US" dirty="0" smtClean="0">
-                <a:solidFill>
-                  <a:schemeClr val="tx1"/>
-                </a:solidFill>
-              </a:rPr>
-              <a:t>.</a:t>
-            </a:r>
-            <a:endParaRPr lang="en-US" dirty="0" smtClean="0">
-              <a:solidFill>
-                <a:schemeClr val="tx1"/>
-              </a:solidFill>
-            </a:endParaRPr>
+              <a:t> class.</a:t>
+            </a:r>
           </a:p>
           <a:p>
             <a:endParaRPr lang="en-US" sz="1900" dirty="0" smtClean="0">
@@ -6427,7 +8103,7 @@
     </p:spTree>
     <p:extLst>
       <p:ext uri="{BB962C8B-B14F-4D97-AF65-F5344CB8AC3E}">
-        <p14:creationId xmlns="" xmlns:p14="http://schemas.microsoft.com/office/powerpoint/2010/main" val="1795104237"/>
+        <p14:creationId xmlns:p14="http://schemas.microsoft.com/office/powerpoint/2010/main" xmlns="" val="1795104237"/>
       </p:ext>
     </p:extLst>
   </p:cSld>
@@ -6478,10 +8154,16 @@
           </a:bodyPr>
           <a:lstStyle/>
           <a:p>
+            <a:pPr>
+              <a:lnSpc>
+                <a:spcPct val="100000"/>
+              </a:lnSpc>
+            </a:pPr>
             <a:r>
               <a:rPr lang="en-US" dirty="0" smtClean="0"/>
               <a:t>Many attributes have parameters that allow inclusion of additional information that customizes a program. Parameters can be positional or named. Any positional parameters must be specified in a certain order and cannot be omitted; named parameters are optional and can be specified in any order. Positional parameters are specified first. </a:t>
             </a:r>
+            <a:endParaRPr lang="en-US" dirty="0" smtClean="0"/>
           </a:p>
           <a:p>
             <a:r>
@@ -6489,16 +8171,21 @@
                 <a:latin typeface="Consolas" pitchFamily="49" charset="0"/>
                 <a:cs typeface="Consolas" pitchFamily="49" charset="0"/>
               </a:rPr>
-              <a:t>class Sample</a:t>
-            </a:r>
-          </a:p>
-          <a:p>
+              <a:t>[</a:t>
+            </a:r>
+            <a:r>
+              <a:rPr lang="en-US" dirty="0" err="1" smtClean="0">
+                <a:latin typeface="Consolas" pitchFamily="49" charset="0"/>
+                <a:cs typeface="Consolas" pitchFamily="49" charset="0"/>
+              </a:rPr>
+              <a:t>MyAttribute</a:t>
+            </a:r>
             <a:r>
               <a:rPr lang="en-US" dirty="0" smtClean="0">
                 <a:latin typeface="Consolas" pitchFamily="49" charset="0"/>
                 <a:cs typeface="Consolas" pitchFamily="49" charset="0"/>
               </a:rPr>
-              <a:t>{</a:t>
+              <a:t>("message", Num = 100)]</a:t>
             </a:r>
           </a:p>
           <a:p>
@@ -6507,142 +8194,80 @@
                 <a:latin typeface="Consolas" pitchFamily="49" charset="0"/>
                 <a:cs typeface="Consolas" pitchFamily="49" charset="0"/>
               </a:rPr>
-              <a:t>    [</a:t>
+              <a:t> class </a:t>
             </a:r>
             <a:r>
               <a:rPr lang="en-US" dirty="0" err="1" smtClean="0">
                 <a:latin typeface="Consolas" pitchFamily="49" charset="0"/>
                 <a:cs typeface="Consolas" pitchFamily="49" charset="0"/>
               </a:rPr>
-              <a:t>DllImport</a:t>
-            </a:r>
-            <a:r>
-              <a:rPr lang="en-US" dirty="0" smtClean="0">
-                <a:latin typeface="Consolas" pitchFamily="49" charset="0"/>
-                <a:cs typeface="Consolas" pitchFamily="49" charset="0"/>
-              </a:rPr>
-              <a:t>("User32.dll", </a:t>
-            </a:r>
-            <a:r>
-              <a:rPr lang="en-US" dirty="0" err="1" smtClean="0">
-                <a:latin typeface="Consolas" pitchFamily="49" charset="0"/>
-                <a:cs typeface="Consolas" pitchFamily="49" charset="0"/>
-              </a:rPr>
-              <a:t>EntryPoint</a:t>
-            </a:r>
-            <a:r>
-              <a:rPr lang="en-US" dirty="0" smtClean="0">
-                <a:latin typeface="Consolas" pitchFamily="49" charset="0"/>
-                <a:cs typeface="Consolas" pitchFamily="49" charset="0"/>
-              </a:rPr>
-              <a:t>="</a:t>
-            </a:r>
-            <a:r>
-              <a:rPr lang="en-US" dirty="0" err="1" smtClean="0">
-                <a:latin typeface="Consolas" pitchFamily="49" charset="0"/>
-                <a:cs typeface="Consolas" pitchFamily="49" charset="0"/>
-              </a:rPr>
-              <a:t>MessageBox</a:t>
-            </a:r>
-            <a:r>
-              <a:rPr lang="en-US" dirty="0" smtClean="0">
-                <a:latin typeface="Consolas" pitchFamily="49" charset="0"/>
-                <a:cs typeface="Consolas" pitchFamily="49" charset="0"/>
-              </a:rPr>
-              <a:t>")]</a:t>
-            </a:r>
-          </a:p>
-          <a:p>
-            <a:r>
-              <a:rPr lang="en-US" dirty="0" smtClean="0">
-                <a:latin typeface="Consolas" pitchFamily="49" charset="0"/>
-                <a:cs typeface="Consolas" pitchFamily="49" charset="0"/>
-              </a:rPr>
-              <a:t>    static extern </a:t>
-            </a:r>
-            <a:r>
-              <a:rPr lang="en-US" dirty="0" err="1" smtClean="0">
-                <a:latin typeface="Consolas" pitchFamily="49" charset="0"/>
-                <a:cs typeface="Consolas" pitchFamily="49" charset="0"/>
-              </a:rPr>
-              <a:t>int</a:t>
-            </a:r>
-            <a:r>
-              <a:rPr lang="en-US" dirty="0" smtClean="0">
-                <a:latin typeface="Consolas" pitchFamily="49" charset="0"/>
-                <a:cs typeface="Consolas" pitchFamily="49" charset="0"/>
-              </a:rPr>
-              <a:t> </a:t>
-            </a:r>
-            <a:r>
-              <a:rPr lang="en-US" dirty="0" err="1" smtClean="0">
-                <a:latin typeface="Consolas" pitchFamily="49" charset="0"/>
-                <a:cs typeface="Consolas" pitchFamily="49" charset="0"/>
-              </a:rPr>
-              <a:t>MessageDialog</a:t>
-            </a:r>
-            <a:r>
-              <a:rPr lang="en-US" dirty="0" smtClean="0">
-                <a:latin typeface="Consolas" pitchFamily="49" charset="0"/>
-                <a:cs typeface="Consolas" pitchFamily="49" charset="0"/>
-              </a:rPr>
-              <a:t>(string </a:t>
-            </a:r>
-            <a:r>
-              <a:rPr lang="en-US" dirty="0" err="1" smtClean="0">
-                <a:latin typeface="Consolas" pitchFamily="49" charset="0"/>
-                <a:cs typeface="Consolas" pitchFamily="49" charset="0"/>
-              </a:rPr>
-              <a:t>msg</a:t>
-            </a:r>
-            <a:r>
-              <a:rPr lang="en-US" dirty="0" smtClean="0">
-                <a:latin typeface="Consolas" pitchFamily="49" charset="0"/>
-                <a:cs typeface="Consolas" pitchFamily="49" charset="0"/>
-              </a:rPr>
-              <a:t>, string caption, </a:t>
-            </a:r>
-            <a:r>
-              <a:rPr lang="en-US" dirty="0" err="1" smtClean="0">
-                <a:latin typeface="Consolas" pitchFamily="49" charset="0"/>
-                <a:cs typeface="Consolas" pitchFamily="49" charset="0"/>
-              </a:rPr>
-              <a:t>int</a:t>
-            </a:r>
-            <a:r>
-              <a:rPr lang="en-US" dirty="0" smtClean="0">
-                <a:latin typeface="Consolas" pitchFamily="49" charset="0"/>
-                <a:cs typeface="Consolas" pitchFamily="49" charset="0"/>
-              </a:rPr>
-              <a:t> </a:t>
-            </a:r>
-            <a:r>
-              <a:rPr lang="en-US" dirty="0" err="1" smtClean="0">
-                <a:latin typeface="Consolas" pitchFamily="49" charset="0"/>
-                <a:cs typeface="Consolas" pitchFamily="49" charset="0"/>
-              </a:rPr>
-              <a:t>msgType</a:t>
-            </a:r>
-            <a:r>
-              <a:rPr lang="en-US" dirty="0" smtClean="0">
-                <a:latin typeface="Consolas" pitchFamily="49" charset="0"/>
-                <a:cs typeface="Consolas" pitchFamily="49" charset="0"/>
-              </a:rPr>
-              <a:t>);</a:t>
-            </a:r>
-          </a:p>
-          <a:p>
-            <a:r>
-              <a:rPr lang="en-US" dirty="0" smtClean="0">
-                <a:latin typeface="Consolas" pitchFamily="49" charset="0"/>
-                <a:cs typeface="Consolas" pitchFamily="49" charset="0"/>
-              </a:rPr>
-              <a:t>}</a:t>
-            </a:r>
-            <a:endParaRPr lang="uk-UA" dirty="0">
+              <a:t>SomeClass</a:t>
+            </a:r>
+            <a:endParaRPr lang="en-US" dirty="0" smtClean="0">
               <a:latin typeface="Consolas" pitchFamily="49" charset="0"/>
               <a:cs typeface="Consolas" pitchFamily="49" charset="0"/>
             </a:endParaRPr>
+          </a:p>
+          <a:p>
+            <a:r>
+              <a:rPr lang="uk-UA" dirty="0" smtClean="0">
+                <a:latin typeface="Consolas" pitchFamily="49" charset="0"/>
+                <a:cs typeface="Consolas" pitchFamily="49" charset="0"/>
+              </a:rPr>
+              <a:t> </a:t>
+            </a:r>
+            <a:r>
+              <a:rPr lang="uk-UA" dirty="0" smtClean="0">
+                <a:latin typeface="Consolas" pitchFamily="49" charset="0"/>
+                <a:cs typeface="Consolas" pitchFamily="49" charset="0"/>
+              </a:rPr>
+              <a:t>{</a:t>
+            </a:r>
+            <a:endParaRPr lang="en-US" dirty="0" smtClean="0">
+              <a:latin typeface="Consolas" pitchFamily="49" charset="0"/>
+              <a:cs typeface="Consolas" pitchFamily="49" charset="0"/>
+            </a:endParaRPr>
+          </a:p>
+          <a:p>
+            <a:r>
+              <a:rPr lang="en-US" dirty="0" smtClean="0">
+                <a:latin typeface="Consolas" pitchFamily="49" charset="0"/>
+                <a:cs typeface="Consolas" pitchFamily="49" charset="0"/>
+              </a:rPr>
+              <a:t>    //</a:t>
+            </a:r>
+            <a:endParaRPr lang="uk-UA" dirty="0" smtClean="0">
+              <a:latin typeface="Consolas" pitchFamily="49" charset="0"/>
+              <a:cs typeface="Consolas" pitchFamily="49" charset="0"/>
+            </a:endParaRPr>
+          </a:p>
+          <a:p>
+            <a:r>
+              <a:rPr lang="uk-UA" dirty="0" smtClean="0">
+                <a:latin typeface="Consolas" pitchFamily="49" charset="0"/>
+                <a:cs typeface="Consolas" pitchFamily="49" charset="0"/>
+              </a:rPr>
+              <a:t> </a:t>
+            </a:r>
+            <a:r>
+              <a:rPr lang="uk-UA" dirty="0" smtClean="0">
+                <a:latin typeface="Consolas" pitchFamily="49" charset="0"/>
+                <a:cs typeface="Consolas" pitchFamily="49" charset="0"/>
+              </a:rPr>
+              <a:t>}</a:t>
+            </a:r>
+            <a:endParaRPr lang="uk-UA" dirty="0" smtClean="0">
+              <a:latin typeface="Consolas" pitchFamily="49" charset="0"/>
+              <a:cs typeface="Consolas" pitchFamily="49" charset="0"/>
+            </a:endParaRPr>
+          </a:p>
+          <a:p>
+            <a:pPr>
+              <a:lnSpc>
+                <a:spcPct val="100000"/>
+              </a:lnSpc>
+            </a:pPr>
+            <a:endParaRPr lang="en-US" dirty="0" smtClean="0"/>
           </a:p>
         </p:txBody>
       </p:sp>
@@ -6675,7 +8300,7 @@
     </p:spTree>
     <p:extLst>
       <p:ext uri="{BB962C8B-B14F-4D97-AF65-F5344CB8AC3E}">
-        <p14:creationId xmlns="" xmlns:p14="http://schemas.microsoft.com/office/powerpoint/2010/main" val="1324953995"/>
+        <p14:creationId xmlns:p14="http://schemas.microsoft.com/office/powerpoint/2010/main" xmlns="" val="1324953995"/>
       </p:ext>
     </p:extLst>
   </p:cSld>
@@ -6812,7 +8437,7 @@
     </p:spTree>
     <p:extLst>
       <p:ext uri="{BB962C8B-B14F-4D97-AF65-F5344CB8AC3E}">
-        <p14:creationId xmlns="" xmlns:p14="http://schemas.microsoft.com/office/powerpoint/2010/main" val="3406405570"/>
+        <p14:creationId xmlns:p14="http://schemas.microsoft.com/office/powerpoint/2010/main" xmlns="" val="3406405570"/>
       </p:ext>
     </p:extLst>
   </p:cSld>
@@ -6882,8 +8507,8 @@
         </p:nvSpPr>
         <p:spPr>
           <a:xfrm>
-            <a:off x="285791" y="1738455"/>
-            <a:ext cx="8674213" cy="4391025"/>
+            <a:off x="285791" y="1446663"/>
+            <a:ext cx="8674213" cy="4682817"/>
           </a:xfrm>
           <a:prstGeom prst="rect">
             <a:avLst/>
@@ -6891,7 +8516,7 @@
         </p:spPr>
         <p:txBody>
           <a:bodyPr vert="horz" lIns="91440" tIns="45720" rIns="91440" bIns="45720" rtlCol="0">
-            <a:normAutofit fontScale="77500" lnSpcReduction="20000"/>
+            <a:normAutofit fontScale="85000" lnSpcReduction="20000"/>
           </a:bodyPr>
           <a:lstStyle/>
           <a:p>
@@ -6934,6 +8559,13 @@
               <a:t>, </a:t>
             </a:r>
             <a:r>
+              <a:rPr lang="en-US" sz="2200" dirty="0" smtClean="0">
+                <a:latin typeface="Consolas" pitchFamily="49" charset="0"/>
+                <a:cs typeface="Consolas" pitchFamily="49" charset="0"/>
+              </a:rPr>
+              <a:t>         	    		   </a:t>
+            </a:r>
+            <a:r>
               <a:rPr lang="en-US" sz="2200" dirty="0" err="1" smtClean="0">
                 <a:latin typeface="Consolas" pitchFamily="49" charset="0"/>
                 <a:cs typeface="Consolas" pitchFamily="49" charset="0"/>
@@ -7008,10 +8640,50 @@
                 <a:latin typeface="Consolas" pitchFamily="49" charset="0"/>
                 <a:cs typeface="Consolas" pitchFamily="49" charset="0"/>
               </a:rPr>
-              <a:t>        private string info;</a:t>
-            </a:r>
-          </a:p>
-          <a:p>
+              <a:t>        private string info</a:t>
+            </a:r>
+            <a:r>
+              <a:rPr lang="en-US" sz="2400" dirty="0" smtClean="0">
+                <a:solidFill>
+                  <a:srgbClr val="000000"/>
+                </a:solidFill>
+                <a:latin typeface="Consolas" pitchFamily="49" charset="0"/>
+                <a:cs typeface="Consolas" pitchFamily="49" charset="0"/>
+              </a:rPr>
+              <a:t>;</a:t>
+            </a:r>
+          </a:p>
+          <a:p>
+            <a:r>
+              <a:rPr lang="en-US" sz="2400" dirty="0" smtClean="0">
+                <a:solidFill>
+                  <a:srgbClr val="000000"/>
+                </a:solidFill>
+                <a:latin typeface="Consolas" pitchFamily="49" charset="0"/>
+                <a:cs typeface="Consolas" pitchFamily="49" charset="0"/>
+              </a:rPr>
+              <a:t>        private </a:t>
+            </a:r>
+            <a:r>
+              <a:rPr lang="en-US" sz="2400" dirty="0" err="1" smtClean="0">
+                <a:solidFill>
+                  <a:srgbClr val="000000"/>
+                </a:solidFill>
+                <a:latin typeface="Consolas" pitchFamily="49" charset="0"/>
+                <a:cs typeface="Consolas" pitchFamily="49" charset="0"/>
+              </a:rPr>
+              <a:t>int</a:t>
+            </a:r>
+            <a:r>
+              <a:rPr lang="en-US" sz="2400" dirty="0" smtClean="0">
+                <a:solidFill>
+                  <a:srgbClr val="000000"/>
+                </a:solidFill>
+                <a:latin typeface="Consolas" pitchFamily="49" charset="0"/>
+                <a:cs typeface="Consolas" pitchFamily="49" charset="0"/>
+              </a:rPr>
+              <a:t> num;</a:t>
+            </a:r>
             <a:endParaRPr lang="en-US" sz="2400" dirty="0" smtClean="0">
               <a:solidFill>
                 <a:srgbClr val="000000"/>
@@ -7021,181 +8693,6 @@
             </a:endParaRPr>
           </a:p>
           <a:p>
-            <a:r>
-              <a:rPr lang="en-US" sz="2400" dirty="0" smtClean="0">
-                <a:solidFill>
-                  <a:srgbClr val="000000"/>
-                </a:solidFill>
-                <a:latin typeface="Consolas" pitchFamily="49" charset="0"/>
-                <a:cs typeface="Consolas" pitchFamily="49" charset="0"/>
-              </a:rPr>
-              <a:t>        public </a:t>
-            </a:r>
-            <a:r>
-              <a:rPr lang="en-US" sz="2400" dirty="0" err="1" smtClean="0">
-                <a:solidFill>
-                  <a:srgbClr val="000000"/>
-                </a:solidFill>
-                <a:latin typeface="Consolas" pitchFamily="49" charset="0"/>
-                <a:cs typeface="Consolas" pitchFamily="49" charset="0"/>
-              </a:rPr>
-              <a:t>MyAttribute</a:t>
-            </a:r>
-            <a:r>
-              <a:rPr lang="en-US" sz="2400" dirty="0" smtClean="0">
-                <a:solidFill>
-                  <a:srgbClr val="000000"/>
-                </a:solidFill>
-                <a:latin typeface="Consolas" pitchFamily="49" charset="0"/>
-                <a:cs typeface="Consolas" pitchFamily="49" charset="0"/>
-              </a:rPr>
-              <a:t> (string info)</a:t>
-            </a:r>
-          </a:p>
-          <a:p>
-            <a:r>
-              <a:rPr lang="en-US" sz="2400" dirty="0" smtClean="0">
-                <a:solidFill>
-                  <a:srgbClr val="000000"/>
-                </a:solidFill>
-                <a:latin typeface="Consolas" pitchFamily="49" charset="0"/>
-                <a:cs typeface="Consolas" pitchFamily="49" charset="0"/>
-              </a:rPr>
-              <a:t>       {</a:t>
-            </a:r>
-          </a:p>
-          <a:p>
-            <a:r>
-              <a:rPr lang="en-US" sz="2400" dirty="0" smtClean="0">
-                <a:solidFill>
-                  <a:srgbClr val="000000"/>
-                </a:solidFill>
-                <a:latin typeface="Consolas" pitchFamily="49" charset="0"/>
-                <a:cs typeface="Consolas" pitchFamily="49" charset="0"/>
-              </a:rPr>
-              <a:t>             this.info = info;</a:t>
-            </a:r>
-          </a:p>
-          <a:p>
-            <a:r>
-              <a:rPr lang="en-US" sz="2400" dirty="0" smtClean="0">
-                <a:solidFill>
-                  <a:srgbClr val="000000"/>
-                </a:solidFill>
-                <a:latin typeface="Consolas" pitchFamily="49" charset="0"/>
-                <a:cs typeface="Consolas" pitchFamily="49" charset="0"/>
-              </a:rPr>
-              <a:t>       </a:t>
-            </a:r>
-            <a:r>
-              <a:rPr lang="en-US" sz="2400" dirty="0" smtClean="0">
-                <a:solidFill>
-                  <a:srgbClr val="000000"/>
-                </a:solidFill>
-                <a:latin typeface="Consolas" pitchFamily="49" charset="0"/>
-                <a:cs typeface="Consolas" pitchFamily="49" charset="0"/>
-              </a:rPr>
-              <a:t>}</a:t>
-            </a:r>
-          </a:p>
-          <a:p>
-            <a:pPr lvl="2"/>
-            <a:r>
-              <a:rPr lang="en-US" sz="2400" dirty="0" smtClean="0">
-                <a:latin typeface="Consolas" pitchFamily="49" charset="0"/>
-                <a:cs typeface="Consolas" pitchFamily="49" charset="0"/>
-              </a:rPr>
-              <a:t>public </a:t>
-            </a:r>
-            <a:r>
-              <a:rPr lang="en-US" sz="2400" dirty="0" smtClean="0">
-                <a:latin typeface="Consolas" pitchFamily="49" charset="0"/>
-                <a:cs typeface="Consolas" pitchFamily="49" charset="0"/>
-              </a:rPr>
-              <a:t>string </a:t>
-            </a:r>
-            <a:r>
-              <a:rPr lang="en-US" sz="2400" dirty="0" err="1" smtClean="0">
-                <a:latin typeface="Consolas" pitchFamily="49" charset="0"/>
-                <a:cs typeface="Consolas" pitchFamily="49" charset="0"/>
-              </a:rPr>
-              <a:t>MyInfo</a:t>
-            </a:r>
-            <a:endParaRPr lang="en-US" sz="2400" dirty="0" smtClean="0">
-              <a:latin typeface="Consolas" pitchFamily="49" charset="0"/>
-              <a:cs typeface="Consolas" pitchFamily="49" charset="0"/>
-            </a:endParaRPr>
-          </a:p>
-          <a:p>
-            <a:pPr lvl="2"/>
-            <a:r>
-              <a:rPr lang="en-US" sz="2400" dirty="0" smtClean="0">
-                <a:latin typeface="Consolas" pitchFamily="49" charset="0"/>
-                <a:cs typeface="Consolas" pitchFamily="49" charset="0"/>
-              </a:rPr>
-              <a:t>{</a:t>
-            </a:r>
-          </a:p>
-          <a:p>
-            <a:pPr lvl="2"/>
-            <a:r>
-              <a:rPr lang="en-US" sz="2400" dirty="0" smtClean="0">
-                <a:latin typeface="Consolas" pitchFamily="49" charset="0"/>
-                <a:cs typeface="Consolas" pitchFamily="49" charset="0"/>
-              </a:rPr>
-              <a:t>    get {return </a:t>
-            </a:r>
-            <a:r>
-              <a:rPr lang="en-US" sz="2400" dirty="0" smtClean="0">
-                <a:latin typeface="Consolas" pitchFamily="49" charset="0"/>
-                <a:cs typeface="Consolas" pitchFamily="49" charset="0"/>
-              </a:rPr>
-              <a:t>this.info;}</a:t>
-            </a:r>
-            <a:endParaRPr lang="en-US" sz="2400" dirty="0" smtClean="0">
-              <a:latin typeface="Consolas" pitchFamily="49" charset="0"/>
-              <a:cs typeface="Consolas" pitchFamily="49" charset="0"/>
-            </a:endParaRPr>
-          </a:p>
-          <a:p>
-            <a:pPr lvl="2"/>
-            <a:r>
-              <a:rPr lang="en-US" sz="2400" dirty="0" smtClean="0">
-                <a:latin typeface="Consolas" pitchFamily="49" charset="0"/>
-                <a:cs typeface="Consolas" pitchFamily="49" charset="0"/>
-              </a:rPr>
-              <a:t>    set {</a:t>
-            </a:r>
-            <a:r>
-              <a:rPr lang="en-US" sz="2400" dirty="0" smtClean="0">
-                <a:latin typeface="Consolas" pitchFamily="49" charset="0"/>
-                <a:cs typeface="Consolas" pitchFamily="49" charset="0"/>
-              </a:rPr>
-              <a:t>this.info </a:t>
-            </a:r>
-            <a:r>
-              <a:rPr lang="en-US" sz="2400" dirty="0" smtClean="0">
-                <a:latin typeface="Consolas" pitchFamily="49" charset="0"/>
-                <a:cs typeface="Consolas" pitchFamily="49" charset="0"/>
-              </a:rPr>
-              <a:t>= value;}</a:t>
-            </a:r>
-          </a:p>
-          <a:p>
-            <a:pPr lvl="2"/>
-            <a:r>
-              <a:rPr lang="en-US" sz="2400" dirty="0" smtClean="0">
-                <a:latin typeface="Consolas" pitchFamily="49" charset="0"/>
-                <a:cs typeface="Consolas" pitchFamily="49" charset="0"/>
-              </a:rPr>
-              <a:t>}</a:t>
-            </a:r>
-            <a:endParaRPr lang="uk-UA" sz="2400" dirty="0" smtClean="0">
-              <a:latin typeface="Consolas" pitchFamily="49" charset="0"/>
-              <a:cs typeface="Consolas" pitchFamily="49" charset="0"/>
-            </a:endParaRPr>
-          </a:p>
-          <a:p>
             <a:endParaRPr lang="en-US" sz="2400" dirty="0" smtClean="0">
               <a:solidFill>
                 <a:srgbClr val="000000"/>
@@ -7213,10 +8710,178 @@
                 <a:latin typeface="Consolas" pitchFamily="49" charset="0"/>
                 <a:cs typeface="Consolas" pitchFamily="49" charset="0"/>
               </a:rPr>
+              <a:t>       </a:t>
+            </a:r>
+            <a:r>
+              <a:rPr lang="en-US" sz="2400" dirty="0" smtClean="0">
+                <a:solidFill>
+                  <a:srgbClr val="000000"/>
+                </a:solidFill>
+                <a:latin typeface="Consolas" pitchFamily="49" charset="0"/>
+                <a:cs typeface="Consolas" pitchFamily="49" charset="0"/>
+              </a:rPr>
+              <a:t>public </a:t>
+            </a:r>
+            <a:r>
+              <a:rPr lang="en-US" sz="2400" dirty="0" err="1" smtClean="0">
+                <a:solidFill>
+                  <a:srgbClr val="000000"/>
+                </a:solidFill>
+                <a:latin typeface="Consolas" pitchFamily="49" charset="0"/>
+                <a:cs typeface="Consolas" pitchFamily="49" charset="0"/>
+              </a:rPr>
+              <a:t>MyAttribute</a:t>
+            </a:r>
+            <a:r>
+              <a:rPr lang="en-US" sz="2400" dirty="0" smtClean="0">
+                <a:solidFill>
+                  <a:srgbClr val="000000"/>
+                </a:solidFill>
+                <a:latin typeface="Consolas" pitchFamily="49" charset="0"/>
+                <a:cs typeface="Consolas" pitchFamily="49" charset="0"/>
+              </a:rPr>
+              <a:t> (string info)</a:t>
+            </a:r>
+          </a:p>
+          <a:p>
+            <a:r>
+              <a:rPr lang="en-US" sz="2400" dirty="0" smtClean="0">
+                <a:solidFill>
+                  <a:srgbClr val="000000"/>
+                </a:solidFill>
+                <a:latin typeface="Consolas" pitchFamily="49" charset="0"/>
+                <a:cs typeface="Consolas" pitchFamily="49" charset="0"/>
+              </a:rPr>
+              <a:t>       {</a:t>
+            </a:r>
+          </a:p>
+          <a:p>
+            <a:r>
+              <a:rPr lang="en-US" sz="2400" dirty="0" smtClean="0">
+                <a:solidFill>
+                  <a:srgbClr val="000000"/>
+                </a:solidFill>
+                <a:latin typeface="Consolas" pitchFamily="49" charset="0"/>
+                <a:cs typeface="Consolas" pitchFamily="49" charset="0"/>
+              </a:rPr>
+              <a:t>             this.info = info;</a:t>
+            </a:r>
+          </a:p>
+          <a:p>
+            <a:r>
+              <a:rPr lang="en-US" sz="2400" dirty="0" smtClean="0">
+                <a:solidFill>
+                  <a:srgbClr val="000000"/>
+                </a:solidFill>
+                <a:latin typeface="Consolas" pitchFamily="49" charset="0"/>
+                <a:cs typeface="Consolas" pitchFamily="49" charset="0"/>
+              </a:rPr>
+              <a:t>       }</a:t>
+            </a:r>
+          </a:p>
+          <a:p>
+            <a:pPr lvl="2"/>
+            <a:r>
+              <a:rPr lang="en-US" sz="2400" dirty="0" smtClean="0">
+                <a:latin typeface="Consolas" pitchFamily="49" charset="0"/>
+                <a:cs typeface="Consolas" pitchFamily="49" charset="0"/>
+              </a:rPr>
+              <a:t>public </a:t>
+            </a:r>
+            <a:r>
+              <a:rPr lang="en-US" sz="2400" dirty="0" err="1" smtClean="0">
+                <a:latin typeface="Consolas" pitchFamily="49" charset="0"/>
+                <a:cs typeface="Consolas" pitchFamily="49" charset="0"/>
+              </a:rPr>
+              <a:t>int</a:t>
+            </a:r>
+            <a:r>
+              <a:rPr lang="en-US" sz="2400" dirty="0" smtClean="0">
+                <a:latin typeface="Consolas" pitchFamily="49" charset="0"/>
+                <a:cs typeface="Consolas" pitchFamily="49" charset="0"/>
+              </a:rPr>
+              <a:t> Num</a:t>
+            </a:r>
+            <a:endParaRPr lang="en-US" sz="2400" dirty="0" smtClean="0">
+              <a:latin typeface="Consolas" pitchFamily="49" charset="0"/>
+              <a:cs typeface="Consolas" pitchFamily="49" charset="0"/>
+            </a:endParaRPr>
+          </a:p>
+          <a:p>
+            <a:pPr lvl="2"/>
+            <a:r>
+              <a:rPr lang="en-US" sz="2400" dirty="0" smtClean="0">
+                <a:latin typeface="Consolas" pitchFamily="49" charset="0"/>
+                <a:cs typeface="Consolas" pitchFamily="49" charset="0"/>
+              </a:rPr>
+              <a:t>{</a:t>
+            </a:r>
+          </a:p>
+          <a:p>
+            <a:pPr lvl="2"/>
+            <a:r>
+              <a:rPr lang="en-US" sz="2400" dirty="0" smtClean="0">
+                <a:latin typeface="Consolas" pitchFamily="49" charset="0"/>
+                <a:cs typeface="Consolas" pitchFamily="49" charset="0"/>
+              </a:rPr>
+              <a:t>    get {return </a:t>
+            </a:r>
+            <a:r>
+              <a:rPr lang="en-US" sz="2400" dirty="0" smtClean="0">
+                <a:latin typeface="Consolas" pitchFamily="49" charset="0"/>
+                <a:cs typeface="Consolas" pitchFamily="49" charset="0"/>
+              </a:rPr>
+              <a:t>this.num;}</a:t>
+            </a:r>
+            <a:endParaRPr lang="en-US" sz="2400" dirty="0" smtClean="0">
+              <a:latin typeface="Consolas" pitchFamily="49" charset="0"/>
+              <a:cs typeface="Consolas" pitchFamily="49" charset="0"/>
+            </a:endParaRPr>
+          </a:p>
+          <a:p>
+            <a:pPr lvl="2"/>
+            <a:r>
+              <a:rPr lang="en-US" sz="2400" dirty="0" smtClean="0">
+                <a:latin typeface="Consolas" pitchFamily="49" charset="0"/>
+                <a:cs typeface="Consolas" pitchFamily="49" charset="0"/>
+              </a:rPr>
+              <a:t>    set {</a:t>
+            </a:r>
+            <a:r>
+              <a:rPr lang="en-US" sz="2400" dirty="0" smtClean="0">
+                <a:latin typeface="Consolas" pitchFamily="49" charset="0"/>
+                <a:cs typeface="Consolas" pitchFamily="49" charset="0"/>
+              </a:rPr>
+              <a:t>this.num </a:t>
+            </a:r>
+            <a:r>
+              <a:rPr lang="en-US" sz="2400" dirty="0" smtClean="0">
+                <a:latin typeface="Consolas" pitchFamily="49" charset="0"/>
+                <a:cs typeface="Consolas" pitchFamily="49" charset="0"/>
+              </a:rPr>
+              <a:t>= </a:t>
+            </a:r>
+            <a:r>
+              <a:rPr lang="en-US" sz="2400" dirty="0" smtClean="0">
+                <a:latin typeface="Consolas" pitchFamily="49" charset="0"/>
+                <a:cs typeface="Consolas" pitchFamily="49" charset="0"/>
+              </a:rPr>
+              <a:t>value;}</a:t>
+            </a:r>
+            <a:endParaRPr lang="en-US" sz="2400" dirty="0" smtClean="0">
+              <a:latin typeface="Consolas" pitchFamily="49" charset="0"/>
+              <a:cs typeface="Consolas" pitchFamily="49" charset="0"/>
+            </a:endParaRPr>
+          </a:p>
+          <a:p>
+            <a:pPr lvl="2"/>
+            <a:r>
+              <a:rPr lang="en-US" sz="2400" dirty="0" smtClean="0">
+                <a:latin typeface="Consolas" pitchFamily="49" charset="0"/>
+                <a:cs typeface="Consolas" pitchFamily="49" charset="0"/>
+              </a:rPr>
               <a:t>}</a:t>
             </a:r>
-          </a:p>
-          <a:p>
             <a:endParaRPr lang="en-US" sz="2400" dirty="0" smtClean="0">
               <a:solidFill>
                 <a:srgbClr val="000000"/>
@@ -7226,6 +8891,27 @@
             </a:endParaRPr>
           </a:p>
           <a:p>
+            <a:r>
+              <a:rPr lang="en-US" sz="2400" dirty="0" smtClean="0">
+                <a:solidFill>
+                  <a:srgbClr val="000000"/>
+                </a:solidFill>
+                <a:latin typeface="Consolas" pitchFamily="49" charset="0"/>
+                <a:cs typeface="Consolas" pitchFamily="49" charset="0"/>
+              </a:rPr>
+              <a:t>}</a:t>
+            </a:r>
+          </a:p>
+          <a:p>
+            <a:endParaRPr lang="en-US" sz="2400" dirty="0" smtClean="0">
+              <a:solidFill>
+                <a:srgbClr val="000000"/>
+              </a:solidFill>
+              <a:latin typeface="Consolas" pitchFamily="49" charset="0"/>
+              <a:cs typeface="Consolas" pitchFamily="49" charset="0"/>
+            </a:endParaRPr>
+          </a:p>
+          <a:p>
             <a:endParaRPr lang="en-US" sz="2200" dirty="0" smtClean="0">
               <a:latin typeface="Consolas" pitchFamily="49" charset="0"/>
               <a:cs typeface="Consolas" pitchFamily="49" charset="0"/>
@@ -7236,7 +8922,7 @@
     </p:spTree>
     <p:extLst>
       <p:ext uri="{BB962C8B-B14F-4D97-AF65-F5344CB8AC3E}">
-        <p14:creationId xmlns="" xmlns:p14="http://schemas.microsoft.com/office/powerpoint/2010/main" val="4036175284"/>
+        <p14:creationId xmlns:p14="http://schemas.microsoft.com/office/powerpoint/2010/main" xmlns="" val="4036175284"/>
       </p:ext>
     </p:extLst>
   </p:cSld>
@@ -7270,396 +8956,43 @@
           <a:chExt cx="0" cy="0"/>
         </a:xfrm>
       </p:grpSpPr>
-      <p:sp>
-        <p:nvSpPr>
-          <p:cNvPr id="6" name="Заголовок 5"/>
-          <p:cNvSpPr>
-            <a:spLocks noGrp="1"/>
-          </p:cNvSpPr>
-          <p:nvPr>
-            <p:ph type="title"/>
-          </p:nvPr>
-        </p:nvSpPr>
-        <p:spPr/>
-        <p:txBody>
-          <a:bodyPr/>
-          <a:lstStyle/>
-          <a:p>
-            <a:r>
-              <a:rPr lang="en-US" dirty="0" smtClean="0"/>
-              <a:t>Reflection</a:t>
-            </a:r>
-            <a:r>
-              <a:rPr lang="uk-UA" dirty="0" smtClean="0"/>
-              <a:t/>
-            </a:r>
-            <a:br>
-              <a:rPr lang="uk-UA" dirty="0" smtClean="0"/>
-            </a:br>
-            <a:endParaRPr lang="uk-UA" dirty="0"/>
-          </a:p>
-        </p:txBody>
-      </p:sp>
-      <p:sp>
-        <p:nvSpPr>
-          <p:cNvPr id="7" name="Текст 6"/>
-          <p:cNvSpPr txBox="1">
-            <a:spLocks/>
-          </p:cNvSpPr>
+      <p:pic>
+        <p:nvPicPr>
+          <p:cNvPr id="1026" name="Picture 2"/>
+          <p:cNvPicPr>
+            <a:picLocks noChangeAspect="1" noChangeArrowheads="1"/>
+          </p:cNvPicPr>
           <p:nvPr/>
-        </p:nvSpPr>
-        <p:spPr>
+        </p:nvPicPr>
+        <p:blipFill>
+          <a:blip r:embed="rId2"/>
+          <a:srcRect/>
+          <a:stretch>
+            <a:fillRect/>
+          </a:stretch>
+        </p:blipFill>
+        <p:spPr bwMode="auto">
           <a:xfrm>
-            <a:off x="210480" y="750626"/>
-            <a:ext cx="8674213" cy="5296967"/>
+            <a:off x="235045" y="1527885"/>
+            <a:ext cx="8565865" cy="4586311"/>
           </a:xfrm>
           <a:prstGeom prst="rect">
             <a:avLst/>
           </a:prstGeom>
+          <a:noFill/>
+          <a:ln w="9525">
+            <a:noFill/>
+            <a:miter lim="800000"/>
+            <a:headEnd/>
+            <a:tailEnd/>
+          </a:ln>
+          <a:effectLst/>
         </p:spPr>
-        <p:txBody>
-          <a:bodyPr vert="horz" lIns="91440" tIns="45720" rIns="91440" bIns="45720" rtlCol="0">
-            <a:normAutofit/>
-          </a:bodyPr>
-          <a:lstStyle/>
-          <a:p>
-            <a:endParaRPr lang="en-US" sz="2800" dirty="0" smtClean="0"/>
-          </a:p>
-          <a:p>
-            <a:endParaRPr lang="en-US" sz="2400" dirty="0" smtClean="0">
-              <a:solidFill>
-                <a:srgbClr val="000000"/>
-              </a:solidFill>
-              <a:latin typeface="Consolas" pitchFamily="49" charset="0"/>
-              <a:cs typeface="Consolas" pitchFamily="49" charset="0"/>
-            </a:endParaRPr>
-          </a:p>
-          <a:p>
-            <a:endParaRPr lang="en-US" sz="2200" dirty="0" smtClean="0">
-              <a:latin typeface="Consolas" pitchFamily="49" charset="0"/>
-              <a:cs typeface="Consolas" pitchFamily="49" charset="0"/>
-            </a:endParaRPr>
-          </a:p>
-        </p:txBody>
-      </p:sp>
-      <p:sp>
-        <p:nvSpPr>
-          <p:cNvPr id="10" name="Текст 6"/>
-          <p:cNvSpPr txBox="1">
-            <a:spLocks/>
-          </p:cNvSpPr>
-          <p:nvPr/>
-        </p:nvSpPr>
-        <p:spPr>
-          <a:xfrm>
-            <a:off x="299438" y="905942"/>
-            <a:ext cx="8674213" cy="4391025"/>
-          </a:xfrm>
-          <a:prstGeom prst="rect">
-            <a:avLst/>
-          </a:prstGeom>
-        </p:spPr>
-        <p:txBody>
-          <a:bodyPr vert="horz" lIns="91440" tIns="45720" rIns="91440" bIns="45720" rtlCol="0">
-            <a:normAutofit fontScale="70000" lnSpcReduction="20000"/>
-          </a:bodyPr>
-          <a:lstStyle/>
-          <a:p>
-            <a:pPr marL="228578" lvl="0" indent="-228578" defTabSz="914309">
-              <a:lnSpc>
-                <a:spcPct val="120000"/>
-              </a:lnSpc>
-              <a:spcBef>
-                <a:spcPts val="1000"/>
-              </a:spcBef>
-              <a:buClr>
-                <a:schemeClr val="bg2"/>
-              </a:buClr>
-            </a:pPr>
-            <a:r>
-              <a:rPr lang="en-US" sz="2800" dirty="0" smtClean="0">
-                <a:solidFill>
-                  <a:srgbClr val="000000"/>
-                </a:solidFill>
-              </a:rPr>
-              <a:t>Reflection is the ability of  managed code to read its own metadata for the purpose of finding assemblies and types information at runtime.</a:t>
-            </a:r>
-          </a:p>
-          <a:p>
-            <a:pPr marL="228578" lvl="0" indent="-228578" defTabSz="914309">
-              <a:lnSpc>
-                <a:spcPct val="90000"/>
-              </a:lnSpc>
-              <a:spcBef>
-                <a:spcPts val="1000"/>
-              </a:spcBef>
-              <a:buClr>
-                <a:schemeClr val="bg2"/>
-              </a:buClr>
-            </a:pPr>
-            <a:r>
-              <a:rPr lang="en-US" sz="2800" dirty="0" smtClean="0">
-                <a:solidFill>
-                  <a:srgbClr val="000000"/>
-                </a:solidFill>
-              </a:rPr>
-              <a:t>Reflection :</a:t>
-            </a:r>
-          </a:p>
-          <a:p>
-            <a:pPr marL="228578" lvl="0" indent="-228578" defTabSz="914309">
-              <a:lnSpc>
-                <a:spcPct val="90000"/>
-              </a:lnSpc>
-              <a:spcBef>
-                <a:spcPts val="1000"/>
-              </a:spcBef>
-              <a:buClr>
-                <a:schemeClr val="bg2"/>
-              </a:buClr>
-            </a:pPr>
-            <a:endParaRPr lang="en-US" sz="2800" dirty="0" smtClean="0">
-              <a:solidFill>
-                <a:srgbClr val="000000"/>
-              </a:solidFill>
-            </a:endParaRPr>
-          </a:p>
-          <a:p>
-            <a:pPr marL="228578" lvl="0" indent="-228578" defTabSz="914309">
-              <a:lnSpc>
-                <a:spcPct val="90000"/>
-              </a:lnSpc>
-              <a:spcBef>
-                <a:spcPts val="1000"/>
-              </a:spcBef>
-              <a:buClr>
-                <a:schemeClr val="bg2"/>
-              </a:buClr>
-              <a:buFont typeface="Arial" pitchFamily="34" charset="0"/>
-              <a:buChar char="•"/>
-            </a:pPr>
-            <a:r>
-              <a:rPr lang="en-US" sz="2800" dirty="0" smtClean="0">
-                <a:solidFill>
-                  <a:srgbClr val="000000"/>
-                </a:solidFill>
-              </a:rPr>
-              <a:t>    </a:t>
-            </a:r>
-            <a:r>
-              <a:rPr lang="en-US" sz="2800" dirty="0" smtClean="0">
-                <a:solidFill>
-                  <a:srgbClr val="000000"/>
-                </a:solidFill>
-              </a:rPr>
-              <a:t> </a:t>
-            </a:r>
-            <a:r>
-              <a:rPr lang="en-US" sz="2800" dirty="0" smtClean="0">
-                <a:solidFill>
-                  <a:srgbClr val="000000"/>
-                </a:solidFill>
-              </a:rPr>
-              <a:t>allows view attribute information at runtime.</a:t>
-            </a:r>
-          </a:p>
-          <a:p>
-            <a:pPr marL="228578" lvl="0" indent="-228578" defTabSz="914309">
-              <a:lnSpc>
-                <a:spcPct val="90000"/>
-              </a:lnSpc>
-              <a:spcBef>
-                <a:spcPts val="1000"/>
-              </a:spcBef>
-              <a:buClr>
-                <a:schemeClr val="bg2"/>
-              </a:buClr>
-              <a:buFont typeface="Arial" pitchFamily="34" charset="0"/>
-              <a:buChar char="•"/>
-            </a:pPr>
-            <a:endParaRPr lang="en-US" sz="2800" dirty="0" smtClean="0">
-              <a:solidFill>
-                <a:srgbClr val="000000"/>
-              </a:solidFill>
-            </a:endParaRPr>
-          </a:p>
-          <a:p>
-            <a:pPr marL="228578" lvl="0" indent="-228578" defTabSz="914309">
-              <a:lnSpc>
-                <a:spcPct val="90000"/>
-              </a:lnSpc>
-              <a:spcBef>
-                <a:spcPts val="1000"/>
-              </a:spcBef>
-              <a:buClr>
-                <a:schemeClr val="bg2"/>
-              </a:buClr>
-              <a:buFont typeface="Arial" pitchFamily="34" charset="0"/>
-              <a:buChar char="•"/>
-            </a:pPr>
-            <a:r>
-              <a:rPr lang="en-US" sz="2800" dirty="0" smtClean="0">
-                <a:solidFill>
-                  <a:srgbClr val="000000"/>
-                </a:solidFill>
-              </a:rPr>
-              <a:t>    </a:t>
-            </a:r>
-            <a:r>
-              <a:rPr lang="en-US" sz="2800" dirty="0" smtClean="0">
-                <a:solidFill>
-                  <a:srgbClr val="000000"/>
-                </a:solidFill>
-              </a:rPr>
-              <a:t> </a:t>
-            </a:r>
-            <a:r>
-              <a:rPr lang="en-US" sz="2800" dirty="0" smtClean="0">
-                <a:solidFill>
-                  <a:srgbClr val="000000"/>
-                </a:solidFill>
-              </a:rPr>
-              <a:t>allows examining various types in an assembly and instantiate these types.</a:t>
-            </a:r>
-          </a:p>
-          <a:p>
-            <a:pPr marL="228578" lvl="0" indent="-228578" defTabSz="914309">
-              <a:lnSpc>
-                <a:spcPct val="90000"/>
-              </a:lnSpc>
-              <a:spcBef>
-                <a:spcPts val="1000"/>
-              </a:spcBef>
-              <a:buClr>
-                <a:schemeClr val="bg2"/>
-              </a:buClr>
-              <a:buFont typeface="Arial" pitchFamily="34" charset="0"/>
-              <a:buChar char="•"/>
-            </a:pPr>
-            <a:endParaRPr lang="en-US" sz="2800" dirty="0" smtClean="0">
-              <a:solidFill>
-                <a:srgbClr val="000000"/>
-              </a:solidFill>
-            </a:endParaRPr>
-          </a:p>
-          <a:p>
-            <a:pPr marL="228578" lvl="0" indent="-228578" defTabSz="914309">
-              <a:lnSpc>
-                <a:spcPct val="90000"/>
-              </a:lnSpc>
-              <a:spcBef>
-                <a:spcPts val="1000"/>
-              </a:spcBef>
-              <a:buClr>
-                <a:schemeClr val="bg2"/>
-              </a:buClr>
-              <a:buFont typeface="Arial" pitchFamily="34" charset="0"/>
-              <a:buChar char="•"/>
-            </a:pPr>
-            <a:r>
-              <a:rPr lang="en-US" sz="2800" dirty="0" smtClean="0">
-                <a:solidFill>
-                  <a:srgbClr val="000000"/>
-                </a:solidFill>
-              </a:rPr>
-              <a:t>    </a:t>
-            </a:r>
-            <a:r>
-              <a:rPr lang="en-US" sz="2800" dirty="0" smtClean="0">
-                <a:solidFill>
-                  <a:srgbClr val="000000"/>
-                </a:solidFill>
-              </a:rPr>
-              <a:t> </a:t>
-            </a:r>
-            <a:r>
-              <a:rPr lang="en-US" sz="2800" dirty="0" smtClean="0">
-                <a:solidFill>
-                  <a:srgbClr val="000000"/>
-                </a:solidFill>
-              </a:rPr>
-              <a:t>allows late binding to methods and properties</a:t>
-            </a:r>
-          </a:p>
-          <a:p>
-            <a:pPr marL="228578" lvl="0" indent="-228578" defTabSz="914309">
-              <a:lnSpc>
-                <a:spcPct val="90000"/>
-              </a:lnSpc>
-              <a:spcBef>
-                <a:spcPts val="1000"/>
-              </a:spcBef>
-              <a:buClr>
-                <a:schemeClr val="bg2"/>
-              </a:buClr>
-              <a:buFont typeface="Arial" pitchFamily="34" charset="0"/>
-              <a:buChar char="•"/>
-            </a:pPr>
-            <a:endParaRPr lang="en-US" sz="2800" dirty="0" smtClean="0">
-              <a:solidFill>
-                <a:srgbClr val="000000"/>
-              </a:solidFill>
-            </a:endParaRPr>
-          </a:p>
-          <a:p>
-            <a:pPr marL="228578" lvl="0" indent="-228578" defTabSz="914309">
-              <a:lnSpc>
-                <a:spcPct val="90000"/>
-              </a:lnSpc>
-              <a:spcBef>
-                <a:spcPts val="1000"/>
-              </a:spcBef>
-              <a:buClr>
-                <a:schemeClr val="bg2"/>
-              </a:buClr>
-              <a:buFont typeface="Arial" pitchFamily="34" charset="0"/>
-              <a:buChar char="•"/>
-            </a:pPr>
-            <a:r>
-              <a:rPr lang="en-US" sz="2800" dirty="0" smtClean="0">
-                <a:solidFill>
-                  <a:srgbClr val="000000"/>
-                </a:solidFill>
-              </a:rPr>
-              <a:t>    </a:t>
-            </a:r>
-            <a:r>
-              <a:rPr lang="en-US" sz="2800" dirty="0" smtClean="0">
-                <a:solidFill>
-                  <a:srgbClr val="000000"/>
-                </a:solidFill>
-              </a:rPr>
-              <a:t> </a:t>
-            </a:r>
-            <a:r>
-              <a:rPr lang="en-US" sz="2800" dirty="0" smtClean="0">
-                <a:solidFill>
-                  <a:srgbClr val="000000"/>
-                </a:solidFill>
-              </a:rPr>
-              <a:t>allows creating new types at runtime and then performs some tasks using those types.</a:t>
-            </a:r>
-            <a:endParaRPr kumimoji="0" lang="uk-UA" sz="2800" b="0" i="0" u="none" strike="noStrike" kern="1200" cap="none" spc="0" normalizeH="0" baseline="0" noProof="0" dirty="0">
-              <a:ln>
-                <a:noFill/>
-              </a:ln>
-              <a:solidFill>
-                <a:srgbClr val="000000"/>
-              </a:solidFill>
-              <a:effectLst/>
-              <a:uLnTx/>
-              <a:uFillTx/>
-              <a:latin typeface="+mn-lt"/>
-              <a:ea typeface="+mn-ea"/>
-              <a:cs typeface="+mn-cs"/>
-            </a:endParaRPr>
-          </a:p>
-        </p:txBody>
-      </p:sp>
+      </p:pic>
     </p:spTree>
     <p:extLst>
       <p:ext uri="{BB962C8B-B14F-4D97-AF65-F5344CB8AC3E}">
-        <p14:creationId xmlns="" xmlns:p14="http://schemas.microsoft.com/office/powerpoint/2010/main" val="1481341408"/>
+        <p14:creationId xmlns:p14="http://schemas.microsoft.com/office/powerpoint/2010/main" xmlns="" val="36659883"/>
       </p:ext>
     </p:extLst>
   </p:cSld>
@@ -7695,7 +9028,93 @@
       </p:grpSpPr>
       <p:sp>
         <p:nvSpPr>
-          <p:cNvPr id="4" name="Текст 6"/>
+          <p:cNvPr id="6" name="Подзаголовок 5"/>
+          <p:cNvSpPr>
+            <a:spLocks noGrp="1"/>
+          </p:cNvSpPr>
+          <p:nvPr>
+            <p:ph type="subTitle" idx="1"/>
+          </p:nvPr>
+        </p:nvSpPr>
+        <p:spPr>
+          <a:xfrm>
+            <a:off x="463213" y="736980"/>
+            <a:ext cx="7375154" cy="625644"/>
+          </a:xfrm>
+        </p:spPr>
+        <p:txBody>
+          <a:bodyPr/>
+          <a:lstStyle/>
+          <a:p>
+            <a:r>
+              <a:rPr lang="en-US" sz="2000" dirty="0" smtClean="0">
+                <a:solidFill>
+                  <a:srgbClr val="000000"/>
+                </a:solidFill>
+              </a:rPr>
+              <a:t> [</a:t>
+            </a:r>
+            <a:r>
+              <a:rPr lang="en-US" sz="2800" dirty="0" err="1" smtClean="0">
+                <a:solidFill>
+                  <a:srgbClr val="000000"/>
+                </a:solidFill>
+              </a:rPr>
+              <a:t>DebuggerNonUserCode</a:t>
+            </a:r>
+            <a:r>
+              <a:rPr lang="en-US" sz="2000" dirty="0" smtClean="0">
+                <a:solidFill>
+                  <a:srgbClr val="000000"/>
+                </a:solidFill>
+              </a:rPr>
+              <a:t>]</a:t>
+            </a:r>
+            <a:endParaRPr lang="uk-UA" sz="2000" dirty="0"/>
+          </a:p>
+        </p:txBody>
+      </p:sp>
+      <p:pic>
+        <p:nvPicPr>
+          <p:cNvPr id="2051" name="Picture 3"/>
+          <p:cNvPicPr>
+            <a:picLocks noChangeAspect="1" noChangeArrowheads="1"/>
+          </p:cNvPicPr>
+          <p:nvPr/>
+        </p:nvPicPr>
+        <p:blipFill>
+          <a:blip r:embed="rId2"/>
+          <a:srcRect/>
+          <a:stretch>
+            <a:fillRect/>
+          </a:stretch>
+        </p:blipFill>
+        <p:spPr bwMode="auto">
+          <a:xfrm>
+            <a:off x="377803" y="1255428"/>
+            <a:ext cx="5599918" cy="5213610"/>
+          </a:xfrm>
+          <a:prstGeom prst="rect">
+            <a:avLst/>
+          </a:prstGeom>
+          <a:noFill/>
+          <a:ln w="9525">
+            <a:solidFill>
+              <a:schemeClr val="tx1">
+                <a:lumMod val="50000"/>
+                <a:lumOff val="50000"/>
+              </a:schemeClr>
+            </a:solidFill>
+            <a:miter lim="800000"/>
+            <a:headEnd/>
+            <a:tailEnd/>
+          </a:ln>
+          <a:effectLst/>
+        </p:spPr>
+      </p:pic>
+      <p:sp>
+        <p:nvSpPr>
+          <p:cNvPr id="8" name="Подзаголовок 5"/>
           <p:cNvSpPr txBox="1">
             <a:spLocks/>
           </p:cNvSpPr>
@@ -7703,8 +9122,8 @@
         </p:nvSpPr>
         <p:spPr>
           <a:xfrm>
-            <a:off x="244847" y="818867"/>
-            <a:ext cx="8674213" cy="5759354"/>
+            <a:off x="2253344" y="2759123"/>
+            <a:ext cx="7375154" cy="625644"/>
           </a:xfrm>
           <a:prstGeom prst="rect">
             <a:avLst/>
@@ -7712,13 +9131,72 @@
         </p:spPr>
         <p:txBody>
           <a:bodyPr vert="horz" lIns="91440" tIns="45720" rIns="91440" bIns="45720" rtlCol="0">
-            <a:normAutofit fontScale="62500" lnSpcReduction="20000"/>
+            <a:noAutofit/>
           </a:bodyPr>
           <a:lstStyle/>
           <a:p>
-            <a:pPr marL="228578" lvl="0" indent="-228578" defTabSz="914309">
+            <a:pPr marL="0" marR="0" lvl="0" indent="0" algn="l" defTabSz="914400" rtl="0" eaLnBrk="1" fontAlgn="auto" latinLnBrk="0" hangingPunct="1">
               <a:lnSpc>
-                <a:spcPct val="120000"/>
+                <a:spcPct val="90000"/>
+              </a:lnSpc>
+              <a:spcBef>
+                <a:spcPts val="1000"/>
+              </a:spcBef>
+              <a:spcAft>
+                <a:spcPts val="0"/>
+              </a:spcAft>
+              <a:buClr>
+                <a:schemeClr val="bg2"/>
+              </a:buClr>
+              <a:buSzTx/>
+              <a:buFont typeface="Arial" panose="020B0604020202020204" pitchFamily="34" charset="0"/>
+              <a:buNone/>
+              <a:tabLst/>
+              <a:defRPr/>
+            </a:pPr>
+            <a:endParaRPr kumimoji="0" lang="uk-UA" sz="2000" b="0" i="0" u="none" strike="noStrike" kern="1200" cap="none" spc="0" normalizeH="0" baseline="0" noProof="0" dirty="0">
+              <a:ln>
+                <a:noFill/>
+              </a:ln>
+              <a:solidFill>
+                <a:schemeClr val="accent1"/>
+              </a:solidFill>
+              <a:effectLst/>
+              <a:uLnTx/>
+              <a:uFillTx/>
+              <a:latin typeface="+mn-lt"/>
+              <a:ea typeface="+mn-ea"/>
+              <a:cs typeface="+mn-cs"/>
+            </a:endParaRPr>
+          </a:p>
+        </p:txBody>
+      </p:sp>
+      <p:sp>
+        <p:nvSpPr>
+          <p:cNvPr id="9" name="Подзаголовок 5"/>
+          <p:cNvSpPr txBox="1">
+            <a:spLocks/>
+          </p:cNvSpPr>
+          <p:nvPr/>
+        </p:nvSpPr>
+        <p:spPr>
+          <a:xfrm>
+            <a:off x="6088367" y="2499816"/>
+            <a:ext cx="2264064" cy="625644"/>
+          </a:xfrm>
+          <a:prstGeom prst="rect">
+            <a:avLst/>
+          </a:prstGeom>
+        </p:spPr>
+        <p:txBody>
+          <a:bodyPr vert="horz" lIns="91440" tIns="45720" rIns="91440" bIns="45720" rtlCol="0">
+            <a:noAutofit/>
+          </a:bodyPr>
+          <a:lstStyle/>
+          <a:p>
+            <a:pPr lvl="0">
+              <a:lnSpc>
+                <a:spcPct val="90000"/>
               </a:lnSpc>
               <a:spcBef>
                 <a:spcPts val="1000"/>
@@ -7728,585 +9206,154 @@
               </a:buClr>
             </a:pPr>
             <a:r>
-              <a:rPr lang="en-US" sz="2800" dirty="0" smtClean="0">
-                <a:solidFill>
-                  <a:srgbClr val="000000"/>
-                </a:solidFill>
-                <a:latin typeface="Consolas" pitchFamily="49" charset="0"/>
-                <a:cs typeface="Consolas" pitchFamily="49" charset="0"/>
-              </a:rPr>
-              <a:t>using Reflection;</a:t>
-            </a:r>
-          </a:p>
-          <a:p>
-            <a:pPr marL="228578" lvl="0" indent="-228578" defTabSz="914309">
+              <a:rPr lang="en-US" sz="2000" dirty="0" smtClean="0"/>
+              <a:t>[</a:t>
+            </a:r>
+            <a:r>
+              <a:rPr lang="en-US" sz="2000" dirty="0" err="1" smtClean="0"/>
+              <a:t>DebuggerHidden</a:t>
+            </a:r>
+            <a:r>
+              <a:rPr lang="en-US" sz="2000" dirty="0" smtClean="0"/>
+              <a:t>]</a:t>
+            </a:r>
+            <a:endParaRPr kumimoji="0" lang="uk-UA" sz="2000" b="0" i="0" u="none" strike="noStrike" kern="1200" cap="none" spc="0" normalizeH="0" baseline="0" noProof="0" dirty="0">
+              <a:ln>
+                <a:noFill/>
+              </a:ln>
+              <a:solidFill>
+                <a:schemeClr val="accent1"/>
+              </a:solidFill>
+              <a:effectLst/>
+              <a:uLnTx/>
+              <a:uFillTx/>
+              <a:latin typeface="+mn-lt"/>
+              <a:ea typeface="+mn-ea"/>
+              <a:cs typeface="+mn-cs"/>
+            </a:endParaRPr>
+          </a:p>
+        </p:txBody>
+      </p:sp>
+      <p:sp>
+        <p:nvSpPr>
+          <p:cNvPr id="10" name="Подзаголовок 5"/>
+          <p:cNvSpPr txBox="1">
+            <a:spLocks/>
+          </p:cNvSpPr>
+          <p:nvPr/>
+        </p:nvSpPr>
+        <p:spPr>
+          <a:xfrm>
+            <a:off x="877195" y="2802342"/>
+            <a:ext cx="7375154" cy="625644"/>
+          </a:xfrm>
+          <a:prstGeom prst="rect">
+            <a:avLst/>
+          </a:prstGeom>
+        </p:spPr>
+        <p:txBody>
+          <a:bodyPr vert="horz" lIns="91440" tIns="45720" rIns="91440" bIns="45720" rtlCol="0">
+            <a:noAutofit/>
+          </a:bodyPr>
+          <a:lstStyle/>
+          <a:p>
+            <a:pPr marL="0" marR="0" lvl="0" indent="0" algn="l" defTabSz="914400" rtl="0" eaLnBrk="1" fontAlgn="auto" latinLnBrk="0" hangingPunct="1">
               <a:lnSpc>
-                <a:spcPct val="120000"/>
+                <a:spcPct val="90000"/>
               </a:lnSpc>
               <a:spcBef>
                 <a:spcPts val="1000"/>
               </a:spcBef>
+              <a:spcAft>
+                <a:spcPts val="0"/>
+              </a:spcAft>
               <a:buClr>
                 <a:schemeClr val="bg2"/>
               </a:buClr>
+              <a:buSzTx/>
+              <a:buFont typeface="Arial" panose="020B0604020202020204" pitchFamily="34" charset="0"/>
+              <a:buNone/>
+              <a:tabLst/>
+              <a:defRPr/>
             </a:pPr>
             <a:r>
-              <a:rPr lang="en-US" sz="2800" dirty="0" smtClean="0">
+              <a:rPr kumimoji="0" lang="en-US" sz="2000" b="0" i="0" u="none" strike="noStrike" kern="1200" cap="none" spc="0" normalizeH="0" baseline="0" noProof="0" dirty="0" smtClean="0">
+                <a:ln>
+                  <a:noFill/>
+                </a:ln>
                 <a:solidFill>
                   <a:srgbClr val="000000"/>
                 </a:solidFill>
-                <a:latin typeface="Consolas" pitchFamily="49" charset="0"/>
-                <a:cs typeface="Consolas" pitchFamily="49" charset="0"/>
-              </a:rPr>
-              <a:t>class </a:t>
-            </a:r>
-            <a:r>
-              <a:rPr lang="en-US" sz="2800" dirty="0" smtClean="0">
-                <a:solidFill>
-                  <a:srgbClr val="000000"/>
-                </a:solidFill>
-                <a:latin typeface="Consolas" pitchFamily="49" charset="0"/>
-                <a:cs typeface="Consolas" pitchFamily="49" charset="0"/>
-              </a:rPr>
-              <a:t>Program</a:t>
-            </a:r>
-          </a:p>
-          <a:p>
-            <a:pPr marL="228578" lvl="0" indent="-228578" defTabSz="914309">
-              <a:lnSpc>
-                <a:spcPct val="120000"/>
-              </a:lnSpc>
-              <a:spcBef>
-                <a:spcPts val="1000"/>
-              </a:spcBef>
-              <a:buClr>
-                <a:schemeClr val="bg2"/>
-              </a:buClr>
-            </a:pPr>
-            <a:r>
-              <a:rPr lang="en-US" sz="2800" dirty="0" smtClean="0">
-                <a:solidFill>
-                  <a:srgbClr val="000000"/>
-                </a:solidFill>
-                <a:latin typeface="Consolas" pitchFamily="49" charset="0"/>
-                <a:cs typeface="Consolas" pitchFamily="49" charset="0"/>
-              </a:rPr>
-              <a:t>   {</a:t>
-            </a:r>
-          </a:p>
-          <a:p>
-            <a:pPr marL="228578" lvl="0" indent="-228578" defTabSz="914309">
-              <a:lnSpc>
-                <a:spcPct val="120000"/>
-              </a:lnSpc>
-              <a:spcBef>
-                <a:spcPts val="1000"/>
-              </a:spcBef>
-              <a:buClr>
-                <a:schemeClr val="bg2"/>
-              </a:buClr>
-            </a:pPr>
-            <a:r>
-              <a:rPr lang="en-US" sz="2800" dirty="0" smtClean="0">
-                <a:solidFill>
-                  <a:srgbClr val="000000"/>
-                </a:solidFill>
-                <a:latin typeface="Consolas" pitchFamily="49" charset="0"/>
-                <a:cs typeface="Consolas" pitchFamily="49" charset="0"/>
-              </a:rPr>
-              <a:t>      static void Main(string[] </a:t>
-            </a:r>
-            <a:r>
-              <a:rPr lang="en-US" sz="2800" dirty="0" err="1" smtClean="0">
-                <a:solidFill>
-                  <a:srgbClr val="000000"/>
-                </a:solidFill>
-                <a:latin typeface="Consolas" pitchFamily="49" charset="0"/>
-                <a:cs typeface="Consolas" pitchFamily="49" charset="0"/>
-              </a:rPr>
-              <a:t>args</a:t>
-            </a:r>
-            <a:r>
-              <a:rPr lang="en-US" sz="2800" dirty="0" smtClean="0">
-                <a:solidFill>
-                  <a:srgbClr val="000000"/>
-                </a:solidFill>
-                <a:latin typeface="Consolas" pitchFamily="49" charset="0"/>
-                <a:cs typeface="Consolas" pitchFamily="49" charset="0"/>
-              </a:rPr>
-              <a:t>)</a:t>
-            </a:r>
-          </a:p>
-          <a:p>
-            <a:pPr marL="228578" lvl="0" indent="-228578" defTabSz="914309">
-              <a:lnSpc>
-                <a:spcPct val="120000"/>
-              </a:lnSpc>
-              <a:spcBef>
-                <a:spcPts val="1000"/>
-              </a:spcBef>
-              <a:buClr>
-                <a:schemeClr val="bg2"/>
-              </a:buClr>
-            </a:pPr>
-            <a:r>
-              <a:rPr lang="en-US" sz="2800" dirty="0" smtClean="0">
-                <a:solidFill>
-                  <a:srgbClr val="000000"/>
-                </a:solidFill>
-                <a:latin typeface="Consolas" pitchFamily="49" charset="0"/>
-                <a:cs typeface="Consolas" pitchFamily="49" charset="0"/>
-              </a:rPr>
-              <a:t>      {</a:t>
-            </a:r>
-          </a:p>
-          <a:p>
-            <a:pPr marL="228578" lvl="0" indent="-228578" defTabSz="914309">
-              <a:lnSpc>
-                <a:spcPct val="120000"/>
-              </a:lnSpc>
-              <a:spcBef>
-                <a:spcPts val="1000"/>
-              </a:spcBef>
-              <a:buClr>
-                <a:schemeClr val="bg2"/>
-              </a:buClr>
-            </a:pPr>
-            <a:r>
-              <a:rPr lang="en-US" sz="2800" dirty="0" smtClean="0">
-                <a:solidFill>
-                  <a:srgbClr val="000000"/>
-                </a:solidFill>
-                <a:latin typeface="Consolas" pitchFamily="49" charset="0"/>
-                <a:cs typeface="Consolas" pitchFamily="49" charset="0"/>
-              </a:rPr>
-              <a:t>         </a:t>
-            </a:r>
-            <a:r>
-              <a:rPr lang="en-US" sz="2800" dirty="0" err="1" smtClean="0">
-                <a:solidFill>
-                  <a:srgbClr val="000000"/>
-                </a:solidFill>
-                <a:latin typeface="Consolas" pitchFamily="49" charset="0"/>
-                <a:cs typeface="Consolas" pitchFamily="49" charset="0"/>
-              </a:rPr>
-              <a:t>System.Reflection.MemberInfo</a:t>
-            </a:r>
-            <a:r>
-              <a:rPr lang="en-US" sz="2800" dirty="0" smtClean="0">
-                <a:solidFill>
-                  <a:srgbClr val="000000"/>
-                </a:solidFill>
-                <a:latin typeface="Consolas" pitchFamily="49" charset="0"/>
-                <a:cs typeface="Consolas" pitchFamily="49" charset="0"/>
-              </a:rPr>
-              <a:t> info = </a:t>
-            </a:r>
-            <a:r>
-              <a:rPr lang="en-US" sz="2800" dirty="0" err="1" smtClean="0">
-                <a:solidFill>
-                  <a:srgbClr val="000000"/>
-                </a:solidFill>
-                <a:latin typeface="Consolas" pitchFamily="49" charset="0"/>
-                <a:cs typeface="Consolas" pitchFamily="49" charset="0"/>
-              </a:rPr>
-              <a:t>typeof</a:t>
-            </a:r>
-            <a:r>
-              <a:rPr lang="en-US" sz="2800" dirty="0" smtClean="0">
-                <a:solidFill>
-                  <a:srgbClr val="000000"/>
-                </a:solidFill>
-                <a:latin typeface="Consolas" pitchFamily="49" charset="0"/>
-                <a:cs typeface="Consolas" pitchFamily="49" charset="0"/>
-              </a:rPr>
-              <a:t>(</a:t>
-            </a:r>
-            <a:r>
-              <a:rPr lang="en-US" sz="2800" dirty="0" err="1" smtClean="0">
-                <a:solidFill>
-                  <a:srgbClr val="000000"/>
-                </a:solidFill>
-                <a:latin typeface="Consolas" pitchFamily="49" charset="0"/>
-                <a:cs typeface="Consolas" pitchFamily="49" charset="0"/>
-              </a:rPr>
-              <a:t>MyClass</a:t>
-            </a:r>
-            <a:r>
-              <a:rPr lang="en-US" sz="2800" dirty="0" smtClean="0">
-                <a:solidFill>
-                  <a:srgbClr val="000000"/>
-                </a:solidFill>
-                <a:latin typeface="Consolas" pitchFamily="49" charset="0"/>
-                <a:cs typeface="Consolas" pitchFamily="49" charset="0"/>
-              </a:rPr>
-              <a:t>);</a:t>
-            </a:r>
-          </a:p>
-          <a:p>
-            <a:pPr marL="228578" lvl="0" indent="-228578" defTabSz="914309">
-              <a:lnSpc>
-                <a:spcPct val="120000"/>
-              </a:lnSpc>
-              <a:spcBef>
-                <a:spcPts val="1000"/>
-              </a:spcBef>
-              <a:buClr>
-                <a:schemeClr val="bg2"/>
-              </a:buClr>
-            </a:pPr>
-            <a:r>
-              <a:rPr lang="en-US" sz="2800" dirty="0" smtClean="0">
-                <a:solidFill>
-                  <a:srgbClr val="000000"/>
-                </a:solidFill>
-                <a:latin typeface="Consolas" pitchFamily="49" charset="0"/>
-                <a:cs typeface="Consolas" pitchFamily="49" charset="0"/>
-              </a:rPr>
-              <a:t>         object[] attributes = </a:t>
-            </a:r>
-            <a:r>
-              <a:rPr lang="en-US" sz="2800" dirty="0" err="1" smtClean="0">
-                <a:solidFill>
-                  <a:srgbClr val="000000"/>
-                </a:solidFill>
-                <a:latin typeface="Consolas" pitchFamily="49" charset="0"/>
-                <a:cs typeface="Consolas" pitchFamily="49" charset="0"/>
-              </a:rPr>
-              <a:t>info.GetCustomAttributes</a:t>
-            </a:r>
-            <a:r>
-              <a:rPr lang="en-US" sz="2800" dirty="0" smtClean="0">
-                <a:solidFill>
-                  <a:srgbClr val="000000"/>
-                </a:solidFill>
-                <a:latin typeface="Consolas" pitchFamily="49" charset="0"/>
-                <a:cs typeface="Consolas" pitchFamily="49" charset="0"/>
-              </a:rPr>
-              <a:t>(true);</a:t>
-            </a:r>
-          </a:p>
-          <a:p>
-            <a:pPr marL="228578" lvl="0" indent="-228578" defTabSz="914309">
-              <a:lnSpc>
-                <a:spcPct val="120000"/>
-              </a:lnSpc>
-              <a:spcBef>
-                <a:spcPts val="1000"/>
-              </a:spcBef>
-              <a:buClr>
-                <a:schemeClr val="bg2"/>
-              </a:buClr>
-            </a:pPr>
-            <a:r>
-              <a:rPr lang="en-US" sz="2800" dirty="0" smtClean="0">
-                <a:solidFill>
-                  <a:srgbClr val="000000"/>
-                </a:solidFill>
-                <a:latin typeface="Consolas" pitchFamily="49" charset="0"/>
-                <a:cs typeface="Consolas" pitchFamily="49" charset="0"/>
-              </a:rPr>
-              <a:t>         for (</a:t>
-            </a:r>
-            <a:r>
-              <a:rPr lang="en-US" sz="2800" dirty="0" err="1" smtClean="0">
-                <a:solidFill>
-                  <a:srgbClr val="000000"/>
-                </a:solidFill>
-                <a:latin typeface="Consolas" pitchFamily="49" charset="0"/>
-                <a:cs typeface="Consolas" pitchFamily="49" charset="0"/>
-              </a:rPr>
-              <a:t>int</a:t>
-            </a:r>
-            <a:r>
-              <a:rPr lang="en-US" sz="2800" dirty="0" smtClean="0">
-                <a:solidFill>
-                  <a:srgbClr val="000000"/>
-                </a:solidFill>
-                <a:latin typeface="Consolas" pitchFamily="49" charset="0"/>
-                <a:cs typeface="Consolas" pitchFamily="49" charset="0"/>
+                <a:effectLst/>
+                <a:uLnTx/>
+                <a:uFillTx/>
+                <a:latin typeface="+mn-lt"/>
+                <a:ea typeface="+mn-ea"/>
+                <a:cs typeface="+mn-cs"/>
               </a:rPr>
               <a:t> </a:t>
             </a:r>
-            <a:r>
-              <a:rPr lang="en-US" sz="2800" dirty="0" err="1" smtClean="0">
-                <a:solidFill>
-                  <a:srgbClr val="000000"/>
-                </a:solidFill>
-                <a:latin typeface="Consolas" pitchFamily="49" charset="0"/>
-                <a:cs typeface="Consolas" pitchFamily="49" charset="0"/>
-              </a:rPr>
-              <a:t>i</a:t>
-            </a:r>
-            <a:r>
-              <a:rPr lang="en-US" sz="2800" dirty="0" smtClean="0">
-                <a:solidFill>
-                  <a:srgbClr val="000000"/>
-                </a:solidFill>
-                <a:latin typeface="Consolas" pitchFamily="49" charset="0"/>
-                <a:cs typeface="Consolas" pitchFamily="49" charset="0"/>
-              </a:rPr>
-              <a:t> = 0; </a:t>
-            </a:r>
-            <a:r>
-              <a:rPr lang="en-US" sz="2800" dirty="0" err="1" smtClean="0">
-                <a:solidFill>
-                  <a:srgbClr val="000000"/>
-                </a:solidFill>
-                <a:latin typeface="Consolas" pitchFamily="49" charset="0"/>
-                <a:cs typeface="Consolas" pitchFamily="49" charset="0"/>
-              </a:rPr>
-              <a:t>i</a:t>
-            </a:r>
-            <a:r>
-              <a:rPr lang="en-US" sz="2800" dirty="0" smtClean="0">
-                <a:solidFill>
-                  <a:srgbClr val="000000"/>
-                </a:solidFill>
-                <a:latin typeface="Consolas" pitchFamily="49" charset="0"/>
-                <a:cs typeface="Consolas" pitchFamily="49" charset="0"/>
-              </a:rPr>
-              <a:t> &lt; </a:t>
-            </a:r>
-            <a:r>
-              <a:rPr lang="en-US" sz="2800" dirty="0" err="1" smtClean="0">
-                <a:solidFill>
-                  <a:srgbClr val="000000"/>
-                </a:solidFill>
-                <a:latin typeface="Consolas" pitchFamily="49" charset="0"/>
-                <a:cs typeface="Consolas" pitchFamily="49" charset="0"/>
-              </a:rPr>
-              <a:t>attributes.Length</a:t>
-            </a:r>
-            <a:r>
-              <a:rPr lang="en-US" sz="2800" dirty="0" smtClean="0">
-                <a:solidFill>
-                  <a:srgbClr val="000000"/>
-                </a:solidFill>
-                <a:latin typeface="Consolas" pitchFamily="49" charset="0"/>
-                <a:cs typeface="Consolas" pitchFamily="49" charset="0"/>
-              </a:rPr>
-              <a:t>; </a:t>
-            </a:r>
-            <a:r>
-              <a:rPr lang="en-US" sz="2800" dirty="0" err="1" smtClean="0">
-                <a:solidFill>
-                  <a:srgbClr val="000000"/>
-                </a:solidFill>
-                <a:latin typeface="Consolas" pitchFamily="49" charset="0"/>
-                <a:cs typeface="Consolas" pitchFamily="49" charset="0"/>
-              </a:rPr>
-              <a:t>i</a:t>
-            </a:r>
-            <a:r>
-              <a:rPr lang="en-US" sz="2800" dirty="0" smtClean="0">
-                <a:solidFill>
-                  <a:srgbClr val="000000"/>
-                </a:solidFill>
-                <a:latin typeface="Consolas" pitchFamily="49" charset="0"/>
-                <a:cs typeface="Consolas" pitchFamily="49" charset="0"/>
-              </a:rPr>
-              <a:t>++)</a:t>
-            </a:r>
-          </a:p>
-          <a:p>
-            <a:pPr marL="228578" lvl="0" indent="-228578" defTabSz="914309">
-              <a:lnSpc>
-                <a:spcPct val="120000"/>
-              </a:lnSpc>
-              <a:spcBef>
-                <a:spcPts val="1000"/>
-              </a:spcBef>
-              <a:buClr>
-                <a:schemeClr val="bg2"/>
-              </a:buClr>
-            </a:pPr>
-            <a:r>
-              <a:rPr lang="en-US" sz="2800" dirty="0" smtClean="0">
-                <a:solidFill>
-                  <a:srgbClr val="000000"/>
-                </a:solidFill>
-                <a:latin typeface="Consolas" pitchFamily="49" charset="0"/>
-                <a:cs typeface="Consolas" pitchFamily="49" charset="0"/>
-              </a:rPr>
-              <a:t>         {</a:t>
-            </a:r>
-          </a:p>
-          <a:p>
-            <a:pPr marL="228578" lvl="0" indent="-228578" defTabSz="914309">
-              <a:lnSpc>
-                <a:spcPct val="120000"/>
-              </a:lnSpc>
-              <a:spcBef>
-                <a:spcPts val="1000"/>
-              </a:spcBef>
-              <a:buClr>
-                <a:schemeClr val="bg2"/>
-              </a:buClr>
-            </a:pPr>
-            <a:r>
-              <a:rPr lang="en-US" sz="2800" dirty="0" smtClean="0">
-                <a:solidFill>
-                  <a:srgbClr val="000000"/>
-                </a:solidFill>
-                <a:latin typeface="Consolas" pitchFamily="49" charset="0"/>
-                <a:cs typeface="Consolas" pitchFamily="49" charset="0"/>
-              </a:rPr>
-              <a:t>            </a:t>
-            </a:r>
-            <a:r>
-              <a:rPr lang="en-US" sz="2800" dirty="0" err="1" smtClean="0">
-                <a:solidFill>
-                  <a:srgbClr val="000000"/>
-                </a:solidFill>
-                <a:latin typeface="Consolas" pitchFamily="49" charset="0"/>
-                <a:cs typeface="Consolas" pitchFamily="49" charset="0"/>
-              </a:rPr>
-              <a:t>Console.WriteLine</a:t>
-            </a:r>
-            <a:r>
-              <a:rPr lang="en-US" sz="2800" dirty="0" smtClean="0">
-                <a:solidFill>
-                  <a:srgbClr val="000000"/>
-                </a:solidFill>
-                <a:latin typeface="Consolas" pitchFamily="49" charset="0"/>
-                <a:cs typeface="Consolas" pitchFamily="49" charset="0"/>
-              </a:rPr>
-              <a:t>(attributes[</a:t>
-            </a:r>
-            <a:r>
-              <a:rPr lang="en-US" sz="2800" dirty="0" err="1" smtClean="0">
-                <a:solidFill>
-                  <a:srgbClr val="000000"/>
-                </a:solidFill>
-                <a:latin typeface="Consolas" pitchFamily="49" charset="0"/>
-                <a:cs typeface="Consolas" pitchFamily="49" charset="0"/>
-              </a:rPr>
-              <a:t>i</a:t>
-            </a:r>
-            <a:r>
-              <a:rPr lang="en-US" sz="2800" dirty="0" smtClean="0">
-                <a:solidFill>
-                  <a:srgbClr val="000000"/>
-                </a:solidFill>
-                <a:latin typeface="Consolas" pitchFamily="49" charset="0"/>
-                <a:cs typeface="Consolas" pitchFamily="49" charset="0"/>
-              </a:rPr>
-              <a:t>]);</a:t>
-            </a:r>
-          </a:p>
-          <a:p>
-            <a:pPr marL="228578" lvl="0" indent="-228578" defTabSz="914309">
-              <a:lnSpc>
-                <a:spcPct val="120000"/>
-              </a:lnSpc>
-              <a:spcBef>
-                <a:spcPts val="1000"/>
-              </a:spcBef>
-              <a:buClr>
-                <a:schemeClr val="bg2"/>
-              </a:buClr>
-            </a:pPr>
-            <a:r>
-              <a:rPr lang="en-US" sz="2800" dirty="0" smtClean="0">
-                <a:solidFill>
-                  <a:srgbClr val="000000"/>
-                </a:solidFill>
-                <a:latin typeface="Consolas" pitchFamily="49" charset="0"/>
-                <a:cs typeface="Consolas" pitchFamily="49" charset="0"/>
-              </a:rPr>
-              <a:t>         </a:t>
-            </a:r>
-            <a:r>
-              <a:rPr lang="en-US" sz="2800" dirty="0" smtClean="0">
-                <a:solidFill>
-                  <a:srgbClr val="000000"/>
-                </a:solidFill>
-                <a:latin typeface="Consolas" pitchFamily="49" charset="0"/>
-                <a:cs typeface="Consolas" pitchFamily="49" charset="0"/>
-              </a:rPr>
-              <a:t>}       </a:t>
-            </a:r>
-            <a:endParaRPr lang="en-US" sz="2800" dirty="0" smtClean="0">
-              <a:solidFill>
-                <a:srgbClr val="000000"/>
-              </a:solidFill>
-              <a:latin typeface="Consolas" pitchFamily="49" charset="0"/>
-              <a:cs typeface="Consolas" pitchFamily="49" charset="0"/>
-            </a:endParaRPr>
-          </a:p>
-          <a:p>
-            <a:pPr marL="228578" lvl="0" indent="-228578" defTabSz="914309">
-              <a:lnSpc>
-                <a:spcPct val="120000"/>
-              </a:lnSpc>
-              <a:spcBef>
-                <a:spcPts val="1000"/>
-              </a:spcBef>
-              <a:buClr>
-                <a:schemeClr val="bg2"/>
-              </a:buClr>
-            </a:pPr>
-            <a:r>
-              <a:rPr lang="en-US" sz="2800" dirty="0" smtClean="0">
-                <a:solidFill>
-                  <a:srgbClr val="000000"/>
-                </a:solidFill>
-                <a:latin typeface="Consolas" pitchFamily="49" charset="0"/>
-                <a:cs typeface="Consolas" pitchFamily="49" charset="0"/>
-              </a:rPr>
-              <a:t>	     }</a:t>
-            </a:r>
-            <a:endParaRPr lang="en-US" sz="2800" dirty="0" smtClean="0">
-              <a:solidFill>
-                <a:srgbClr val="000000"/>
-              </a:solidFill>
-              <a:latin typeface="Consolas" pitchFamily="49" charset="0"/>
-              <a:cs typeface="Consolas" pitchFamily="49" charset="0"/>
-            </a:endParaRPr>
-          </a:p>
-          <a:p>
-            <a:pPr marL="228578" lvl="0" indent="-228578" defTabSz="914309">
-              <a:lnSpc>
-                <a:spcPct val="120000"/>
-              </a:lnSpc>
-              <a:spcBef>
-                <a:spcPts val="1000"/>
-              </a:spcBef>
-              <a:buClr>
-                <a:schemeClr val="bg2"/>
-              </a:buClr>
-            </a:pPr>
-            <a:r>
-              <a:rPr lang="en-US" sz="2800" dirty="0" smtClean="0">
-                <a:solidFill>
-                  <a:srgbClr val="000000"/>
-                </a:solidFill>
-                <a:latin typeface="Consolas" pitchFamily="49" charset="0"/>
-                <a:cs typeface="Consolas" pitchFamily="49" charset="0"/>
-              </a:rPr>
-              <a:t>   }</a:t>
-            </a:r>
-            <a:endParaRPr kumimoji="0" lang="uk-UA" sz="2800" b="0" i="0" u="none" strike="noStrike" kern="1200" cap="none" spc="0" normalizeH="0" baseline="0" noProof="0" dirty="0">
+            <a:endParaRPr kumimoji="0" lang="uk-UA" sz="2000" b="0" i="0" u="none" strike="noStrike" kern="1200" cap="none" spc="0" normalizeH="0" baseline="0" noProof="0" dirty="0">
               <a:ln>
                 <a:noFill/>
               </a:ln>
               <a:solidFill>
-                <a:srgbClr val="000000"/>
+                <a:schemeClr val="accent1"/>
               </a:solidFill>
               <a:effectLst/>
               <a:uLnTx/>
               <a:uFillTx/>
-              <a:latin typeface="Consolas" pitchFamily="49" charset="0"/>
-              <a:cs typeface="Consolas" pitchFamily="49" charset="0"/>
+              <a:latin typeface="+mn-lt"/>
+              <a:ea typeface="+mn-ea"/>
+              <a:cs typeface="+mn-cs"/>
             </a:endParaRPr>
+          </a:p>
+        </p:txBody>
+      </p:sp>
+      <p:sp>
+        <p:nvSpPr>
+          <p:cNvPr id="11" name="Прямоугольник 10"/>
+          <p:cNvSpPr/>
+          <p:nvPr/>
+        </p:nvSpPr>
+        <p:spPr>
+          <a:xfrm>
+            <a:off x="6055635" y="2084275"/>
+            <a:ext cx="2668166" cy="369332"/>
+          </a:xfrm>
+          <a:prstGeom prst="rect">
+            <a:avLst/>
+          </a:prstGeom>
+          <a:solidFill>
+            <a:schemeClr val="bg1"/>
+          </a:solidFill>
+        </p:spPr>
+        <p:txBody>
+          <a:bodyPr wrap="none">
+            <a:spAutoFit/>
+          </a:bodyPr>
+          <a:lstStyle/>
+          <a:p>
+            <a:r>
+              <a:rPr lang="en-US" dirty="0" smtClean="0"/>
+              <a:t>[</a:t>
+            </a:r>
+            <a:r>
+              <a:rPr lang="en-US" dirty="0" err="1" smtClean="0"/>
+              <a:t>DebuggerStepThrough</a:t>
+            </a:r>
+            <a:r>
+              <a:rPr lang="en-US" dirty="0" smtClean="0"/>
+              <a:t>]</a:t>
+            </a:r>
+            <a:endParaRPr lang="uk-UA" dirty="0"/>
           </a:p>
         </p:txBody>
       </p:sp>
     </p:spTree>
     <p:extLst>
       <p:ext uri="{BB962C8B-B14F-4D97-AF65-F5344CB8AC3E}">
-        <p14:creationId xmlns="" xmlns:p14="http://schemas.microsoft.com/office/powerpoint/2010/main" val="3436899123"/>
+        <p14:creationId xmlns:p14="http://schemas.microsoft.com/office/powerpoint/2010/main" xmlns="" val="36659883"/>
       </p:ext>
     </p:extLst>
   </p:cSld>
@@ -8342,472 +9389,157 @@
       </p:grpSpPr>
       <p:sp>
         <p:nvSpPr>
-          <p:cNvPr id="5" name="Текст 6"/>
-          <p:cNvSpPr txBox="1">
-            <a:spLocks/>
+          <p:cNvPr id="6" name="Подзаголовок 5"/>
+          <p:cNvSpPr>
+            <a:spLocks noGrp="1"/>
           </p:cNvSpPr>
+          <p:nvPr>
+            <p:ph type="subTitle" idx="1"/>
+          </p:nvPr>
+        </p:nvSpPr>
+        <p:spPr/>
+        <p:txBody>
+          <a:bodyPr/>
+          <a:lstStyle/>
+          <a:p>
+            <a:r>
+              <a:rPr lang="en-US" dirty="0" smtClean="0"/>
+              <a:t>[</a:t>
+            </a:r>
+            <a:r>
+              <a:rPr lang="en-US" dirty="0" err="1" smtClean="0"/>
+              <a:t>ThreadStatic</a:t>
+            </a:r>
+            <a:r>
+              <a:rPr lang="en-US" dirty="0" smtClean="0"/>
+              <a:t>]</a:t>
+            </a:r>
+          </a:p>
+          <a:p>
+            <a:endParaRPr lang="uk-UA" dirty="0"/>
+          </a:p>
+        </p:txBody>
+      </p:sp>
+      <p:pic>
+        <p:nvPicPr>
+          <p:cNvPr id="3074" name="Picture 2"/>
+          <p:cNvPicPr>
+            <a:picLocks noChangeAspect="1" noChangeArrowheads="1"/>
+          </p:cNvPicPr>
           <p:nvPr/>
-        </p:nvSpPr>
-        <p:spPr>
+        </p:nvPicPr>
+        <p:blipFill>
+          <a:blip r:embed="rId2"/>
+          <a:srcRect/>
+          <a:stretch>
+            <a:fillRect/>
+          </a:stretch>
+        </p:blipFill>
+        <p:spPr bwMode="auto">
           <a:xfrm>
-            <a:off x="272143" y="832513"/>
-            <a:ext cx="8674213" cy="5392501"/>
+            <a:off x="199385" y="1501300"/>
+            <a:ext cx="6710096" cy="3848621"/>
           </a:xfrm>
           <a:prstGeom prst="rect">
             <a:avLst/>
           </a:prstGeom>
+          <a:noFill/>
+          <a:ln w="9525">
+            <a:solidFill>
+              <a:schemeClr val="tx1"/>
+            </a:solidFill>
+            <a:miter lim="800000"/>
+            <a:headEnd/>
+            <a:tailEnd/>
+          </a:ln>
+          <a:effectLst/>
         </p:spPr>
-        <p:txBody>
-          <a:bodyPr vert="horz" lIns="91440" tIns="45720" rIns="91440" bIns="45720" rtlCol="0">
-            <a:noAutofit/>
-          </a:bodyPr>
-          <a:lstStyle/>
-          <a:p>
-            <a:r>
-              <a:rPr lang="en-US" sz="2000" dirty="0" smtClean="0">
-                <a:solidFill>
-                  <a:srgbClr val="000000"/>
-                </a:solidFill>
-                <a:latin typeface="Consolas" pitchFamily="49" charset="0"/>
-                <a:cs typeface="Consolas" pitchFamily="49" charset="0"/>
-              </a:rPr>
-              <a:t>class </a:t>
-            </a:r>
-            <a:r>
-              <a:rPr lang="en-US" sz="2000" dirty="0" err="1" smtClean="0">
-                <a:solidFill>
-                  <a:srgbClr val="000000"/>
-                </a:solidFill>
-                <a:latin typeface="Consolas" pitchFamily="49" charset="0"/>
-                <a:cs typeface="Consolas" pitchFamily="49" charset="0"/>
-              </a:rPr>
-              <a:t>SomeClass</a:t>
-            </a:r>
-            <a:endParaRPr lang="en-US" sz="2000" dirty="0" smtClean="0">
-              <a:solidFill>
-                <a:srgbClr val="000000"/>
-              </a:solidFill>
-              <a:latin typeface="Consolas" pitchFamily="49" charset="0"/>
-              <a:cs typeface="Consolas" pitchFamily="49" charset="0"/>
-            </a:endParaRPr>
-          </a:p>
-          <a:p>
-            <a:r>
-              <a:rPr lang="en-US" sz="2000" dirty="0" smtClean="0">
-                <a:solidFill>
-                  <a:srgbClr val="000000"/>
-                </a:solidFill>
-                <a:latin typeface="Consolas" pitchFamily="49" charset="0"/>
-                <a:cs typeface="Consolas" pitchFamily="49" charset="0"/>
-              </a:rPr>
-              <a:t>{}</a:t>
-            </a:r>
-          </a:p>
-          <a:p>
-            <a:endParaRPr lang="en-US" sz="2000" dirty="0" smtClean="0">
-              <a:solidFill>
-                <a:srgbClr val="000000"/>
-              </a:solidFill>
-              <a:latin typeface="Consolas" pitchFamily="49" charset="0"/>
-              <a:cs typeface="Consolas" pitchFamily="49" charset="0"/>
-            </a:endParaRPr>
-          </a:p>
-          <a:p>
-            <a:r>
-              <a:rPr lang="en-US" sz="2000" dirty="0" smtClean="0">
-                <a:solidFill>
-                  <a:srgbClr val="000000"/>
-                </a:solidFill>
-                <a:latin typeface="Consolas" pitchFamily="49" charset="0"/>
-                <a:cs typeface="Consolas" pitchFamily="49" charset="0"/>
-              </a:rPr>
-              <a:t>class Program</a:t>
-            </a:r>
-          </a:p>
-          <a:p>
-            <a:r>
-              <a:rPr lang="uk-UA" sz="2000" dirty="0" smtClean="0">
-                <a:solidFill>
-                  <a:srgbClr val="000000"/>
-                </a:solidFill>
-                <a:latin typeface="Consolas" pitchFamily="49" charset="0"/>
-                <a:cs typeface="Consolas" pitchFamily="49" charset="0"/>
-              </a:rPr>
-              <a:t>    {</a:t>
-            </a:r>
-          </a:p>
-          <a:p>
-            <a:r>
-              <a:rPr lang="en-US" sz="2000" dirty="0" smtClean="0">
-                <a:solidFill>
-                  <a:srgbClr val="000000"/>
-                </a:solidFill>
-                <a:latin typeface="Consolas" pitchFamily="49" charset="0"/>
-                <a:cs typeface="Consolas" pitchFamily="49" charset="0"/>
-              </a:rPr>
-              <a:t>        static void Main()</a:t>
-            </a:r>
-          </a:p>
-          <a:p>
-            <a:r>
-              <a:rPr lang="uk-UA" sz="2000" dirty="0" smtClean="0">
-                <a:solidFill>
-                  <a:srgbClr val="000000"/>
-                </a:solidFill>
-                <a:latin typeface="Consolas" pitchFamily="49" charset="0"/>
-                <a:cs typeface="Consolas" pitchFamily="49" charset="0"/>
-              </a:rPr>
-              <a:t>        </a:t>
-            </a:r>
-            <a:r>
-              <a:rPr lang="uk-UA" sz="2000" dirty="0" smtClean="0">
-                <a:solidFill>
-                  <a:srgbClr val="000000"/>
-                </a:solidFill>
-                <a:latin typeface="Consolas" pitchFamily="49" charset="0"/>
-                <a:cs typeface="Consolas" pitchFamily="49" charset="0"/>
-              </a:rPr>
-              <a:t>{</a:t>
-            </a:r>
-            <a:endParaRPr lang="uk-UA" sz="2000" dirty="0" smtClean="0">
-              <a:solidFill>
-                <a:srgbClr val="000000"/>
-              </a:solidFill>
-              <a:latin typeface="Consolas" pitchFamily="49" charset="0"/>
-              <a:cs typeface="Consolas" pitchFamily="49" charset="0"/>
-            </a:endParaRPr>
-          </a:p>
-          <a:p>
-            <a:r>
-              <a:rPr lang="en-US" sz="2000" dirty="0" smtClean="0">
-                <a:solidFill>
-                  <a:srgbClr val="000000"/>
-                </a:solidFill>
-                <a:latin typeface="Consolas" pitchFamily="49" charset="0"/>
-                <a:cs typeface="Consolas" pitchFamily="49" charset="0"/>
-              </a:rPr>
-              <a:t>            //apply to class</a:t>
-            </a:r>
-          </a:p>
-          <a:p>
-            <a:r>
-              <a:rPr lang="en-US" sz="2000" dirty="0" smtClean="0">
-                <a:solidFill>
-                  <a:srgbClr val="000000"/>
-                </a:solidFill>
-                <a:latin typeface="Consolas" pitchFamily="49" charset="0"/>
-                <a:cs typeface="Consolas" pitchFamily="49" charset="0"/>
-              </a:rPr>
-              <a:t>            Type type2 = </a:t>
-            </a:r>
-            <a:r>
-              <a:rPr lang="en-US" sz="2000" dirty="0" err="1" smtClean="0">
-                <a:solidFill>
-                  <a:srgbClr val="000000"/>
-                </a:solidFill>
-                <a:latin typeface="Consolas" pitchFamily="49" charset="0"/>
-                <a:cs typeface="Consolas" pitchFamily="49" charset="0"/>
-              </a:rPr>
-              <a:t>typeof</a:t>
-            </a:r>
-            <a:r>
-              <a:rPr lang="en-US" sz="2000" dirty="0" smtClean="0">
-                <a:solidFill>
-                  <a:srgbClr val="000000"/>
-                </a:solidFill>
-                <a:latin typeface="Consolas" pitchFamily="49" charset="0"/>
-                <a:cs typeface="Consolas" pitchFamily="49" charset="0"/>
-              </a:rPr>
-              <a:t>(</a:t>
-            </a:r>
-            <a:r>
-              <a:rPr lang="en-US" sz="2000" dirty="0" err="1" smtClean="0">
-                <a:solidFill>
-                  <a:srgbClr val="000000"/>
-                </a:solidFill>
-                <a:latin typeface="Consolas" pitchFamily="49" charset="0"/>
-                <a:cs typeface="Consolas" pitchFamily="49" charset="0"/>
-              </a:rPr>
-              <a:t>SomeClass</a:t>
-            </a:r>
-            <a:r>
-              <a:rPr lang="en-US" sz="2000" dirty="0" smtClean="0">
-                <a:solidFill>
-                  <a:srgbClr val="000000"/>
-                </a:solidFill>
-                <a:latin typeface="Consolas" pitchFamily="49" charset="0"/>
-                <a:cs typeface="Consolas" pitchFamily="49" charset="0"/>
-              </a:rPr>
-              <a:t>);</a:t>
-            </a:r>
-          </a:p>
-          <a:p>
-            <a:endParaRPr lang="uk-UA" sz="2000" dirty="0" smtClean="0">
-              <a:solidFill>
-                <a:srgbClr val="000000"/>
-              </a:solidFill>
-              <a:latin typeface="Consolas" pitchFamily="49" charset="0"/>
-              <a:cs typeface="Consolas" pitchFamily="49" charset="0"/>
-            </a:endParaRPr>
-          </a:p>
-          <a:p>
-            <a:r>
-              <a:rPr lang="en-US" sz="2000" dirty="0" smtClean="0">
-                <a:solidFill>
-                  <a:srgbClr val="000000"/>
-                </a:solidFill>
-                <a:latin typeface="Consolas" pitchFamily="49" charset="0"/>
-                <a:cs typeface="Consolas" pitchFamily="49" charset="0"/>
-              </a:rPr>
-              <a:t>            //apply to object</a:t>
-            </a:r>
-          </a:p>
-          <a:p>
-            <a:r>
-              <a:rPr lang="en-US" sz="2000" dirty="0" smtClean="0">
-                <a:solidFill>
-                  <a:srgbClr val="000000"/>
-                </a:solidFill>
-                <a:latin typeface="Consolas" pitchFamily="49" charset="0"/>
-                <a:cs typeface="Consolas" pitchFamily="49" charset="0"/>
-              </a:rPr>
-              <a:t>            </a:t>
-            </a:r>
-            <a:r>
-              <a:rPr lang="en-US" sz="2000" dirty="0" err="1" smtClean="0">
-                <a:solidFill>
-                  <a:srgbClr val="000000"/>
-                </a:solidFill>
-                <a:latin typeface="Consolas" pitchFamily="49" charset="0"/>
-                <a:cs typeface="Consolas" pitchFamily="49" charset="0"/>
-              </a:rPr>
-              <a:t>SomeClass</a:t>
-            </a:r>
-            <a:r>
-              <a:rPr lang="en-US" sz="2000" dirty="0" smtClean="0">
-                <a:solidFill>
-                  <a:srgbClr val="000000"/>
-                </a:solidFill>
-                <a:latin typeface="Consolas" pitchFamily="49" charset="0"/>
-                <a:cs typeface="Consolas" pitchFamily="49" charset="0"/>
-              </a:rPr>
-              <a:t> </a:t>
-            </a:r>
-            <a:r>
-              <a:rPr lang="en-US" sz="2000" dirty="0" err="1" smtClean="0">
-                <a:solidFill>
-                  <a:srgbClr val="000000"/>
-                </a:solidFill>
-                <a:latin typeface="Consolas" pitchFamily="49" charset="0"/>
-                <a:cs typeface="Consolas" pitchFamily="49" charset="0"/>
-              </a:rPr>
-              <a:t>someClass</a:t>
-            </a:r>
-            <a:r>
-              <a:rPr lang="en-US" sz="2000" dirty="0" smtClean="0">
-                <a:solidFill>
-                  <a:srgbClr val="000000"/>
-                </a:solidFill>
-                <a:latin typeface="Consolas" pitchFamily="49" charset="0"/>
-                <a:cs typeface="Consolas" pitchFamily="49" charset="0"/>
-              </a:rPr>
-              <a:t> = new </a:t>
-            </a:r>
-            <a:r>
-              <a:rPr lang="en-US" sz="2000" dirty="0" err="1" smtClean="0">
-                <a:solidFill>
-                  <a:srgbClr val="000000"/>
-                </a:solidFill>
-                <a:latin typeface="Consolas" pitchFamily="49" charset="0"/>
-                <a:cs typeface="Consolas" pitchFamily="49" charset="0"/>
-              </a:rPr>
-              <a:t>SomeClass</a:t>
-            </a:r>
-            <a:r>
-              <a:rPr lang="en-US" sz="2000" dirty="0" smtClean="0">
-                <a:solidFill>
-                  <a:srgbClr val="000000"/>
-                </a:solidFill>
-                <a:latin typeface="Consolas" pitchFamily="49" charset="0"/>
-                <a:cs typeface="Consolas" pitchFamily="49" charset="0"/>
-              </a:rPr>
-              <a:t>();</a:t>
-            </a:r>
-          </a:p>
-          <a:p>
-            <a:r>
-              <a:rPr lang="en-US" sz="2000" dirty="0" smtClean="0">
-                <a:solidFill>
-                  <a:srgbClr val="000000"/>
-                </a:solidFill>
-                <a:latin typeface="Consolas" pitchFamily="49" charset="0"/>
-                <a:cs typeface="Consolas" pitchFamily="49" charset="0"/>
-              </a:rPr>
-              <a:t>            Type type3 = </a:t>
-            </a:r>
-            <a:r>
-              <a:rPr lang="en-US" sz="2000" dirty="0" err="1" smtClean="0">
-                <a:solidFill>
-                  <a:srgbClr val="000000"/>
-                </a:solidFill>
-                <a:latin typeface="Consolas" pitchFamily="49" charset="0"/>
-                <a:cs typeface="Consolas" pitchFamily="49" charset="0"/>
-              </a:rPr>
-              <a:t>someClass.GetType</a:t>
-            </a:r>
-            <a:r>
-              <a:rPr lang="en-US" sz="2000" dirty="0" smtClean="0">
-                <a:solidFill>
-                  <a:srgbClr val="000000"/>
-                </a:solidFill>
-                <a:latin typeface="Consolas" pitchFamily="49" charset="0"/>
-                <a:cs typeface="Consolas" pitchFamily="49" charset="0"/>
-              </a:rPr>
-              <a:t>();</a:t>
-            </a:r>
-            <a:endParaRPr lang="uk-UA" sz="2000" dirty="0" smtClean="0">
-              <a:solidFill>
-                <a:srgbClr val="000000"/>
-              </a:solidFill>
-              <a:latin typeface="Consolas" pitchFamily="49" charset="0"/>
-              <a:cs typeface="Consolas" pitchFamily="49" charset="0"/>
-            </a:endParaRPr>
-          </a:p>
-          <a:p>
-            <a:r>
-              <a:rPr lang="uk-UA" sz="2000" dirty="0" smtClean="0">
-                <a:solidFill>
-                  <a:srgbClr val="000000"/>
-                </a:solidFill>
-                <a:latin typeface="Consolas" pitchFamily="49" charset="0"/>
-                <a:cs typeface="Consolas" pitchFamily="49" charset="0"/>
-              </a:rPr>
-              <a:t>        </a:t>
-            </a:r>
-            <a:r>
-              <a:rPr lang="uk-UA" sz="2000" dirty="0" smtClean="0">
-                <a:solidFill>
-                  <a:srgbClr val="000000"/>
-                </a:solidFill>
-                <a:latin typeface="Consolas" pitchFamily="49" charset="0"/>
-                <a:cs typeface="Consolas" pitchFamily="49" charset="0"/>
-              </a:rPr>
-              <a:t>}          </a:t>
-            </a:r>
-            <a:endParaRPr lang="uk-UA" sz="2000" dirty="0" smtClean="0">
-              <a:solidFill>
-                <a:srgbClr val="000000"/>
-              </a:solidFill>
-              <a:latin typeface="Consolas" pitchFamily="49" charset="0"/>
-              <a:cs typeface="Consolas" pitchFamily="49" charset="0"/>
-            </a:endParaRPr>
-          </a:p>
-          <a:p>
-            <a:r>
-              <a:rPr lang="uk-UA" sz="2000" dirty="0" smtClean="0">
-                <a:solidFill>
-                  <a:srgbClr val="000000"/>
-                </a:solidFill>
-                <a:latin typeface="Consolas" pitchFamily="49" charset="0"/>
-                <a:cs typeface="Consolas" pitchFamily="49" charset="0"/>
-              </a:rPr>
-              <a:t>    </a:t>
-            </a:r>
-            <a:r>
-              <a:rPr lang="uk-UA" sz="2000" dirty="0" smtClean="0">
-                <a:solidFill>
-                  <a:srgbClr val="000000"/>
-                </a:solidFill>
-                <a:latin typeface="Consolas" pitchFamily="49" charset="0"/>
-                <a:cs typeface="Consolas" pitchFamily="49" charset="0"/>
-              </a:rPr>
-              <a:t>}</a:t>
-            </a:r>
-            <a:endParaRPr lang="en-US" sz="2000" dirty="0" smtClean="0">
-              <a:solidFill>
-                <a:srgbClr val="000000"/>
-              </a:solidFill>
-              <a:latin typeface="Consolas" pitchFamily="49" charset="0"/>
-              <a:cs typeface="Consolas" pitchFamily="49" charset="0"/>
-            </a:endParaRPr>
-          </a:p>
-          <a:p>
-            <a:endParaRPr lang="en-US" sz="2000" dirty="0" smtClean="0"/>
-          </a:p>
-          <a:p>
-            <a:endParaRPr lang="en-US" sz="2000" dirty="0" smtClean="0"/>
-          </a:p>
-          <a:p>
-            <a:endParaRPr lang="en-US" sz="2000" dirty="0" smtClean="0"/>
-          </a:p>
-          <a:p>
-            <a:endParaRPr lang="en-US" sz="1600" dirty="0" smtClean="0">
-              <a:latin typeface="Consolas" pitchFamily="49" charset="0"/>
-              <a:cs typeface="Consolas" pitchFamily="49" charset="0"/>
-            </a:endParaRPr>
-          </a:p>
-        </p:txBody>
-      </p:sp>
-      <p:sp>
-        <p:nvSpPr>
-          <p:cNvPr id="8" name="Текст 6"/>
-          <p:cNvSpPr txBox="1">
-            <a:spLocks/>
-          </p:cNvSpPr>
+      </p:pic>
+      <p:pic>
+        <p:nvPicPr>
+          <p:cNvPr id="3076" name="Picture 4"/>
+          <p:cNvPicPr>
+            <a:picLocks noChangeAspect="1" noChangeArrowheads="1"/>
+          </p:cNvPicPr>
           <p:nvPr/>
-        </p:nvSpPr>
-        <p:spPr>
+        </p:nvPicPr>
+        <p:blipFill>
+          <a:blip r:embed="rId3"/>
+          <a:srcRect/>
+          <a:stretch>
+            <a:fillRect/>
+          </a:stretch>
+        </p:blipFill>
+        <p:spPr bwMode="auto">
           <a:xfrm>
-            <a:off x="244847" y="1561035"/>
-            <a:ext cx="8674213" cy="4391025"/>
+            <a:off x="2756704" y="3385476"/>
+            <a:ext cx="6168931" cy="2874460"/>
           </a:xfrm>
           <a:prstGeom prst="rect">
             <a:avLst/>
           </a:prstGeom>
+          <a:noFill/>
+          <a:ln w="9525">
+            <a:solidFill>
+              <a:schemeClr val="tx1"/>
+            </a:solidFill>
+            <a:miter lim="800000"/>
+            <a:headEnd/>
+            <a:tailEnd/>
+          </a:ln>
+          <a:effectLst/>
         </p:spPr>
-        <p:txBody>
-          <a:bodyPr vert="horz" lIns="91440" tIns="45720" rIns="91440" bIns="45720" rtlCol="0">
-            <a:normAutofit/>
-          </a:bodyPr>
-          <a:lstStyle/>
-          <a:p>
-            <a:pPr marL="228578" lvl="0" indent="-228578" defTabSz="914309">
-              <a:lnSpc>
-                <a:spcPct val="120000"/>
-              </a:lnSpc>
-              <a:spcBef>
-                <a:spcPts val="1000"/>
-              </a:spcBef>
-              <a:buClr>
-                <a:schemeClr val="bg2"/>
-              </a:buClr>
-            </a:pPr>
-            <a:endParaRPr kumimoji="0" lang="uk-UA" sz="2800" b="0" i="0" u="none" strike="noStrike" kern="1200" cap="none" spc="0" normalizeH="0" baseline="0" noProof="0" dirty="0">
-              <a:ln>
-                <a:noFill/>
-              </a:ln>
-              <a:solidFill>
-                <a:srgbClr val="000000"/>
-              </a:solidFill>
-              <a:effectLst/>
-              <a:uLnTx/>
-              <a:uFillTx/>
-              <a:latin typeface="Consolas" pitchFamily="49" charset="0"/>
-              <a:cs typeface="Consolas" pitchFamily="49" charset="0"/>
-            </a:endParaRPr>
-          </a:p>
-        </p:txBody>
-      </p:sp>
+      </p:pic>
+      <p:pic>
+        <p:nvPicPr>
+          <p:cNvPr id="3077" name="Picture 5"/>
+          <p:cNvPicPr>
+            <a:picLocks noChangeAspect="1" noChangeArrowheads="1"/>
+          </p:cNvPicPr>
+          <p:nvPr/>
+        </p:nvPicPr>
+        <p:blipFill>
+          <a:blip r:embed="rId4"/>
+          <a:srcRect/>
+          <a:stretch>
+            <a:fillRect/>
+          </a:stretch>
+        </p:blipFill>
+        <p:spPr bwMode="auto">
+          <a:xfrm>
+            <a:off x="278429" y="5375419"/>
+            <a:ext cx="2295842" cy="1298338"/>
+          </a:xfrm>
+          <a:prstGeom prst="rect">
+            <a:avLst/>
+          </a:prstGeom>
+          <a:noFill/>
+          <a:ln w="9525">
+            <a:noFill/>
+            <a:miter lim="800000"/>
+            <a:headEnd/>
+            <a:tailEnd/>
+          </a:ln>
+          <a:effectLst/>
+        </p:spPr>
+      </p:pic>
     </p:spTree>
     <p:extLst>
       <p:ext uri="{BB962C8B-B14F-4D97-AF65-F5344CB8AC3E}">
-        <p14:creationId xmlns="" xmlns:p14="http://schemas.microsoft.com/office/powerpoint/2010/main" val="365623256"/>
+        <p14:creationId xmlns:p14="http://schemas.microsoft.com/office/powerpoint/2010/main" xmlns="" val="36659883"/>
       </p:ext>
     </p:extLst>
   </p:cSld>
   <p:clrMapOvr>
     <a:masterClrMapping/>
   </p:clrMapOvr>
+  <p:timing>
+    <p:tnLst>
+      <p:par>
+        <p:cTn id="1" dur="indefinite" restart="never" nodeType="tmRoot"/>
+      </p:par>
+    </p:tnLst>
+  </p:timing>
 </p:sld>
 </file>
 
@@ -8830,12 +9562,12 @@
       </p:grpSpPr>
       <p:sp>
         <p:nvSpPr>
-          <p:cNvPr id="7" name="Текст 6"/>
+          <p:cNvPr id="6" name="Заголовок 5"/>
           <p:cNvSpPr>
             <a:spLocks noGrp="1"/>
           </p:cNvSpPr>
           <p:nvPr>
-            <p:ph type="body" sz="quarter" idx="10"/>
+            <p:ph type="title"/>
           </p:nvPr>
         </p:nvSpPr>
         <p:spPr/>
@@ -8843,49 +9575,317 @@
           <a:bodyPr/>
           <a:lstStyle/>
           <a:p>
-            <a:pPr>
-              <a:buClr>
-                <a:srgbClr val="171B65"/>
-              </a:buClr>
-            </a:pPr>
-            <a:r>
-              <a:rPr lang="en-US" sz="2400" dirty="0" smtClean="0"/>
-              <a:t>Late binding is a runtime process of looking up a declaration, by name, that corresponds to a uniquely specified type. It does not involve type checking during compilation, when referencing libraries, including an object, is not required.</a:t>
-            </a:r>
-          </a:p>
-          <a:p>
-            <a:pPr>
-              <a:buClr>
-                <a:srgbClr val="171B65"/>
-              </a:buClr>
-            </a:pPr>
+            <a:r>
+              <a:rPr lang="en-US" dirty="0" smtClean="0"/>
+              <a:t>Reflection</a:t>
+            </a:r>
+            <a:r>
+              <a:rPr lang="uk-UA" dirty="0" smtClean="0"/>
+              <a:t/>
+            </a:r>
+            <a:br>
+              <a:rPr lang="uk-UA" dirty="0" smtClean="0"/>
+            </a:br>
             <a:endParaRPr lang="uk-UA" dirty="0"/>
           </a:p>
         </p:txBody>
       </p:sp>
       <p:sp>
         <p:nvSpPr>
-          <p:cNvPr id="6" name="Подзаголовок 5"/>
-          <p:cNvSpPr>
-            <a:spLocks noGrp="1"/>
+          <p:cNvPr id="7" name="Текст 6"/>
+          <p:cNvSpPr txBox="1">
+            <a:spLocks/>
           </p:cNvSpPr>
-          <p:nvPr>
-            <p:ph type="subTitle" idx="1"/>
-          </p:nvPr>
+          <p:nvPr/>
         </p:nvSpPr>
-        <p:spPr/>
+        <p:spPr>
+          <a:xfrm>
+            <a:off x="210480" y="750626"/>
+            <a:ext cx="8674213" cy="5296967"/>
+          </a:xfrm>
+          <a:prstGeom prst="rect">
+            <a:avLst/>
+          </a:prstGeom>
+        </p:spPr>
         <p:txBody>
-          <a:bodyPr/>
+          <a:bodyPr vert="horz" lIns="91440" tIns="45720" rIns="91440" bIns="45720" rtlCol="0">
+            <a:normAutofit/>
+          </a:bodyPr>
           <a:lstStyle/>
           <a:p>
-            <a:endParaRPr lang="uk-UA"/>
+            <a:endParaRPr lang="en-US" sz="2800" dirty="0" smtClean="0"/>
+          </a:p>
+          <a:p>
+            <a:endParaRPr lang="en-US" sz="2400" dirty="0" smtClean="0">
+              <a:solidFill>
+                <a:srgbClr val="000000"/>
+              </a:solidFill>
+              <a:latin typeface="Consolas" pitchFamily="49" charset="0"/>
+              <a:cs typeface="Consolas" pitchFamily="49" charset="0"/>
+            </a:endParaRPr>
+          </a:p>
+          <a:p>
+            <a:endParaRPr lang="en-US" sz="2200" dirty="0" smtClean="0">
+              <a:latin typeface="Consolas" pitchFamily="49" charset="0"/>
+              <a:cs typeface="Consolas" pitchFamily="49" charset="0"/>
+            </a:endParaRPr>
+          </a:p>
+        </p:txBody>
+      </p:sp>
+      <p:sp>
+        <p:nvSpPr>
+          <p:cNvPr id="10" name="Текст 6"/>
+          <p:cNvSpPr txBox="1">
+            <a:spLocks/>
+          </p:cNvSpPr>
+          <p:nvPr/>
+        </p:nvSpPr>
+        <p:spPr>
+          <a:xfrm>
+            <a:off x="299438" y="905942"/>
+            <a:ext cx="8674213" cy="4391025"/>
+          </a:xfrm>
+          <a:prstGeom prst="rect">
+            <a:avLst/>
+          </a:prstGeom>
+        </p:spPr>
+        <p:txBody>
+          <a:bodyPr vert="horz" lIns="91440" tIns="45720" rIns="91440" bIns="45720" rtlCol="0">
+            <a:normAutofit fontScale="70000" lnSpcReduction="20000"/>
+          </a:bodyPr>
+          <a:lstStyle/>
+          <a:p>
+            <a:pPr marL="228578" lvl="0" indent="-228578" defTabSz="914309">
+              <a:lnSpc>
+                <a:spcPct val="120000"/>
+              </a:lnSpc>
+              <a:spcBef>
+                <a:spcPts val="1000"/>
+              </a:spcBef>
+              <a:buClr>
+                <a:schemeClr val="bg2"/>
+              </a:buClr>
+            </a:pPr>
+            <a:r>
+              <a:rPr lang="en-US" sz="2800" dirty="0" smtClean="0">
+                <a:solidFill>
+                  <a:srgbClr val="000000"/>
+                </a:solidFill>
+              </a:rPr>
+              <a:t>Reflection is the ability of  managed code to read its own metadata for the purpose of finding assemblies and types information at runtime.</a:t>
+            </a:r>
+          </a:p>
+          <a:p>
+            <a:pPr marL="228578" lvl="0" indent="-228578" defTabSz="914309">
+              <a:lnSpc>
+                <a:spcPct val="90000"/>
+              </a:lnSpc>
+              <a:spcBef>
+                <a:spcPts val="1000"/>
+              </a:spcBef>
+              <a:buClr>
+                <a:schemeClr val="bg2"/>
+              </a:buClr>
+            </a:pPr>
+            <a:r>
+              <a:rPr lang="en-US" sz="2800" dirty="0" smtClean="0">
+                <a:solidFill>
+                  <a:srgbClr val="000000"/>
+                </a:solidFill>
+              </a:rPr>
+              <a:t>Reflection :</a:t>
+            </a:r>
+          </a:p>
+          <a:p>
+            <a:pPr marL="228578" lvl="0" indent="-228578" defTabSz="914309">
+              <a:lnSpc>
+                <a:spcPct val="90000"/>
+              </a:lnSpc>
+              <a:spcBef>
+                <a:spcPts val="1000"/>
+              </a:spcBef>
+              <a:buClr>
+                <a:schemeClr val="bg2"/>
+              </a:buClr>
+            </a:pPr>
+            <a:endParaRPr lang="en-US" sz="2800" dirty="0" smtClean="0">
+              <a:solidFill>
+                <a:srgbClr val="000000"/>
+              </a:solidFill>
+            </a:endParaRPr>
+          </a:p>
+          <a:p>
+            <a:pPr marL="228578" lvl="0" indent="-228578" defTabSz="914309">
+              <a:lnSpc>
+                <a:spcPct val="90000"/>
+              </a:lnSpc>
+              <a:spcBef>
+                <a:spcPts val="1000"/>
+              </a:spcBef>
+              <a:buClr>
+                <a:schemeClr val="bg2"/>
+              </a:buClr>
+              <a:buFont typeface="Arial" pitchFamily="34" charset="0"/>
+              <a:buChar char="•"/>
+            </a:pPr>
+            <a:r>
+              <a:rPr lang="en-US" sz="2800" dirty="0" smtClean="0">
+                <a:solidFill>
+                  <a:srgbClr val="000000"/>
+                </a:solidFill>
+              </a:rPr>
+              <a:t>     allows view attribute information at runtime.</a:t>
+            </a:r>
+          </a:p>
+          <a:p>
+            <a:pPr marL="228578" lvl="0" indent="-228578" defTabSz="914309">
+              <a:lnSpc>
+                <a:spcPct val="90000"/>
+              </a:lnSpc>
+              <a:spcBef>
+                <a:spcPts val="1000"/>
+              </a:spcBef>
+              <a:buClr>
+                <a:schemeClr val="bg2"/>
+              </a:buClr>
+              <a:buFont typeface="Arial" pitchFamily="34" charset="0"/>
+              <a:buChar char="•"/>
+            </a:pPr>
+            <a:endParaRPr lang="en-US" sz="2800" dirty="0" smtClean="0">
+              <a:solidFill>
+                <a:srgbClr val="000000"/>
+              </a:solidFill>
+            </a:endParaRPr>
+          </a:p>
+          <a:p>
+            <a:pPr marL="228578" lvl="0" indent="-228578" defTabSz="914309">
+              <a:lnSpc>
+                <a:spcPct val="90000"/>
+              </a:lnSpc>
+              <a:spcBef>
+                <a:spcPts val="1000"/>
+              </a:spcBef>
+              <a:buClr>
+                <a:schemeClr val="bg2"/>
+              </a:buClr>
+              <a:buFont typeface="Arial" pitchFamily="34" charset="0"/>
+              <a:buChar char="•"/>
+            </a:pPr>
+            <a:r>
+              <a:rPr lang="en-US" sz="2800" dirty="0" smtClean="0">
+                <a:solidFill>
+                  <a:srgbClr val="000000"/>
+                </a:solidFill>
+              </a:rPr>
+              <a:t>     allows examining various types in an assembly and instantiate these types.</a:t>
+            </a:r>
+          </a:p>
+          <a:p>
+            <a:pPr marL="228578" lvl="0" indent="-228578" defTabSz="914309">
+              <a:lnSpc>
+                <a:spcPct val="90000"/>
+              </a:lnSpc>
+              <a:spcBef>
+                <a:spcPts val="1000"/>
+              </a:spcBef>
+              <a:buClr>
+                <a:schemeClr val="bg2"/>
+              </a:buClr>
+              <a:buFont typeface="Arial" pitchFamily="34" charset="0"/>
+              <a:buChar char="•"/>
+            </a:pPr>
+            <a:endParaRPr lang="en-US" sz="2800" dirty="0" smtClean="0">
+              <a:solidFill>
+                <a:srgbClr val="000000"/>
+              </a:solidFill>
+            </a:endParaRPr>
+          </a:p>
+          <a:p>
+            <a:pPr marL="228578" lvl="0" indent="-228578" defTabSz="914309">
+              <a:lnSpc>
+                <a:spcPct val="90000"/>
+              </a:lnSpc>
+              <a:spcBef>
+                <a:spcPts val="1000"/>
+              </a:spcBef>
+              <a:buClr>
+                <a:schemeClr val="bg2"/>
+              </a:buClr>
+              <a:buFont typeface="Arial" pitchFamily="34" charset="0"/>
+              <a:buChar char="•"/>
+            </a:pPr>
+            <a:r>
+              <a:rPr lang="en-US" sz="2800" dirty="0" smtClean="0">
+                <a:solidFill>
+                  <a:srgbClr val="000000"/>
+                </a:solidFill>
+              </a:rPr>
+              <a:t>     allows late binding to methods and properties</a:t>
+            </a:r>
+          </a:p>
+          <a:p>
+            <a:pPr marL="228578" lvl="0" indent="-228578" defTabSz="914309">
+              <a:lnSpc>
+                <a:spcPct val="90000"/>
+              </a:lnSpc>
+              <a:spcBef>
+                <a:spcPts val="1000"/>
+              </a:spcBef>
+              <a:buClr>
+                <a:schemeClr val="bg2"/>
+              </a:buClr>
+              <a:buFont typeface="Arial" pitchFamily="34" charset="0"/>
+              <a:buChar char="•"/>
+            </a:pPr>
+            <a:endParaRPr lang="en-US" sz="2800" dirty="0" smtClean="0">
+              <a:solidFill>
+                <a:srgbClr val="000000"/>
+              </a:solidFill>
+            </a:endParaRPr>
+          </a:p>
+          <a:p>
+            <a:pPr marL="228578" lvl="0" indent="-228578" defTabSz="914309">
+              <a:lnSpc>
+                <a:spcPct val="90000"/>
+              </a:lnSpc>
+              <a:spcBef>
+                <a:spcPts val="1000"/>
+              </a:spcBef>
+              <a:buClr>
+                <a:schemeClr val="bg2"/>
+              </a:buClr>
+              <a:buFont typeface="Arial" pitchFamily="34" charset="0"/>
+              <a:buChar char="•"/>
+            </a:pPr>
+            <a:r>
+              <a:rPr lang="en-US" sz="2800" dirty="0" smtClean="0">
+                <a:solidFill>
+                  <a:srgbClr val="000000"/>
+                </a:solidFill>
+              </a:rPr>
+              <a:t>     allows creating new types at runtime and then performs some tasks using those types.</a:t>
+            </a:r>
+            <a:endParaRPr kumimoji="0" lang="uk-UA" sz="2800" b="0" i="0" u="none" strike="noStrike" kern="1200" cap="none" spc="0" normalizeH="0" baseline="0" noProof="0" dirty="0">
+              <a:ln>
+                <a:noFill/>
+              </a:ln>
+              <a:solidFill>
+                <a:srgbClr val="000000"/>
+              </a:solidFill>
+              <a:effectLst/>
+              <a:uLnTx/>
+              <a:uFillTx/>
+              <a:latin typeface="+mn-lt"/>
+              <a:ea typeface="+mn-ea"/>
+              <a:cs typeface="+mn-cs"/>
+            </a:endParaRPr>
           </a:p>
         </p:txBody>
       </p:sp>
     </p:spTree>
     <p:extLst>
       <p:ext uri="{BB962C8B-B14F-4D97-AF65-F5344CB8AC3E}">
-        <p14:creationId xmlns="" xmlns:p14="http://schemas.microsoft.com/office/powerpoint/2010/main" val="36659883"/>
+        <p14:creationId xmlns:p14="http://schemas.microsoft.com/office/powerpoint/2010/main" xmlns="" val="1481341408"/>
       </p:ext>
     </p:extLst>
   </p:cSld>
@@ -9097,7 +10097,7 @@
   <a:extraClrSchemeLst/>
   <a:extLst>
     <a:ext uri="{05A4C25C-085E-4340-85A3-A5531E510DB2}">
-      <thm15:themeFamily xmlns="" xmlns:thm15="http://schemas.microsoft.com/office/thememl/2012/main" name="Office Theme" id="{62F939B6-93AF-4DB8-9C6B-D6C7DFDC589F}" vid="{4A3C46E8-61CC-4603-A589-7422A47A8E4A}"/>
+      <thm15:themeFamily xmlns:thm15="http://schemas.microsoft.com/office/thememl/2012/main" xmlns="" name="Office Theme" id="{62F939B6-93AF-4DB8-9C6B-D6C7DFDC589F}" vid="{4A3C46E8-61CC-4603-A589-7422A47A8E4A}"/>
     </a:ext>
   </a:extLst>
 </a:theme>
@@ -9298,7 +10298,7 @@
   <a:extraClrSchemeLst/>
   <a:extLst>
     <a:ext uri="{05A4C25C-085E-4340-85A3-A5531E510DB2}">
-      <thm15:themeFamily xmlns="" xmlns:thm15="http://schemas.microsoft.com/office/thememl/2012/main" name="Office Theme" id="{62F939B6-93AF-4DB8-9C6B-D6C7DFDC589F}" vid="{4A3C46E8-61CC-4603-A589-7422A47A8E4A}"/>
+      <thm15:themeFamily xmlns:thm15="http://schemas.microsoft.com/office/thememl/2012/main" xmlns="" name="Office Theme" id="{62F939B6-93AF-4DB8-9C6B-D6C7DFDC589F}" vid="{4A3C46E8-61CC-4603-A589-7422A47A8E4A}"/>
     </a:ext>
   </a:extLst>
 </a:theme>
@@ -9499,7 +10499,7 @@
   <a:extraClrSchemeLst/>
   <a:extLst>
     <a:ext uri="{05A4C25C-085E-4340-85A3-A5531E510DB2}">
-      <thm15:themeFamily xmlns="" xmlns:thm15="http://schemas.microsoft.com/office/thememl/2012/main" name="Office Theme" id="{62F939B6-93AF-4DB8-9C6B-D6C7DFDC589F}" vid="{4A3C46E8-61CC-4603-A589-7422A47A8E4A}"/>
+      <thm15:themeFamily xmlns:thm15="http://schemas.microsoft.com/office/thememl/2012/main" xmlns="" name="Office Theme" id="{62F939B6-93AF-4DB8-9C6B-D6C7DFDC589F}" vid="{4A3C46E8-61CC-4603-A589-7422A47A8E4A}"/>
     </a:ext>
   </a:extLst>
 </a:theme>
@@ -9760,7 +10760,7 @@
   <a:extraClrSchemeLst/>
   <a:extLst>
     <a:ext uri="{05A4C25C-085E-4340-85A3-A5531E510DB2}">
-      <thm15:themeFamily xmlns="" xmlns:thm15="http://schemas.microsoft.com/office/thememl/2012/main" name="Office Theme" id="{62F939B6-93AF-4DB8-9C6B-D6C7DFDC589F}" vid="{4A3C46E8-61CC-4603-A589-7422A47A8E4A}"/>
+      <thm15:themeFamily xmlns:thm15="http://schemas.microsoft.com/office/thememl/2012/main" xmlns="" name="Office Theme" id="{62F939B6-93AF-4DB8-9C6B-D6C7DFDC589F}" vid="{4A3C46E8-61CC-4603-A589-7422A47A8E4A}"/>
     </a:ext>
   </a:extLst>
 </a:theme>
